--- a/slie thuyet trinh.pptx
+++ b/slie thuyet trinh.pptx
@@ -5,7 +5,7 @@
     <p:sldMasterId id="2147483648" r:id="rId1"/>
   </p:sldMasterIdLst>
   <p:notesMasterIdLst>
-    <p:notesMasterId r:id="rId8"/>
+    <p:notesMasterId r:id="rId12"/>
   </p:notesMasterIdLst>
   <p:sldIdLst>
     <p:sldId id="256" r:id="rId2"/>
@@ -14,6 +14,10 @@
     <p:sldId id="259" r:id="rId5"/>
     <p:sldId id="260" r:id="rId6"/>
     <p:sldId id="261" r:id="rId7"/>
+    <p:sldId id="262" r:id="rId8"/>
+    <p:sldId id="263" r:id="rId9"/>
+    <p:sldId id="264" r:id="rId10"/>
+    <p:sldId id="265" r:id="rId11"/>
   </p:sldIdLst>
   <p:sldSz cx="12192000" cy="6858000"/>
   <p:notesSz cx="6858000" cy="9144000"/>
@@ -112,6 +116,11 @@
       </a:defRPr>
     </a:lvl9pPr>
   </p:defaultTextStyle>
+  <p:extLst>
+    <p:ext uri="{EFAFB233-063F-42B5-8137-9DF3F51BA10A}">
+      <p15:sldGuideLst xmlns:p15="http://schemas.microsoft.com/office/powerpoint/2012/main"/>
+    </p:ext>
+  </p:extLst>
 </p:presentation>
 </file>
 
@@ -566,6 +575,90 @@
     <p:extLst>
       <p:ext uri="{BB962C8B-B14F-4D97-AF65-F5344CB8AC3E}">
         <p14:creationId xmlns:p14="http://schemas.microsoft.com/office/powerpoint/2010/main" val="1084155902"/>
+      </p:ext>
+    </p:extLst>
+  </p:cSld>
+  <p:clrMapOvr>
+    <a:masterClrMapping/>
+  </p:clrMapOvr>
+</p:notes>
+</file>
+
+<file path=ppt/notesSlides/notesSlide2.xml><?xml version="1.0" encoding="utf-8"?>
+<p:notes xmlns:a="http://schemas.openxmlformats.org/drawingml/2006/main" xmlns:r="http://schemas.openxmlformats.org/officeDocument/2006/relationships" xmlns:p="http://schemas.openxmlformats.org/presentationml/2006/main">
+  <p:cSld>
+    <p:spTree>
+      <p:nvGrpSpPr>
+        <p:cNvPr id="1" name=""/>
+        <p:cNvGrpSpPr/>
+        <p:nvPr/>
+      </p:nvGrpSpPr>
+      <p:grpSpPr>
+        <a:xfrm>
+          <a:off x="0" y="0"/>
+          <a:ext cx="0" cy="0"/>
+          <a:chOff x="0" y="0"/>
+          <a:chExt cx="0" cy="0"/>
+        </a:xfrm>
+      </p:grpSpPr>
+      <p:sp>
+        <p:nvSpPr>
+          <p:cNvPr id="2" name="Slide Image Placeholder 1"/>
+          <p:cNvSpPr>
+            <a:spLocks noGrp="1" noRot="1" noChangeAspect="1"/>
+          </p:cNvSpPr>
+          <p:nvPr>
+            <p:ph type="sldImg"/>
+          </p:nvPr>
+        </p:nvSpPr>
+        <p:spPr/>
+      </p:sp>
+      <p:sp>
+        <p:nvSpPr>
+          <p:cNvPr id="3" name="Notes Placeholder 2"/>
+          <p:cNvSpPr>
+            <a:spLocks noGrp="1"/>
+          </p:cNvSpPr>
+          <p:nvPr>
+            <p:ph type="body" idx="1"/>
+          </p:nvPr>
+        </p:nvSpPr>
+        <p:spPr/>
+        <p:txBody>
+          <a:bodyPr/>
+          <a:lstStyle/>
+          <a:p>
+            <a:endParaRPr lang="en-US"/>
+          </a:p>
+        </p:txBody>
+      </p:sp>
+      <p:sp>
+        <p:nvSpPr>
+          <p:cNvPr id="4" name="Slide Number Placeholder 3"/>
+          <p:cNvSpPr>
+            <a:spLocks noGrp="1"/>
+          </p:cNvSpPr>
+          <p:nvPr>
+            <p:ph type="sldNum" sz="quarter" idx="10"/>
+          </p:nvPr>
+        </p:nvSpPr>
+        <p:spPr/>
+        <p:txBody>
+          <a:bodyPr/>
+          <a:lstStyle/>
+          <a:p>
+            <a:fld id="{C7EF3978-665C-4C2E-9ED4-2E3E5526E6D5}" type="slidenum">
+              <a:rPr lang="en-US" smtClean="0"/>
+              <a:t>6</a:t>
+            </a:fld>
+            <a:endParaRPr lang="en-US"/>
+          </a:p>
+        </p:txBody>
+      </p:sp>
+    </p:spTree>
+    <p:extLst>
+      <p:ext uri="{BB962C8B-B14F-4D97-AF65-F5344CB8AC3E}">
+        <p14:creationId xmlns:p14="http://schemas.microsoft.com/office/powerpoint/2010/main" val="2972755436"/>
       </p:ext>
     </p:extLst>
   </p:cSld>
@@ -7397,6 +7490,2478 @@
 </p:sld>
 </file>
 
+<file path=ppt/slides/slide10.xml><?xml version="1.0" encoding="utf-8"?>
+<p:sld xmlns:a="http://schemas.openxmlformats.org/drawingml/2006/main" xmlns:r="http://schemas.openxmlformats.org/officeDocument/2006/relationships" xmlns:p="http://schemas.openxmlformats.org/presentationml/2006/main">
+  <p:cSld>
+    <p:spTree>
+      <p:nvGrpSpPr>
+        <p:cNvPr id="1" name=""/>
+        <p:cNvGrpSpPr/>
+        <p:nvPr/>
+      </p:nvGrpSpPr>
+      <p:grpSpPr>
+        <a:xfrm>
+          <a:off x="0" y="0"/>
+          <a:ext cx="0" cy="0"/>
+          <a:chOff x="0" y="0"/>
+          <a:chExt cx="0" cy="0"/>
+        </a:xfrm>
+      </p:grpSpPr>
+      <p:sp>
+        <p:nvSpPr>
+          <p:cNvPr id="4" name="Slide Number Placeholder 3"/>
+          <p:cNvSpPr>
+            <a:spLocks noGrp="1"/>
+          </p:cNvSpPr>
+          <p:nvPr>
+            <p:ph type="sldNum" sz="quarter" idx="12"/>
+          </p:nvPr>
+        </p:nvSpPr>
+        <p:spPr>
+          <a:xfrm>
+            <a:off x="543943" y="6132802"/>
+            <a:ext cx="683339" cy="365125"/>
+          </a:xfrm>
+        </p:spPr>
+        <p:txBody>
+          <a:bodyPr/>
+          <a:lstStyle/>
+          <a:p>
+            <a:fld id="{D57F1E4F-1CFF-5643-939E-217C01CDF565}" type="slidenum">
+              <a:rPr lang="en-US" sz="2800" u="sng" smtClean="0"/>
+              <a:pPr/>
+              <a:t>10</a:t>
+            </a:fld>
+            <a:endParaRPr lang="en-US" sz="2800" u="sng" dirty="0"/>
+          </a:p>
+        </p:txBody>
+      </p:sp>
+      <p:sp>
+        <p:nvSpPr>
+          <p:cNvPr id="6" name="TextBox 5"/>
+          <p:cNvSpPr txBox="1"/>
+          <p:nvPr/>
+        </p:nvSpPr>
+        <p:spPr>
+          <a:xfrm>
+            <a:off x="2980944" y="630936"/>
+            <a:ext cx="2779776" cy="707886"/>
+          </a:xfrm>
+          <a:prstGeom prst="rect">
+            <a:avLst/>
+          </a:prstGeom>
+          <a:noFill/>
+        </p:spPr>
+        <p:txBody>
+          <a:bodyPr wrap="square" rtlCol="0">
+            <a:spAutoFit/>
+          </a:bodyPr>
+          <a:lstStyle/>
+          <a:p>
+            <a:pPr algn="ctr"/>
+            <a:r>
+              <a:rPr lang="en-US" sz="4000" dirty="0" err="1" smtClean="0">
+                <a:latin typeface="Times New Roman" panose="02020603050405020304" pitchFamily="18" charset="0"/>
+                <a:cs typeface="Times New Roman" panose="02020603050405020304" pitchFamily="18" charset="0"/>
+              </a:rPr>
+              <a:t>Kết</a:t>
+            </a:r>
+            <a:r>
+              <a:rPr lang="en-US" sz="4000" dirty="0" smtClean="0">
+                <a:latin typeface="Times New Roman" panose="02020603050405020304" pitchFamily="18" charset="0"/>
+                <a:cs typeface="Times New Roman" panose="02020603050405020304" pitchFamily="18" charset="0"/>
+              </a:rPr>
+              <a:t> </a:t>
+            </a:r>
+            <a:r>
+              <a:rPr lang="en-US" sz="4000" dirty="0" err="1" smtClean="0">
+                <a:latin typeface="Times New Roman" panose="02020603050405020304" pitchFamily="18" charset="0"/>
+                <a:cs typeface="Times New Roman" panose="02020603050405020304" pitchFamily="18" charset="0"/>
+              </a:rPr>
+              <a:t>luận</a:t>
+            </a:r>
+            <a:endParaRPr lang="en-US" sz="4000" dirty="0">
+              <a:latin typeface="Times New Roman" panose="02020603050405020304" pitchFamily="18" charset="0"/>
+              <a:cs typeface="Times New Roman" panose="02020603050405020304" pitchFamily="18" charset="0"/>
+            </a:endParaRPr>
+          </a:p>
+        </p:txBody>
+      </p:sp>
+      <p:sp>
+        <p:nvSpPr>
+          <p:cNvPr id="7" name="TextBox 6"/>
+          <p:cNvSpPr txBox="1"/>
+          <p:nvPr/>
+        </p:nvSpPr>
+        <p:spPr>
+          <a:xfrm>
+            <a:off x="667512" y="1490472"/>
+            <a:ext cx="8769096" cy="3170099"/>
+          </a:xfrm>
+          <a:prstGeom prst="rect">
+            <a:avLst/>
+          </a:prstGeom>
+          <a:noFill/>
+        </p:spPr>
+        <p:txBody>
+          <a:bodyPr wrap="square" rtlCol="0">
+            <a:spAutoFit/>
+          </a:bodyPr>
+          <a:lstStyle/>
+          <a:p>
+            <a:pPr marL="285750" indent="-285750">
+              <a:buFont typeface="Courier New" panose="02070309020205020404" pitchFamily="49" charset="0"/>
+              <a:buChar char="o"/>
+            </a:pPr>
+            <a:r>
+              <a:rPr lang="en-US" sz="2000" dirty="0" err="1">
+                <a:latin typeface="Times New Roman" panose="02020603050405020304" pitchFamily="18" charset="0"/>
+                <a:cs typeface="Times New Roman" panose="02020603050405020304" pitchFamily="18" charset="0"/>
+              </a:rPr>
+              <a:t>Chương</a:t>
+            </a:r>
+            <a:r>
+              <a:rPr lang="en-US" sz="2000" dirty="0">
+                <a:latin typeface="Times New Roman" panose="02020603050405020304" pitchFamily="18" charset="0"/>
+                <a:cs typeface="Times New Roman" panose="02020603050405020304" pitchFamily="18" charset="0"/>
+              </a:rPr>
+              <a:t> </a:t>
+            </a:r>
+            <a:r>
+              <a:rPr lang="en-US" sz="2000" dirty="0" err="1">
+                <a:latin typeface="Times New Roman" panose="02020603050405020304" pitchFamily="18" charset="0"/>
+                <a:cs typeface="Times New Roman" panose="02020603050405020304" pitchFamily="18" charset="0"/>
+              </a:rPr>
+              <a:t>trình</a:t>
+            </a:r>
+            <a:r>
+              <a:rPr lang="en-US" sz="2000" dirty="0">
+                <a:latin typeface="Times New Roman" panose="02020603050405020304" pitchFamily="18" charset="0"/>
+                <a:cs typeface="Times New Roman" panose="02020603050405020304" pitchFamily="18" charset="0"/>
+              </a:rPr>
+              <a:t> </a:t>
+            </a:r>
+            <a:r>
+              <a:rPr lang="en-US" sz="2000" dirty="0" err="1">
+                <a:latin typeface="Times New Roman" panose="02020603050405020304" pitchFamily="18" charset="0"/>
+                <a:cs typeface="Times New Roman" panose="02020603050405020304" pitchFamily="18" charset="0"/>
+              </a:rPr>
+              <a:t>đã</a:t>
+            </a:r>
+            <a:r>
+              <a:rPr lang="en-US" sz="2000" dirty="0">
+                <a:latin typeface="Times New Roman" panose="02020603050405020304" pitchFamily="18" charset="0"/>
+                <a:cs typeface="Times New Roman" panose="02020603050405020304" pitchFamily="18" charset="0"/>
+              </a:rPr>
+              <a:t> </a:t>
+            </a:r>
+            <a:r>
+              <a:rPr lang="en-US" sz="2000" dirty="0" err="1">
+                <a:latin typeface="Times New Roman" panose="02020603050405020304" pitchFamily="18" charset="0"/>
+                <a:cs typeface="Times New Roman" panose="02020603050405020304" pitchFamily="18" charset="0"/>
+              </a:rPr>
+              <a:t>được</a:t>
+            </a:r>
+            <a:r>
+              <a:rPr lang="en-US" sz="2000" dirty="0">
+                <a:latin typeface="Times New Roman" panose="02020603050405020304" pitchFamily="18" charset="0"/>
+                <a:cs typeface="Times New Roman" panose="02020603050405020304" pitchFamily="18" charset="0"/>
+              </a:rPr>
+              <a:t> </a:t>
+            </a:r>
+            <a:r>
+              <a:rPr lang="en-US" sz="2000" dirty="0" err="1">
+                <a:latin typeface="Times New Roman" panose="02020603050405020304" pitchFamily="18" charset="0"/>
+                <a:cs typeface="Times New Roman" panose="02020603050405020304" pitchFamily="18" charset="0"/>
+              </a:rPr>
+              <a:t>chạy</a:t>
+            </a:r>
+            <a:r>
+              <a:rPr lang="en-US" sz="2000" dirty="0">
+                <a:latin typeface="Times New Roman" panose="02020603050405020304" pitchFamily="18" charset="0"/>
+                <a:cs typeface="Times New Roman" panose="02020603050405020304" pitchFamily="18" charset="0"/>
+              </a:rPr>
+              <a:t> </a:t>
+            </a:r>
+            <a:r>
+              <a:rPr lang="en-US" sz="2000" dirty="0" err="1">
+                <a:latin typeface="Times New Roman" panose="02020603050405020304" pitchFamily="18" charset="0"/>
+                <a:cs typeface="Times New Roman" panose="02020603050405020304" pitchFamily="18" charset="0"/>
+              </a:rPr>
+              <a:t>thử</a:t>
+            </a:r>
+            <a:r>
+              <a:rPr lang="en-US" sz="2000" dirty="0">
+                <a:latin typeface="Times New Roman" panose="02020603050405020304" pitchFamily="18" charset="0"/>
+                <a:cs typeface="Times New Roman" panose="02020603050405020304" pitchFamily="18" charset="0"/>
+              </a:rPr>
+              <a:t> </a:t>
+            </a:r>
+            <a:r>
+              <a:rPr lang="en-US" sz="2000" dirty="0" err="1">
+                <a:latin typeface="Times New Roman" panose="02020603050405020304" pitchFamily="18" charset="0"/>
+                <a:cs typeface="Times New Roman" panose="02020603050405020304" pitchFamily="18" charset="0"/>
+              </a:rPr>
+              <a:t>nghiệm</a:t>
+            </a:r>
+            <a:r>
+              <a:rPr lang="en-US" sz="2000" dirty="0">
+                <a:latin typeface="Times New Roman" panose="02020603050405020304" pitchFamily="18" charset="0"/>
+                <a:cs typeface="Times New Roman" panose="02020603050405020304" pitchFamily="18" charset="0"/>
+              </a:rPr>
+              <a:t> </a:t>
+            </a:r>
+            <a:r>
+              <a:rPr lang="en-US" sz="2000" dirty="0" err="1">
+                <a:latin typeface="Times New Roman" panose="02020603050405020304" pitchFamily="18" charset="0"/>
+                <a:cs typeface="Times New Roman" panose="02020603050405020304" pitchFamily="18" charset="0"/>
+              </a:rPr>
+              <a:t>trên</a:t>
+            </a:r>
+            <a:r>
+              <a:rPr lang="en-US" sz="2000" dirty="0">
+                <a:latin typeface="Times New Roman" panose="02020603050405020304" pitchFamily="18" charset="0"/>
+                <a:cs typeface="Times New Roman" panose="02020603050405020304" pitchFamily="18" charset="0"/>
+              </a:rPr>
+              <a:t> </a:t>
+            </a:r>
+            <a:r>
+              <a:rPr lang="en-US" sz="2000" dirty="0" err="1">
+                <a:latin typeface="Times New Roman" panose="02020603050405020304" pitchFamily="18" charset="0"/>
+                <a:cs typeface="Times New Roman" panose="02020603050405020304" pitchFamily="18" charset="0"/>
+              </a:rPr>
+              <a:t>một</a:t>
+            </a:r>
+            <a:r>
+              <a:rPr lang="en-US" sz="2000" dirty="0">
+                <a:latin typeface="Times New Roman" panose="02020603050405020304" pitchFamily="18" charset="0"/>
+                <a:cs typeface="Times New Roman" panose="02020603050405020304" pitchFamily="18" charset="0"/>
+              </a:rPr>
+              <a:t> </a:t>
+            </a:r>
+            <a:r>
+              <a:rPr lang="en-US" sz="2000" dirty="0" err="1">
+                <a:latin typeface="Times New Roman" panose="02020603050405020304" pitchFamily="18" charset="0"/>
+                <a:cs typeface="Times New Roman" panose="02020603050405020304" pitchFamily="18" charset="0"/>
+              </a:rPr>
+              <a:t>cơ</a:t>
+            </a:r>
+            <a:r>
+              <a:rPr lang="en-US" sz="2000" dirty="0">
+                <a:latin typeface="Times New Roman" panose="02020603050405020304" pitchFamily="18" charset="0"/>
+                <a:cs typeface="Times New Roman" panose="02020603050405020304" pitchFamily="18" charset="0"/>
+              </a:rPr>
+              <a:t> </a:t>
+            </a:r>
+            <a:r>
+              <a:rPr lang="en-US" sz="2000" dirty="0" err="1">
+                <a:latin typeface="Times New Roman" panose="02020603050405020304" pitchFamily="18" charset="0"/>
+                <a:cs typeface="Times New Roman" panose="02020603050405020304" pitchFamily="18" charset="0"/>
+              </a:rPr>
+              <a:t>sở</a:t>
+            </a:r>
+            <a:r>
+              <a:rPr lang="en-US" sz="2000" dirty="0">
+                <a:latin typeface="Times New Roman" panose="02020603050405020304" pitchFamily="18" charset="0"/>
+                <a:cs typeface="Times New Roman" panose="02020603050405020304" pitchFamily="18" charset="0"/>
+              </a:rPr>
+              <a:t> </a:t>
+            </a:r>
+            <a:r>
+              <a:rPr lang="en-US" sz="2000" dirty="0" err="1">
+                <a:latin typeface="Times New Roman" panose="02020603050405020304" pitchFamily="18" charset="0"/>
+                <a:cs typeface="Times New Roman" panose="02020603050405020304" pitchFamily="18" charset="0"/>
+              </a:rPr>
+              <a:t>dữ</a:t>
+            </a:r>
+            <a:r>
+              <a:rPr lang="en-US" sz="2000" dirty="0">
+                <a:latin typeface="Times New Roman" panose="02020603050405020304" pitchFamily="18" charset="0"/>
+                <a:cs typeface="Times New Roman" panose="02020603050405020304" pitchFamily="18" charset="0"/>
+              </a:rPr>
+              <a:t> </a:t>
+            </a:r>
+            <a:r>
+              <a:rPr lang="en-US" sz="2000" dirty="0" err="1">
+                <a:latin typeface="Times New Roman" panose="02020603050405020304" pitchFamily="18" charset="0"/>
+                <a:cs typeface="Times New Roman" panose="02020603050405020304" pitchFamily="18" charset="0"/>
+              </a:rPr>
+              <a:t>liệu</a:t>
+            </a:r>
+            <a:r>
+              <a:rPr lang="en-US" sz="2000" dirty="0">
+                <a:latin typeface="Times New Roman" panose="02020603050405020304" pitchFamily="18" charset="0"/>
+                <a:cs typeface="Times New Roman" panose="02020603050405020304" pitchFamily="18" charset="0"/>
+              </a:rPr>
+              <a:t> </a:t>
+            </a:r>
+            <a:r>
+              <a:rPr lang="en-US" sz="2000" dirty="0" err="1">
+                <a:latin typeface="Times New Roman" panose="02020603050405020304" pitchFamily="18" charset="0"/>
+                <a:cs typeface="Times New Roman" panose="02020603050405020304" pitchFamily="18" charset="0"/>
+              </a:rPr>
+              <a:t>thử</a:t>
+            </a:r>
+            <a:r>
+              <a:rPr lang="en-US" sz="2000" dirty="0">
+                <a:latin typeface="Times New Roman" panose="02020603050405020304" pitchFamily="18" charset="0"/>
+                <a:cs typeface="Times New Roman" panose="02020603050405020304" pitchFamily="18" charset="0"/>
+              </a:rPr>
+              <a:t> </a:t>
+            </a:r>
+            <a:r>
+              <a:rPr lang="en-US" sz="2000" dirty="0" err="1" smtClean="0">
+                <a:latin typeface="Times New Roman" panose="02020603050405020304" pitchFamily="18" charset="0"/>
+                <a:cs typeface="Times New Roman" panose="02020603050405020304" pitchFamily="18" charset="0"/>
+              </a:rPr>
+              <a:t>nghiệm</a:t>
+            </a:r>
+            <a:r>
+              <a:rPr lang="en-US" sz="2000" dirty="0" smtClean="0">
+                <a:latin typeface="Times New Roman" panose="02020603050405020304" pitchFamily="18" charset="0"/>
+                <a:cs typeface="Times New Roman" panose="02020603050405020304" pitchFamily="18" charset="0"/>
+              </a:rPr>
+              <a:t>, </a:t>
+            </a:r>
+            <a:r>
+              <a:rPr lang="en-US" sz="2000" dirty="0" err="1" smtClean="0">
+                <a:latin typeface="Times New Roman" panose="02020603050405020304" pitchFamily="18" charset="0"/>
+                <a:cs typeface="Times New Roman" panose="02020603050405020304" pitchFamily="18" charset="0"/>
+              </a:rPr>
+              <a:t>các</a:t>
+            </a:r>
+            <a:r>
+              <a:rPr lang="en-US" sz="2000" dirty="0" smtClean="0">
+                <a:latin typeface="Times New Roman" panose="02020603050405020304" pitchFamily="18" charset="0"/>
+                <a:cs typeface="Times New Roman" panose="02020603050405020304" pitchFamily="18" charset="0"/>
+              </a:rPr>
+              <a:t> </a:t>
+            </a:r>
+            <a:r>
+              <a:rPr lang="en-US" sz="2000" dirty="0" err="1">
+                <a:latin typeface="Times New Roman" panose="02020603050405020304" pitchFamily="18" charset="0"/>
+                <a:cs typeface="Times New Roman" panose="02020603050405020304" pitchFamily="18" charset="0"/>
+              </a:rPr>
+              <a:t>chức</a:t>
+            </a:r>
+            <a:r>
+              <a:rPr lang="en-US" sz="2000" dirty="0">
+                <a:latin typeface="Times New Roman" panose="02020603050405020304" pitchFamily="18" charset="0"/>
+                <a:cs typeface="Times New Roman" panose="02020603050405020304" pitchFamily="18" charset="0"/>
+              </a:rPr>
+              <a:t> </a:t>
+            </a:r>
+            <a:r>
+              <a:rPr lang="en-US" sz="2000" dirty="0" err="1">
+                <a:latin typeface="Times New Roman" panose="02020603050405020304" pitchFamily="18" charset="0"/>
+                <a:cs typeface="Times New Roman" panose="02020603050405020304" pitchFamily="18" charset="0"/>
+              </a:rPr>
+              <a:t>năng</a:t>
+            </a:r>
+            <a:r>
+              <a:rPr lang="en-US" sz="2000" dirty="0">
+                <a:latin typeface="Times New Roman" panose="02020603050405020304" pitchFamily="18" charset="0"/>
+                <a:cs typeface="Times New Roman" panose="02020603050405020304" pitchFamily="18" charset="0"/>
+              </a:rPr>
+              <a:t> </a:t>
+            </a:r>
+            <a:r>
+              <a:rPr lang="en-US" sz="2000" dirty="0" err="1">
+                <a:latin typeface="Times New Roman" panose="02020603050405020304" pitchFamily="18" charset="0"/>
+                <a:cs typeface="Times New Roman" panose="02020603050405020304" pitchFamily="18" charset="0"/>
+              </a:rPr>
+              <a:t>trong</a:t>
+            </a:r>
+            <a:r>
+              <a:rPr lang="en-US" sz="2000" dirty="0">
+                <a:latin typeface="Times New Roman" panose="02020603050405020304" pitchFamily="18" charset="0"/>
+                <a:cs typeface="Times New Roman" panose="02020603050405020304" pitchFamily="18" charset="0"/>
+              </a:rPr>
+              <a:t> </a:t>
+            </a:r>
+            <a:r>
+              <a:rPr lang="en-US" sz="2000" dirty="0" err="1">
+                <a:latin typeface="Times New Roman" panose="02020603050405020304" pitchFamily="18" charset="0"/>
+                <a:cs typeface="Times New Roman" panose="02020603050405020304" pitchFamily="18" charset="0"/>
+              </a:rPr>
+              <a:t>hệ</a:t>
+            </a:r>
+            <a:r>
+              <a:rPr lang="en-US" sz="2000" dirty="0">
+                <a:latin typeface="Times New Roman" panose="02020603050405020304" pitchFamily="18" charset="0"/>
+                <a:cs typeface="Times New Roman" panose="02020603050405020304" pitchFamily="18" charset="0"/>
+              </a:rPr>
+              <a:t> </a:t>
+            </a:r>
+            <a:r>
+              <a:rPr lang="en-US" sz="2000" dirty="0" err="1">
+                <a:latin typeface="Times New Roman" panose="02020603050405020304" pitchFamily="18" charset="0"/>
+                <a:cs typeface="Times New Roman" panose="02020603050405020304" pitchFamily="18" charset="0"/>
+              </a:rPr>
+              <a:t>thống</a:t>
+            </a:r>
+            <a:r>
+              <a:rPr lang="en-US" sz="2000" dirty="0">
+                <a:latin typeface="Times New Roman" panose="02020603050405020304" pitchFamily="18" charset="0"/>
+                <a:cs typeface="Times New Roman" panose="02020603050405020304" pitchFamily="18" charset="0"/>
+              </a:rPr>
+              <a:t> </a:t>
+            </a:r>
+            <a:r>
+              <a:rPr lang="en-US" sz="2000" dirty="0" err="1">
+                <a:latin typeface="Times New Roman" panose="02020603050405020304" pitchFamily="18" charset="0"/>
+                <a:cs typeface="Times New Roman" panose="02020603050405020304" pitchFamily="18" charset="0"/>
+              </a:rPr>
+              <a:t>hoạt</a:t>
+            </a:r>
+            <a:r>
+              <a:rPr lang="en-US" sz="2000" dirty="0">
+                <a:latin typeface="Times New Roman" panose="02020603050405020304" pitchFamily="18" charset="0"/>
+                <a:cs typeface="Times New Roman" panose="02020603050405020304" pitchFamily="18" charset="0"/>
+              </a:rPr>
+              <a:t> </a:t>
+            </a:r>
+            <a:r>
+              <a:rPr lang="en-US" sz="2000" dirty="0" err="1">
+                <a:latin typeface="Times New Roman" panose="02020603050405020304" pitchFamily="18" charset="0"/>
+                <a:cs typeface="Times New Roman" panose="02020603050405020304" pitchFamily="18" charset="0"/>
+              </a:rPr>
+              <a:t>động</a:t>
+            </a:r>
+            <a:r>
+              <a:rPr lang="en-US" sz="2000" dirty="0">
+                <a:latin typeface="Times New Roman" panose="02020603050405020304" pitchFamily="18" charset="0"/>
+                <a:cs typeface="Times New Roman" panose="02020603050405020304" pitchFamily="18" charset="0"/>
+              </a:rPr>
+              <a:t> </a:t>
+            </a:r>
+            <a:r>
+              <a:rPr lang="en-US" sz="2000" dirty="0" err="1" smtClean="0">
+                <a:latin typeface="Times New Roman" panose="02020603050405020304" pitchFamily="18" charset="0"/>
+                <a:cs typeface="Times New Roman" panose="02020603050405020304" pitchFamily="18" charset="0"/>
+              </a:rPr>
+              <a:t>ổn</a:t>
+            </a:r>
+            <a:r>
+              <a:rPr lang="en-US" sz="2000" dirty="0" smtClean="0">
+                <a:latin typeface="Times New Roman" panose="02020603050405020304" pitchFamily="18" charset="0"/>
+                <a:cs typeface="Times New Roman" panose="02020603050405020304" pitchFamily="18" charset="0"/>
+              </a:rPr>
+              <a:t> </a:t>
+            </a:r>
+            <a:r>
+              <a:rPr lang="en-US" sz="2000" dirty="0" err="1" smtClean="0">
+                <a:latin typeface="Times New Roman" panose="02020603050405020304" pitchFamily="18" charset="0"/>
+                <a:cs typeface="Times New Roman" panose="02020603050405020304" pitchFamily="18" charset="0"/>
+              </a:rPr>
+              <a:t>định</a:t>
+            </a:r>
+            <a:r>
+              <a:rPr lang="en-US" sz="2000" dirty="0" smtClean="0">
+                <a:latin typeface="Times New Roman" panose="02020603050405020304" pitchFamily="18" charset="0"/>
+                <a:cs typeface="Times New Roman" panose="02020603050405020304" pitchFamily="18" charset="0"/>
+              </a:rPr>
+              <a:t>, </a:t>
+            </a:r>
+            <a:r>
+              <a:rPr lang="en-US" sz="2000" dirty="0" err="1">
+                <a:latin typeface="Times New Roman" panose="02020603050405020304" pitchFamily="18" charset="0"/>
+                <a:cs typeface="Times New Roman" panose="02020603050405020304" pitchFamily="18" charset="0"/>
+              </a:rPr>
+              <a:t>cho</a:t>
+            </a:r>
+            <a:r>
+              <a:rPr lang="en-US" sz="2000" dirty="0">
+                <a:latin typeface="Times New Roman" panose="02020603050405020304" pitchFamily="18" charset="0"/>
+                <a:cs typeface="Times New Roman" panose="02020603050405020304" pitchFamily="18" charset="0"/>
+              </a:rPr>
+              <a:t> </a:t>
+            </a:r>
+            <a:r>
+              <a:rPr lang="en-US" sz="2000" dirty="0" err="1">
+                <a:latin typeface="Times New Roman" panose="02020603050405020304" pitchFamily="18" charset="0"/>
+                <a:cs typeface="Times New Roman" panose="02020603050405020304" pitchFamily="18" charset="0"/>
+              </a:rPr>
+              <a:t>ra</a:t>
+            </a:r>
+            <a:r>
+              <a:rPr lang="en-US" sz="2000" dirty="0">
+                <a:latin typeface="Times New Roman" panose="02020603050405020304" pitchFamily="18" charset="0"/>
+                <a:cs typeface="Times New Roman" panose="02020603050405020304" pitchFamily="18" charset="0"/>
+              </a:rPr>
+              <a:t> </a:t>
+            </a:r>
+            <a:r>
+              <a:rPr lang="en-US" sz="2000" dirty="0" err="1">
+                <a:latin typeface="Times New Roman" panose="02020603050405020304" pitchFamily="18" charset="0"/>
+                <a:cs typeface="Times New Roman" panose="02020603050405020304" pitchFamily="18" charset="0"/>
+              </a:rPr>
+              <a:t>kết</a:t>
+            </a:r>
+            <a:r>
+              <a:rPr lang="en-US" sz="2000" dirty="0">
+                <a:latin typeface="Times New Roman" panose="02020603050405020304" pitchFamily="18" charset="0"/>
+                <a:cs typeface="Times New Roman" panose="02020603050405020304" pitchFamily="18" charset="0"/>
+              </a:rPr>
+              <a:t> </a:t>
+            </a:r>
+            <a:r>
+              <a:rPr lang="en-US" sz="2000" dirty="0" err="1">
+                <a:latin typeface="Times New Roman" panose="02020603050405020304" pitchFamily="18" charset="0"/>
+                <a:cs typeface="Times New Roman" panose="02020603050405020304" pitchFamily="18" charset="0"/>
+              </a:rPr>
+              <a:t>quả</a:t>
+            </a:r>
+            <a:r>
+              <a:rPr lang="en-US" sz="2000" dirty="0">
+                <a:latin typeface="Times New Roman" panose="02020603050405020304" pitchFamily="18" charset="0"/>
+                <a:cs typeface="Times New Roman" panose="02020603050405020304" pitchFamily="18" charset="0"/>
+              </a:rPr>
+              <a:t> </a:t>
+            </a:r>
+            <a:r>
+              <a:rPr lang="en-US" sz="2000" dirty="0" err="1" smtClean="0">
+                <a:latin typeface="Times New Roman" panose="02020603050405020304" pitchFamily="18" charset="0"/>
+                <a:cs typeface="Times New Roman" panose="02020603050405020304" pitchFamily="18" charset="0"/>
+              </a:rPr>
+              <a:t>khá</a:t>
+            </a:r>
+            <a:r>
+              <a:rPr lang="en-US" sz="2000" dirty="0" smtClean="0">
+                <a:latin typeface="Times New Roman" panose="02020603050405020304" pitchFamily="18" charset="0"/>
+                <a:cs typeface="Times New Roman" panose="02020603050405020304" pitchFamily="18" charset="0"/>
+              </a:rPr>
+              <a:t> </a:t>
+            </a:r>
+            <a:r>
+              <a:rPr lang="en-US" sz="2000" dirty="0" err="1" smtClean="0">
+                <a:latin typeface="Times New Roman" panose="02020603050405020304" pitchFamily="18" charset="0"/>
+                <a:cs typeface="Times New Roman" panose="02020603050405020304" pitchFamily="18" charset="0"/>
+              </a:rPr>
+              <a:t>thành</a:t>
+            </a:r>
+            <a:r>
+              <a:rPr lang="en-US" sz="2000" dirty="0" smtClean="0">
+                <a:latin typeface="Times New Roman" panose="02020603050405020304" pitchFamily="18" charset="0"/>
+                <a:cs typeface="Times New Roman" panose="02020603050405020304" pitchFamily="18" charset="0"/>
+              </a:rPr>
+              <a:t> </a:t>
+            </a:r>
+            <a:r>
+              <a:rPr lang="en-US" sz="2000" dirty="0" err="1" smtClean="0">
+                <a:latin typeface="Times New Roman" panose="02020603050405020304" pitchFamily="18" charset="0"/>
+                <a:cs typeface="Times New Roman" panose="02020603050405020304" pitchFamily="18" charset="0"/>
+              </a:rPr>
+              <a:t>công</a:t>
+            </a:r>
+            <a:r>
+              <a:rPr lang="en-US" sz="2000" dirty="0" smtClean="0">
+                <a:latin typeface="Times New Roman" panose="02020603050405020304" pitchFamily="18" charset="0"/>
+                <a:cs typeface="Times New Roman" panose="02020603050405020304" pitchFamily="18" charset="0"/>
+              </a:rPr>
+              <a:t> </a:t>
+            </a:r>
+            <a:r>
+              <a:rPr lang="en-US" sz="2000" dirty="0" err="1" smtClean="0">
+                <a:latin typeface="Times New Roman" panose="02020603050405020304" pitchFamily="18" charset="0"/>
+                <a:cs typeface="Times New Roman" panose="02020603050405020304" pitchFamily="18" charset="0"/>
+              </a:rPr>
+              <a:t>khi</a:t>
+            </a:r>
+            <a:r>
+              <a:rPr lang="en-US" sz="2000" dirty="0" smtClean="0">
+                <a:latin typeface="Times New Roman" panose="02020603050405020304" pitchFamily="18" charset="0"/>
+                <a:cs typeface="Times New Roman" panose="02020603050405020304" pitchFamily="18" charset="0"/>
+              </a:rPr>
+              <a:t> </a:t>
+            </a:r>
+            <a:r>
+              <a:rPr lang="en-US" sz="2000" dirty="0" err="1" smtClean="0">
+                <a:latin typeface="Times New Roman" panose="02020603050405020304" pitchFamily="18" charset="0"/>
+                <a:cs typeface="Times New Roman" panose="02020603050405020304" pitchFamily="18" charset="0"/>
+              </a:rPr>
+              <a:t>đã</a:t>
+            </a:r>
+            <a:r>
+              <a:rPr lang="en-US" sz="2000" dirty="0" smtClean="0">
+                <a:latin typeface="Times New Roman" panose="02020603050405020304" pitchFamily="18" charset="0"/>
+                <a:cs typeface="Times New Roman" panose="02020603050405020304" pitchFamily="18" charset="0"/>
+              </a:rPr>
+              <a:t> </a:t>
+            </a:r>
+            <a:r>
+              <a:rPr lang="en-US" sz="2000" dirty="0" err="1" smtClean="0">
+                <a:latin typeface="Times New Roman" panose="02020603050405020304" pitchFamily="18" charset="0"/>
+                <a:cs typeface="Times New Roman" panose="02020603050405020304" pitchFamily="18" charset="0"/>
+              </a:rPr>
+              <a:t>đáp</a:t>
+            </a:r>
+            <a:r>
+              <a:rPr lang="en-US" sz="2000" dirty="0" smtClean="0">
+                <a:latin typeface="Times New Roman" panose="02020603050405020304" pitchFamily="18" charset="0"/>
+                <a:cs typeface="Times New Roman" panose="02020603050405020304" pitchFamily="18" charset="0"/>
+              </a:rPr>
+              <a:t> </a:t>
+            </a:r>
+            <a:r>
+              <a:rPr lang="en-US" sz="2000" dirty="0" err="1">
+                <a:latin typeface="Times New Roman" panose="02020603050405020304" pitchFamily="18" charset="0"/>
+                <a:cs typeface="Times New Roman" panose="02020603050405020304" pitchFamily="18" charset="0"/>
+              </a:rPr>
+              <a:t>ứng</a:t>
+            </a:r>
+            <a:r>
+              <a:rPr lang="en-US" sz="2000" dirty="0">
+                <a:latin typeface="Times New Roman" panose="02020603050405020304" pitchFamily="18" charset="0"/>
+                <a:cs typeface="Times New Roman" panose="02020603050405020304" pitchFamily="18" charset="0"/>
+              </a:rPr>
+              <a:t> </a:t>
+            </a:r>
+            <a:r>
+              <a:rPr lang="en-US" sz="2000" dirty="0" err="1">
+                <a:latin typeface="Times New Roman" panose="02020603050405020304" pitchFamily="18" charset="0"/>
+                <a:cs typeface="Times New Roman" panose="02020603050405020304" pitchFamily="18" charset="0"/>
+              </a:rPr>
+              <a:t>nhu</a:t>
+            </a:r>
+            <a:r>
+              <a:rPr lang="en-US" sz="2000" dirty="0">
+                <a:latin typeface="Times New Roman" panose="02020603050405020304" pitchFamily="18" charset="0"/>
+                <a:cs typeface="Times New Roman" panose="02020603050405020304" pitchFamily="18" charset="0"/>
+              </a:rPr>
+              <a:t> </a:t>
+            </a:r>
+            <a:r>
+              <a:rPr lang="en-US" sz="2000" dirty="0" err="1">
+                <a:latin typeface="Times New Roman" panose="02020603050405020304" pitchFamily="18" charset="0"/>
+                <a:cs typeface="Times New Roman" panose="02020603050405020304" pitchFamily="18" charset="0"/>
+              </a:rPr>
+              <a:t>cầu</a:t>
+            </a:r>
+            <a:r>
+              <a:rPr lang="en-US" sz="2000" dirty="0">
+                <a:latin typeface="Times New Roman" panose="02020603050405020304" pitchFamily="18" charset="0"/>
+                <a:cs typeface="Times New Roman" panose="02020603050405020304" pitchFamily="18" charset="0"/>
+              </a:rPr>
+              <a:t> </a:t>
+            </a:r>
+            <a:r>
+              <a:rPr lang="en-US" sz="2000" dirty="0" err="1">
+                <a:latin typeface="Times New Roman" panose="02020603050405020304" pitchFamily="18" charset="0"/>
+                <a:cs typeface="Times New Roman" panose="02020603050405020304" pitchFamily="18" charset="0"/>
+              </a:rPr>
+              <a:t>cơ</a:t>
+            </a:r>
+            <a:r>
+              <a:rPr lang="en-US" sz="2000" dirty="0">
+                <a:latin typeface="Times New Roman" panose="02020603050405020304" pitchFamily="18" charset="0"/>
+                <a:cs typeface="Times New Roman" panose="02020603050405020304" pitchFamily="18" charset="0"/>
+              </a:rPr>
+              <a:t> </a:t>
+            </a:r>
+            <a:r>
+              <a:rPr lang="en-US" sz="2000" dirty="0" err="1">
+                <a:latin typeface="Times New Roman" panose="02020603050405020304" pitchFamily="18" charset="0"/>
+                <a:cs typeface="Times New Roman" panose="02020603050405020304" pitchFamily="18" charset="0"/>
+              </a:rPr>
+              <a:t>bản</a:t>
+            </a:r>
+            <a:r>
+              <a:rPr lang="en-US" sz="2000" dirty="0">
+                <a:latin typeface="Times New Roman" panose="02020603050405020304" pitchFamily="18" charset="0"/>
+                <a:cs typeface="Times New Roman" panose="02020603050405020304" pitchFamily="18" charset="0"/>
+              </a:rPr>
+              <a:t> </a:t>
+            </a:r>
+            <a:r>
+              <a:rPr lang="en-US" sz="2000" dirty="0" err="1">
+                <a:latin typeface="Times New Roman" panose="02020603050405020304" pitchFamily="18" charset="0"/>
+                <a:cs typeface="Times New Roman" panose="02020603050405020304" pitchFamily="18" charset="0"/>
+              </a:rPr>
+              <a:t>trong</a:t>
+            </a:r>
+            <a:r>
+              <a:rPr lang="en-US" sz="2000" dirty="0">
+                <a:latin typeface="Times New Roman" panose="02020603050405020304" pitchFamily="18" charset="0"/>
+                <a:cs typeface="Times New Roman" panose="02020603050405020304" pitchFamily="18" charset="0"/>
+              </a:rPr>
+              <a:t> </a:t>
+            </a:r>
+            <a:r>
+              <a:rPr lang="en-US" sz="2000" dirty="0" err="1">
+                <a:latin typeface="Times New Roman" panose="02020603050405020304" pitchFamily="18" charset="0"/>
+                <a:cs typeface="Times New Roman" panose="02020603050405020304" pitchFamily="18" charset="0"/>
+              </a:rPr>
+              <a:t>các</a:t>
+            </a:r>
+            <a:r>
+              <a:rPr lang="en-US" sz="2000" dirty="0">
+                <a:latin typeface="Times New Roman" panose="02020603050405020304" pitchFamily="18" charset="0"/>
+                <a:cs typeface="Times New Roman" panose="02020603050405020304" pitchFamily="18" charset="0"/>
+              </a:rPr>
+              <a:t> </a:t>
+            </a:r>
+            <a:r>
+              <a:rPr lang="en-US" sz="2000" dirty="0" err="1">
+                <a:latin typeface="Times New Roman" panose="02020603050405020304" pitchFamily="18" charset="0"/>
+                <a:cs typeface="Times New Roman" panose="02020603050405020304" pitchFamily="18" charset="0"/>
+              </a:rPr>
+              <a:t>nghiệp</a:t>
+            </a:r>
+            <a:r>
+              <a:rPr lang="en-US" sz="2000" dirty="0">
+                <a:latin typeface="Times New Roman" panose="02020603050405020304" pitchFamily="18" charset="0"/>
+                <a:cs typeface="Times New Roman" panose="02020603050405020304" pitchFamily="18" charset="0"/>
+              </a:rPr>
+              <a:t> </a:t>
+            </a:r>
+            <a:r>
+              <a:rPr lang="en-US" sz="2000" dirty="0" err="1">
+                <a:latin typeface="Times New Roman" panose="02020603050405020304" pitchFamily="18" charset="0"/>
+                <a:cs typeface="Times New Roman" panose="02020603050405020304" pitchFamily="18" charset="0"/>
+              </a:rPr>
+              <a:t>vụ</a:t>
+            </a:r>
+            <a:r>
+              <a:rPr lang="en-US" sz="2000" dirty="0">
+                <a:latin typeface="Times New Roman" panose="02020603050405020304" pitchFamily="18" charset="0"/>
+                <a:cs typeface="Times New Roman" panose="02020603050405020304" pitchFamily="18" charset="0"/>
+              </a:rPr>
+              <a:t> </a:t>
+            </a:r>
+            <a:r>
+              <a:rPr lang="en-US" sz="2000" dirty="0" err="1">
+                <a:latin typeface="Times New Roman" panose="02020603050405020304" pitchFamily="18" charset="0"/>
+                <a:cs typeface="Times New Roman" panose="02020603050405020304" pitchFamily="18" charset="0"/>
+              </a:rPr>
+              <a:t>quản</a:t>
+            </a:r>
+            <a:r>
+              <a:rPr lang="en-US" sz="2000" dirty="0">
+                <a:latin typeface="Times New Roman" panose="02020603050405020304" pitchFamily="18" charset="0"/>
+                <a:cs typeface="Times New Roman" panose="02020603050405020304" pitchFamily="18" charset="0"/>
+              </a:rPr>
+              <a:t> </a:t>
+            </a:r>
+            <a:r>
+              <a:rPr lang="en-US" sz="2000" dirty="0" err="1">
+                <a:latin typeface="Times New Roman" panose="02020603050405020304" pitchFamily="18" charset="0"/>
+                <a:cs typeface="Times New Roman" panose="02020603050405020304" pitchFamily="18" charset="0"/>
+              </a:rPr>
+              <a:t>lí</a:t>
+            </a:r>
+            <a:r>
+              <a:rPr lang="en-US" sz="2000" dirty="0">
+                <a:latin typeface="Times New Roman" panose="02020603050405020304" pitchFamily="18" charset="0"/>
+                <a:cs typeface="Times New Roman" panose="02020603050405020304" pitchFamily="18" charset="0"/>
+              </a:rPr>
+              <a:t> </a:t>
+            </a:r>
+            <a:r>
+              <a:rPr lang="en-US" sz="2000" dirty="0" smtClean="0">
+                <a:latin typeface="Times New Roman" panose="02020603050405020304" pitchFamily="18" charset="0"/>
+                <a:cs typeface="Times New Roman" panose="02020603050405020304" pitchFamily="18" charset="0"/>
+              </a:rPr>
+              <a:t> </a:t>
+            </a:r>
+            <a:r>
+              <a:rPr lang="en-US" sz="2000" dirty="0" err="1" smtClean="0">
+                <a:latin typeface="Times New Roman" panose="02020603050405020304" pitchFamily="18" charset="0"/>
+                <a:cs typeface="Times New Roman" panose="02020603050405020304" pitchFamily="18" charset="0"/>
+              </a:rPr>
+              <a:t>thu</a:t>
+            </a:r>
+            <a:r>
+              <a:rPr lang="en-US" sz="2000" dirty="0" smtClean="0">
+                <a:latin typeface="Times New Roman" panose="02020603050405020304" pitchFamily="18" charset="0"/>
+                <a:cs typeface="Times New Roman" panose="02020603050405020304" pitchFamily="18" charset="0"/>
+              </a:rPr>
+              <a:t> </a:t>
+            </a:r>
+            <a:r>
+              <a:rPr lang="en-US" sz="2000" dirty="0" err="1" smtClean="0">
+                <a:latin typeface="Times New Roman" panose="02020603050405020304" pitchFamily="18" charset="0"/>
+                <a:cs typeface="Times New Roman" panose="02020603050405020304" pitchFamily="18" charset="0"/>
+              </a:rPr>
+              <a:t>học</a:t>
+            </a:r>
+            <a:r>
+              <a:rPr lang="en-US" sz="2000" dirty="0" smtClean="0">
+                <a:latin typeface="Times New Roman" panose="02020603050405020304" pitchFamily="18" charset="0"/>
+                <a:cs typeface="Times New Roman" panose="02020603050405020304" pitchFamily="18" charset="0"/>
+              </a:rPr>
+              <a:t> </a:t>
+            </a:r>
+            <a:r>
+              <a:rPr lang="en-US" sz="2000" dirty="0" err="1" smtClean="0">
+                <a:latin typeface="Times New Roman" panose="02020603050405020304" pitchFamily="18" charset="0"/>
+                <a:cs typeface="Times New Roman" panose="02020603050405020304" pitchFamily="18" charset="0"/>
+              </a:rPr>
+              <a:t>phí</a:t>
+            </a:r>
+            <a:r>
+              <a:rPr lang="en-US" sz="2000" dirty="0" smtClean="0">
+                <a:latin typeface="Times New Roman" panose="02020603050405020304" pitchFamily="18" charset="0"/>
+                <a:cs typeface="Times New Roman" panose="02020603050405020304" pitchFamily="18" charset="0"/>
+              </a:rPr>
+              <a:t> </a:t>
+            </a:r>
+            <a:r>
+              <a:rPr lang="en-US" sz="2000" dirty="0" err="1" smtClean="0">
+                <a:latin typeface="Times New Roman" panose="02020603050405020304" pitchFamily="18" charset="0"/>
+                <a:cs typeface="Times New Roman" panose="02020603050405020304" pitchFamily="18" charset="0"/>
+              </a:rPr>
+              <a:t>học</a:t>
+            </a:r>
+            <a:r>
+              <a:rPr lang="en-US" sz="2000" dirty="0" smtClean="0">
+                <a:latin typeface="Times New Roman" panose="02020603050405020304" pitchFamily="18" charset="0"/>
+                <a:cs typeface="Times New Roman" panose="02020603050405020304" pitchFamily="18" charset="0"/>
+              </a:rPr>
+              <a:t> </a:t>
+            </a:r>
+            <a:r>
+              <a:rPr lang="en-US" sz="2000" dirty="0" err="1" smtClean="0">
+                <a:latin typeface="Times New Roman" panose="02020603050405020304" pitchFamily="18" charset="0"/>
+                <a:cs typeface="Times New Roman" panose="02020603050405020304" pitchFamily="18" charset="0"/>
+              </a:rPr>
+              <a:t>sinh</a:t>
+            </a:r>
+            <a:r>
+              <a:rPr lang="en-US" sz="2000" dirty="0" smtClean="0">
+                <a:latin typeface="Times New Roman" panose="02020603050405020304" pitchFamily="18" charset="0"/>
+                <a:cs typeface="Times New Roman" panose="02020603050405020304" pitchFamily="18" charset="0"/>
+              </a:rPr>
+              <a:t> </a:t>
+            </a:r>
+            <a:r>
+              <a:rPr lang="en-US" sz="2000" dirty="0" err="1" smtClean="0">
+                <a:latin typeface="Times New Roman" panose="02020603050405020304" pitchFamily="18" charset="0"/>
+                <a:cs typeface="Times New Roman" panose="02020603050405020304" pitchFamily="18" charset="0"/>
+              </a:rPr>
+              <a:t>trường</a:t>
+            </a:r>
+            <a:r>
+              <a:rPr lang="en-US" sz="2000" dirty="0" smtClean="0">
+                <a:latin typeface="Times New Roman" panose="02020603050405020304" pitchFamily="18" charset="0"/>
+                <a:cs typeface="Times New Roman" panose="02020603050405020304" pitchFamily="18" charset="0"/>
+              </a:rPr>
+              <a:t> </a:t>
+            </a:r>
+            <a:r>
+              <a:rPr lang="en-US" sz="2000" dirty="0" err="1" smtClean="0">
+                <a:latin typeface="Times New Roman" panose="02020603050405020304" pitchFamily="18" charset="0"/>
+                <a:cs typeface="Times New Roman" panose="02020603050405020304" pitchFamily="18" charset="0"/>
+              </a:rPr>
+              <a:t>tiểu</a:t>
+            </a:r>
+            <a:r>
+              <a:rPr lang="en-US" sz="2000" dirty="0" smtClean="0">
+                <a:latin typeface="Times New Roman" panose="02020603050405020304" pitchFamily="18" charset="0"/>
+                <a:cs typeface="Times New Roman" panose="02020603050405020304" pitchFamily="18" charset="0"/>
+              </a:rPr>
+              <a:t> </a:t>
+            </a:r>
+            <a:r>
+              <a:rPr lang="en-US" sz="2000" dirty="0" err="1" smtClean="0">
+                <a:latin typeface="Times New Roman" panose="02020603050405020304" pitchFamily="18" charset="0"/>
+                <a:cs typeface="Times New Roman" panose="02020603050405020304" pitchFamily="18" charset="0"/>
+              </a:rPr>
+              <a:t>học</a:t>
+            </a:r>
+            <a:r>
+              <a:rPr lang="en-US" sz="2000" dirty="0" smtClean="0">
+                <a:latin typeface="Times New Roman" panose="02020603050405020304" pitchFamily="18" charset="0"/>
+                <a:cs typeface="Times New Roman" panose="02020603050405020304" pitchFamily="18" charset="0"/>
+              </a:rPr>
+              <a:t>. </a:t>
+            </a:r>
+            <a:r>
+              <a:rPr lang="en-US" sz="2000" dirty="0" err="1" smtClean="0">
+                <a:latin typeface="Times New Roman" panose="02020603050405020304" pitchFamily="18" charset="0"/>
+                <a:cs typeface="Times New Roman" panose="02020603050405020304" pitchFamily="18" charset="0"/>
+              </a:rPr>
+              <a:t>Tuy</a:t>
+            </a:r>
+            <a:r>
+              <a:rPr lang="en-US" sz="2000" dirty="0" smtClean="0">
+                <a:latin typeface="Times New Roman" panose="02020603050405020304" pitchFamily="18" charset="0"/>
+                <a:cs typeface="Times New Roman" panose="02020603050405020304" pitchFamily="18" charset="0"/>
+              </a:rPr>
+              <a:t> </a:t>
+            </a:r>
+            <a:r>
+              <a:rPr lang="en-US" sz="2000" dirty="0" err="1" smtClean="0">
+                <a:latin typeface="Times New Roman" panose="02020603050405020304" pitchFamily="18" charset="0"/>
+                <a:cs typeface="Times New Roman" panose="02020603050405020304" pitchFamily="18" charset="0"/>
+              </a:rPr>
+              <a:t>đã</a:t>
+            </a:r>
+            <a:r>
+              <a:rPr lang="en-US" sz="2000" dirty="0" smtClean="0">
+                <a:latin typeface="Times New Roman" panose="02020603050405020304" pitchFamily="18" charset="0"/>
+                <a:cs typeface="Times New Roman" panose="02020603050405020304" pitchFamily="18" charset="0"/>
+              </a:rPr>
+              <a:t> </a:t>
+            </a:r>
+            <a:r>
+              <a:rPr lang="en-US" sz="2000" dirty="0" err="1" smtClean="0">
+                <a:latin typeface="Times New Roman" panose="02020603050405020304" pitchFamily="18" charset="0"/>
+                <a:cs typeface="Times New Roman" panose="02020603050405020304" pitchFamily="18" charset="0"/>
+              </a:rPr>
+              <a:t>cố</a:t>
+            </a:r>
+            <a:r>
+              <a:rPr lang="en-US" sz="2000" dirty="0" smtClean="0">
+                <a:latin typeface="Times New Roman" panose="02020603050405020304" pitchFamily="18" charset="0"/>
+                <a:cs typeface="Times New Roman" panose="02020603050405020304" pitchFamily="18" charset="0"/>
+              </a:rPr>
+              <a:t> </a:t>
+            </a:r>
+            <a:r>
+              <a:rPr lang="en-US" sz="2000" dirty="0" err="1" smtClean="0">
+                <a:latin typeface="Times New Roman" panose="02020603050405020304" pitchFamily="18" charset="0"/>
+                <a:cs typeface="Times New Roman" panose="02020603050405020304" pitchFamily="18" charset="0"/>
+              </a:rPr>
+              <a:t>gắng</a:t>
+            </a:r>
+            <a:r>
+              <a:rPr lang="en-US" sz="2000" dirty="0" smtClean="0">
+                <a:latin typeface="Times New Roman" panose="02020603050405020304" pitchFamily="18" charset="0"/>
+                <a:cs typeface="Times New Roman" panose="02020603050405020304" pitchFamily="18" charset="0"/>
+              </a:rPr>
+              <a:t> </a:t>
+            </a:r>
+            <a:r>
+              <a:rPr lang="en-US" sz="2000" dirty="0" err="1" smtClean="0">
+                <a:latin typeface="Times New Roman" panose="02020603050405020304" pitchFamily="18" charset="0"/>
+                <a:cs typeface="Times New Roman" panose="02020603050405020304" pitchFamily="18" charset="0"/>
+              </a:rPr>
+              <a:t>để</a:t>
+            </a:r>
+            <a:r>
+              <a:rPr lang="en-US" sz="2000" dirty="0" smtClean="0">
+                <a:latin typeface="Times New Roman" panose="02020603050405020304" pitchFamily="18" charset="0"/>
+                <a:cs typeface="Times New Roman" panose="02020603050405020304" pitchFamily="18" charset="0"/>
+              </a:rPr>
+              <a:t> </a:t>
+            </a:r>
+            <a:r>
+              <a:rPr lang="en-US" sz="2000" dirty="0" err="1" smtClean="0">
+                <a:latin typeface="Times New Roman" panose="02020603050405020304" pitchFamily="18" charset="0"/>
+                <a:cs typeface="Times New Roman" panose="02020603050405020304" pitchFamily="18" charset="0"/>
+              </a:rPr>
+              <a:t>làm</a:t>
+            </a:r>
+            <a:r>
+              <a:rPr lang="en-US" sz="2000" dirty="0" smtClean="0">
+                <a:latin typeface="Times New Roman" panose="02020603050405020304" pitchFamily="18" charset="0"/>
+                <a:cs typeface="Times New Roman" panose="02020603050405020304" pitchFamily="18" charset="0"/>
+              </a:rPr>
+              <a:t> </a:t>
+            </a:r>
+            <a:r>
+              <a:rPr lang="en-US" sz="2000" dirty="0" err="1" smtClean="0">
+                <a:latin typeface="Times New Roman" panose="02020603050405020304" pitchFamily="18" charset="0"/>
+                <a:cs typeface="Times New Roman" panose="02020603050405020304" pitchFamily="18" charset="0"/>
+              </a:rPr>
+              <a:t>bài</a:t>
+            </a:r>
+            <a:r>
+              <a:rPr lang="en-US" sz="2000" dirty="0" smtClean="0">
+                <a:latin typeface="Times New Roman" panose="02020603050405020304" pitchFamily="18" charset="0"/>
+                <a:cs typeface="Times New Roman" panose="02020603050405020304" pitchFamily="18" charset="0"/>
+              </a:rPr>
+              <a:t> </a:t>
+            </a:r>
+            <a:r>
+              <a:rPr lang="en-US" sz="2000" dirty="0" err="1" smtClean="0">
+                <a:latin typeface="Times New Roman" panose="02020603050405020304" pitchFamily="18" charset="0"/>
+                <a:cs typeface="Times New Roman" panose="02020603050405020304" pitchFamily="18" charset="0"/>
+              </a:rPr>
+              <a:t>tập</a:t>
+            </a:r>
+            <a:r>
+              <a:rPr lang="en-US" sz="2000" dirty="0" smtClean="0">
+                <a:latin typeface="Times New Roman" panose="02020603050405020304" pitchFamily="18" charset="0"/>
+                <a:cs typeface="Times New Roman" panose="02020603050405020304" pitchFamily="18" charset="0"/>
+              </a:rPr>
+              <a:t> </a:t>
+            </a:r>
+            <a:r>
+              <a:rPr lang="en-US" sz="2000" dirty="0" err="1" smtClean="0">
+                <a:latin typeface="Times New Roman" panose="02020603050405020304" pitchFamily="18" charset="0"/>
+                <a:cs typeface="Times New Roman" panose="02020603050405020304" pitchFamily="18" charset="0"/>
+              </a:rPr>
+              <a:t>thật</a:t>
+            </a:r>
+            <a:r>
+              <a:rPr lang="en-US" sz="2000" dirty="0" smtClean="0">
+                <a:latin typeface="Times New Roman" panose="02020603050405020304" pitchFamily="18" charset="0"/>
+                <a:cs typeface="Times New Roman" panose="02020603050405020304" pitchFamily="18" charset="0"/>
+              </a:rPr>
+              <a:t> </a:t>
+            </a:r>
+            <a:r>
+              <a:rPr lang="en-US" sz="2000" dirty="0" err="1" smtClean="0">
+                <a:latin typeface="Times New Roman" panose="02020603050405020304" pitchFamily="18" charset="0"/>
+                <a:cs typeface="Times New Roman" panose="02020603050405020304" pitchFamily="18" charset="0"/>
+              </a:rPr>
+              <a:t>tốt</a:t>
+            </a:r>
+            <a:r>
+              <a:rPr lang="en-US" sz="2000" dirty="0" smtClean="0">
+                <a:latin typeface="Times New Roman" panose="02020603050405020304" pitchFamily="18" charset="0"/>
+                <a:cs typeface="Times New Roman" panose="02020603050405020304" pitchFamily="18" charset="0"/>
+              </a:rPr>
+              <a:t> </a:t>
+            </a:r>
+            <a:r>
+              <a:rPr lang="en-US" sz="2000" dirty="0" err="1" smtClean="0">
+                <a:latin typeface="Times New Roman" panose="02020603050405020304" pitchFamily="18" charset="0"/>
+                <a:cs typeface="Times New Roman" panose="02020603050405020304" pitchFamily="18" charset="0"/>
+              </a:rPr>
+              <a:t>nhưng</a:t>
+            </a:r>
+            <a:r>
+              <a:rPr lang="en-US" sz="2000" dirty="0" smtClean="0">
+                <a:latin typeface="Times New Roman" panose="02020603050405020304" pitchFamily="18" charset="0"/>
+                <a:cs typeface="Times New Roman" panose="02020603050405020304" pitchFamily="18" charset="0"/>
+              </a:rPr>
+              <a:t> do </a:t>
+            </a:r>
+            <a:r>
+              <a:rPr lang="en-US" sz="2000" dirty="0" err="1" smtClean="0">
+                <a:latin typeface="Times New Roman" panose="02020603050405020304" pitchFamily="18" charset="0"/>
+                <a:cs typeface="Times New Roman" panose="02020603050405020304" pitchFamily="18" charset="0"/>
+              </a:rPr>
+              <a:t>kiến</a:t>
+            </a:r>
+            <a:r>
+              <a:rPr lang="en-US" sz="2000" dirty="0" smtClean="0">
+                <a:latin typeface="Times New Roman" panose="02020603050405020304" pitchFamily="18" charset="0"/>
+                <a:cs typeface="Times New Roman" panose="02020603050405020304" pitchFamily="18" charset="0"/>
+              </a:rPr>
+              <a:t> </a:t>
+            </a:r>
+            <a:r>
+              <a:rPr lang="en-US" sz="2000" dirty="0" err="1" smtClean="0">
+                <a:latin typeface="Times New Roman" panose="02020603050405020304" pitchFamily="18" charset="0"/>
+                <a:cs typeface="Times New Roman" panose="02020603050405020304" pitchFamily="18" charset="0"/>
+              </a:rPr>
+              <a:t>thức</a:t>
+            </a:r>
+            <a:r>
+              <a:rPr lang="en-US" sz="2000" dirty="0" smtClean="0">
+                <a:latin typeface="Times New Roman" panose="02020603050405020304" pitchFamily="18" charset="0"/>
+                <a:cs typeface="Times New Roman" panose="02020603050405020304" pitchFamily="18" charset="0"/>
+              </a:rPr>
+              <a:t> </a:t>
+            </a:r>
+            <a:r>
+              <a:rPr lang="en-US" sz="2000" dirty="0" err="1" smtClean="0">
+                <a:latin typeface="Times New Roman" panose="02020603050405020304" pitchFamily="18" charset="0"/>
+                <a:cs typeface="Times New Roman" panose="02020603050405020304" pitchFamily="18" charset="0"/>
+              </a:rPr>
+              <a:t>còn</a:t>
+            </a:r>
+            <a:r>
+              <a:rPr lang="en-US" sz="2000" dirty="0" smtClean="0">
+                <a:latin typeface="Times New Roman" panose="02020603050405020304" pitchFamily="18" charset="0"/>
+                <a:cs typeface="Times New Roman" panose="02020603050405020304" pitchFamily="18" charset="0"/>
+              </a:rPr>
+              <a:t> </a:t>
+            </a:r>
+            <a:r>
+              <a:rPr lang="en-US" sz="2000" dirty="0" err="1" smtClean="0">
+                <a:latin typeface="Times New Roman" panose="02020603050405020304" pitchFamily="18" charset="0"/>
+                <a:cs typeface="Times New Roman" panose="02020603050405020304" pitchFamily="18" charset="0"/>
+              </a:rPr>
+              <a:t>có</a:t>
+            </a:r>
+            <a:r>
+              <a:rPr lang="en-US" sz="2000" dirty="0" smtClean="0">
+                <a:latin typeface="Times New Roman" panose="02020603050405020304" pitchFamily="18" charset="0"/>
+                <a:cs typeface="Times New Roman" panose="02020603050405020304" pitchFamily="18" charset="0"/>
+              </a:rPr>
+              <a:t> </a:t>
+            </a:r>
+            <a:r>
+              <a:rPr lang="en-US" sz="2000" dirty="0" err="1" smtClean="0">
+                <a:latin typeface="Times New Roman" panose="02020603050405020304" pitchFamily="18" charset="0"/>
+                <a:cs typeface="Times New Roman" panose="02020603050405020304" pitchFamily="18" charset="0"/>
+              </a:rPr>
+              <a:t>hạn</a:t>
+            </a:r>
+            <a:r>
+              <a:rPr lang="en-US" sz="2000" dirty="0" smtClean="0">
+                <a:latin typeface="Times New Roman" panose="02020603050405020304" pitchFamily="18" charset="0"/>
+                <a:cs typeface="Times New Roman" panose="02020603050405020304" pitchFamily="18" charset="0"/>
+              </a:rPr>
+              <a:t> </a:t>
+            </a:r>
+            <a:r>
+              <a:rPr lang="en-US" sz="2000" dirty="0" err="1" smtClean="0">
+                <a:latin typeface="Times New Roman" panose="02020603050405020304" pitchFamily="18" charset="0"/>
+                <a:cs typeface="Times New Roman" panose="02020603050405020304" pitchFamily="18" charset="0"/>
+              </a:rPr>
+              <a:t>cộng</a:t>
+            </a:r>
+            <a:r>
+              <a:rPr lang="en-US" sz="2000" dirty="0" smtClean="0">
+                <a:latin typeface="Times New Roman" panose="02020603050405020304" pitchFamily="18" charset="0"/>
+                <a:cs typeface="Times New Roman" panose="02020603050405020304" pitchFamily="18" charset="0"/>
+              </a:rPr>
+              <a:t> </a:t>
+            </a:r>
+            <a:r>
+              <a:rPr lang="en-US" sz="2000" dirty="0" err="1" smtClean="0">
+                <a:latin typeface="Times New Roman" panose="02020603050405020304" pitchFamily="18" charset="0"/>
+                <a:cs typeface="Times New Roman" panose="02020603050405020304" pitchFamily="18" charset="0"/>
+              </a:rPr>
+              <a:t>với</a:t>
+            </a:r>
+            <a:r>
+              <a:rPr lang="en-US" sz="2000" dirty="0" smtClean="0">
+                <a:latin typeface="Times New Roman" panose="02020603050405020304" pitchFamily="18" charset="0"/>
+                <a:cs typeface="Times New Roman" panose="02020603050405020304" pitchFamily="18" charset="0"/>
+              </a:rPr>
+              <a:t> </a:t>
+            </a:r>
+            <a:r>
+              <a:rPr lang="en-US" sz="2000" dirty="0" err="1" smtClean="0">
+                <a:latin typeface="Times New Roman" panose="02020603050405020304" pitchFamily="18" charset="0"/>
+                <a:cs typeface="Times New Roman" panose="02020603050405020304" pitchFamily="18" charset="0"/>
+              </a:rPr>
+              <a:t>việc</a:t>
+            </a:r>
+            <a:r>
+              <a:rPr lang="en-US" sz="2000" dirty="0" smtClean="0">
+                <a:latin typeface="Times New Roman" panose="02020603050405020304" pitchFamily="18" charset="0"/>
+                <a:cs typeface="Times New Roman" panose="02020603050405020304" pitchFamily="18" charset="0"/>
+              </a:rPr>
+              <a:t> </a:t>
+            </a:r>
+            <a:r>
+              <a:rPr lang="en-US" sz="2000" dirty="0" err="1" smtClean="0">
+                <a:latin typeface="Times New Roman" panose="02020603050405020304" pitchFamily="18" charset="0"/>
+                <a:cs typeface="Times New Roman" panose="02020603050405020304" pitchFamily="18" charset="0"/>
+              </a:rPr>
+              <a:t>còn</a:t>
+            </a:r>
+            <a:r>
+              <a:rPr lang="en-US" sz="2000" dirty="0" smtClean="0">
+                <a:latin typeface="Times New Roman" panose="02020603050405020304" pitchFamily="18" charset="0"/>
+                <a:cs typeface="Times New Roman" panose="02020603050405020304" pitchFamily="18" charset="0"/>
+              </a:rPr>
+              <a:t> </a:t>
+            </a:r>
+            <a:r>
+              <a:rPr lang="en-US" sz="2000" dirty="0" err="1" smtClean="0">
+                <a:latin typeface="Times New Roman" panose="02020603050405020304" pitchFamily="18" charset="0"/>
+                <a:cs typeface="Times New Roman" panose="02020603050405020304" pitchFamily="18" charset="0"/>
+              </a:rPr>
+              <a:t>thiếu</a:t>
+            </a:r>
+            <a:r>
+              <a:rPr lang="en-US" sz="2000" dirty="0" smtClean="0">
+                <a:latin typeface="Times New Roman" panose="02020603050405020304" pitchFamily="18" charset="0"/>
+                <a:cs typeface="Times New Roman" panose="02020603050405020304" pitchFamily="18" charset="0"/>
+              </a:rPr>
+              <a:t> </a:t>
+            </a:r>
+            <a:r>
+              <a:rPr lang="en-US" sz="2000" dirty="0" err="1" smtClean="0">
+                <a:latin typeface="Times New Roman" panose="02020603050405020304" pitchFamily="18" charset="0"/>
+                <a:cs typeface="Times New Roman" panose="02020603050405020304" pitchFamily="18" charset="0"/>
+              </a:rPr>
+              <a:t>kinh</a:t>
+            </a:r>
+            <a:r>
+              <a:rPr lang="en-US" sz="2000" dirty="0" smtClean="0">
+                <a:latin typeface="Times New Roman" panose="02020603050405020304" pitchFamily="18" charset="0"/>
+                <a:cs typeface="Times New Roman" panose="02020603050405020304" pitchFamily="18" charset="0"/>
+              </a:rPr>
+              <a:t> </a:t>
+            </a:r>
+            <a:r>
+              <a:rPr lang="en-US" sz="2000" dirty="0" err="1" smtClean="0">
+                <a:latin typeface="Times New Roman" panose="02020603050405020304" pitchFamily="18" charset="0"/>
+                <a:cs typeface="Times New Roman" panose="02020603050405020304" pitchFamily="18" charset="0"/>
+              </a:rPr>
+              <a:t>nghiệm</a:t>
+            </a:r>
+            <a:r>
+              <a:rPr lang="en-US" sz="2000" dirty="0" smtClean="0">
+                <a:latin typeface="Times New Roman" panose="02020603050405020304" pitchFamily="18" charset="0"/>
+                <a:cs typeface="Times New Roman" panose="02020603050405020304" pitchFamily="18" charset="0"/>
+              </a:rPr>
+              <a:t> </a:t>
+            </a:r>
+            <a:r>
+              <a:rPr lang="en-US" sz="2000" dirty="0" err="1" smtClean="0">
+                <a:latin typeface="Times New Roman" panose="02020603050405020304" pitchFamily="18" charset="0"/>
+                <a:cs typeface="Times New Roman" panose="02020603050405020304" pitchFamily="18" charset="0"/>
+              </a:rPr>
+              <a:t>trong</a:t>
+            </a:r>
+            <a:r>
+              <a:rPr lang="en-US" sz="2000" dirty="0" smtClean="0">
+                <a:latin typeface="Times New Roman" panose="02020603050405020304" pitchFamily="18" charset="0"/>
+                <a:cs typeface="Times New Roman" panose="02020603050405020304" pitchFamily="18" charset="0"/>
+              </a:rPr>
+              <a:t> </a:t>
+            </a:r>
+            <a:r>
+              <a:rPr lang="en-US" sz="2000" dirty="0" err="1" smtClean="0">
+                <a:latin typeface="Times New Roman" panose="02020603050405020304" pitchFamily="18" charset="0"/>
+                <a:cs typeface="Times New Roman" panose="02020603050405020304" pitchFamily="18" charset="0"/>
+              </a:rPr>
+              <a:t>việc</a:t>
+            </a:r>
+            <a:r>
+              <a:rPr lang="en-US" sz="2000" dirty="0" smtClean="0">
+                <a:latin typeface="Times New Roman" panose="02020603050405020304" pitchFamily="18" charset="0"/>
+                <a:cs typeface="Times New Roman" panose="02020603050405020304" pitchFamily="18" charset="0"/>
+              </a:rPr>
+              <a:t> </a:t>
+            </a:r>
+            <a:r>
+              <a:rPr lang="en-US" sz="2000" dirty="0" err="1" smtClean="0">
+                <a:latin typeface="Times New Roman" panose="02020603050405020304" pitchFamily="18" charset="0"/>
+                <a:cs typeface="Times New Roman" panose="02020603050405020304" pitchFamily="18" charset="0"/>
+              </a:rPr>
+              <a:t>làm</a:t>
+            </a:r>
+            <a:r>
+              <a:rPr lang="en-US" sz="2000" dirty="0" smtClean="0">
+                <a:latin typeface="Times New Roman" panose="02020603050405020304" pitchFamily="18" charset="0"/>
+                <a:cs typeface="Times New Roman" panose="02020603050405020304" pitchFamily="18" charset="0"/>
+              </a:rPr>
+              <a:t> </a:t>
+            </a:r>
+            <a:r>
+              <a:rPr lang="en-US" sz="2000" dirty="0" err="1" smtClean="0">
+                <a:latin typeface="Times New Roman" panose="02020603050405020304" pitchFamily="18" charset="0"/>
+                <a:cs typeface="Times New Roman" panose="02020603050405020304" pitchFamily="18" charset="0"/>
+              </a:rPr>
+              <a:t>bài</a:t>
+            </a:r>
+            <a:r>
+              <a:rPr lang="en-US" sz="2000" dirty="0" smtClean="0">
+                <a:latin typeface="Times New Roman" panose="02020603050405020304" pitchFamily="18" charset="0"/>
+                <a:cs typeface="Times New Roman" panose="02020603050405020304" pitchFamily="18" charset="0"/>
+              </a:rPr>
+              <a:t> </a:t>
+            </a:r>
+            <a:r>
+              <a:rPr lang="en-US" sz="2000" dirty="0" err="1" smtClean="0">
+                <a:latin typeface="Times New Roman" panose="02020603050405020304" pitchFamily="18" charset="0"/>
+                <a:cs typeface="Times New Roman" panose="02020603050405020304" pitchFamily="18" charset="0"/>
+              </a:rPr>
+              <a:t>tập</a:t>
+            </a:r>
+            <a:r>
+              <a:rPr lang="en-US" sz="2000" dirty="0" smtClean="0">
+                <a:latin typeface="Times New Roman" panose="02020603050405020304" pitchFamily="18" charset="0"/>
+                <a:cs typeface="Times New Roman" panose="02020603050405020304" pitchFamily="18" charset="0"/>
+              </a:rPr>
+              <a:t> </a:t>
+            </a:r>
+            <a:r>
+              <a:rPr lang="en-US" sz="2000" dirty="0" err="1" smtClean="0">
+                <a:latin typeface="Times New Roman" panose="02020603050405020304" pitchFamily="18" charset="0"/>
+                <a:cs typeface="Times New Roman" panose="02020603050405020304" pitchFamily="18" charset="0"/>
+              </a:rPr>
+              <a:t>lớn</a:t>
+            </a:r>
+            <a:r>
+              <a:rPr lang="en-US" sz="2000" dirty="0" smtClean="0">
+                <a:latin typeface="Times New Roman" panose="02020603050405020304" pitchFamily="18" charset="0"/>
+                <a:cs typeface="Times New Roman" panose="02020603050405020304" pitchFamily="18" charset="0"/>
+              </a:rPr>
+              <a:t>, </a:t>
+            </a:r>
+            <a:r>
+              <a:rPr lang="en-US" sz="2000" dirty="0" err="1" smtClean="0">
+                <a:latin typeface="Times New Roman" panose="02020603050405020304" pitchFamily="18" charset="0"/>
+                <a:cs typeface="Times New Roman" panose="02020603050405020304" pitchFamily="18" charset="0"/>
+              </a:rPr>
+              <a:t>nên</a:t>
+            </a:r>
+            <a:r>
+              <a:rPr lang="en-US" sz="2000" dirty="0" smtClean="0">
+                <a:latin typeface="Times New Roman" panose="02020603050405020304" pitchFamily="18" charset="0"/>
+                <a:cs typeface="Times New Roman" panose="02020603050405020304" pitchFamily="18" charset="0"/>
+              </a:rPr>
+              <a:t> </a:t>
+            </a:r>
+            <a:r>
+              <a:rPr lang="en-US" sz="2000" dirty="0" err="1" smtClean="0">
+                <a:latin typeface="Times New Roman" panose="02020603050405020304" pitchFamily="18" charset="0"/>
+                <a:cs typeface="Times New Roman" panose="02020603050405020304" pitchFamily="18" charset="0"/>
+              </a:rPr>
+              <a:t>chương</a:t>
+            </a:r>
+            <a:r>
+              <a:rPr lang="en-US" sz="2000" dirty="0" smtClean="0">
+                <a:latin typeface="Times New Roman" panose="02020603050405020304" pitchFamily="18" charset="0"/>
+                <a:cs typeface="Times New Roman" panose="02020603050405020304" pitchFamily="18" charset="0"/>
+              </a:rPr>
+              <a:t> </a:t>
+            </a:r>
+            <a:r>
+              <a:rPr lang="en-US" sz="2000" dirty="0" err="1" smtClean="0">
+                <a:latin typeface="Times New Roman" panose="02020603050405020304" pitchFamily="18" charset="0"/>
+                <a:cs typeface="Times New Roman" panose="02020603050405020304" pitchFamily="18" charset="0"/>
+              </a:rPr>
+              <a:t>trình</a:t>
+            </a:r>
+            <a:r>
+              <a:rPr lang="en-US" sz="2000" dirty="0" smtClean="0">
+                <a:latin typeface="Times New Roman" panose="02020603050405020304" pitchFamily="18" charset="0"/>
+                <a:cs typeface="Times New Roman" panose="02020603050405020304" pitchFamily="18" charset="0"/>
+              </a:rPr>
+              <a:t> </a:t>
+            </a:r>
+            <a:r>
+              <a:rPr lang="en-US" sz="2000" dirty="0" err="1" smtClean="0">
+                <a:latin typeface="Times New Roman" panose="02020603050405020304" pitchFamily="18" charset="0"/>
+                <a:cs typeface="Times New Roman" panose="02020603050405020304" pitchFamily="18" charset="0"/>
+              </a:rPr>
+              <a:t>còn</a:t>
+            </a:r>
+            <a:r>
+              <a:rPr lang="en-US" sz="2000" dirty="0" smtClean="0">
+                <a:latin typeface="Times New Roman" panose="02020603050405020304" pitchFamily="18" charset="0"/>
+                <a:cs typeface="Times New Roman" panose="02020603050405020304" pitchFamily="18" charset="0"/>
+              </a:rPr>
+              <a:t> </a:t>
+            </a:r>
+            <a:r>
+              <a:rPr lang="en-US" sz="2000" dirty="0" err="1" smtClean="0">
+                <a:latin typeface="Times New Roman" panose="02020603050405020304" pitchFamily="18" charset="0"/>
+                <a:cs typeface="Times New Roman" panose="02020603050405020304" pitchFamily="18" charset="0"/>
+              </a:rPr>
+              <a:t>rất</a:t>
+            </a:r>
+            <a:r>
+              <a:rPr lang="en-US" sz="2000" dirty="0" smtClean="0">
+                <a:latin typeface="Times New Roman" panose="02020603050405020304" pitchFamily="18" charset="0"/>
+                <a:cs typeface="Times New Roman" panose="02020603050405020304" pitchFamily="18" charset="0"/>
+              </a:rPr>
+              <a:t> </a:t>
+            </a:r>
+            <a:r>
+              <a:rPr lang="en-US" sz="2000" dirty="0" err="1" smtClean="0">
+                <a:latin typeface="Times New Roman" panose="02020603050405020304" pitchFamily="18" charset="0"/>
+                <a:cs typeface="Times New Roman" panose="02020603050405020304" pitchFamily="18" charset="0"/>
+              </a:rPr>
+              <a:t>nhiều</a:t>
+            </a:r>
+            <a:r>
+              <a:rPr lang="en-US" sz="2000" dirty="0" smtClean="0">
+                <a:latin typeface="Times New Roman" panose="02020603050405020304" pitchFamily="18" charset="0"/>
+                <a:cs typeface="Times New Roman" panose="02020603050405020304" pitchFamily="18" charset="0"/>
+              </a:rPr>
+              <a:t> </a:t>
+            </a:r>
+            <a:r>
+              <a:rPr lang="en-US" sz="2000" dirty="0" err="1" smtClean="0">
+                <a:latin typeface="Times New Roman" panose="02020603050405020304" pitchFamily="18" charset="0"/>
+                <a:cs typeface="Times New Roman" panose="02020603050405020304" pitchFamily="18" charset="0"/>
+              </a:rPr>
+              <a:t>thiếu</a:t>
+            </a:r>
+            <a:r>
+              <a:rPr lang="en-US" sz="2000" dirty="0" smtClean="0">
+                <a:latin typeface="Times New Roman" panose="02020603050405020304" pitchFamily="18" charset="0"/>
+                <a:cs typeface="Times New Roman" panose="02020603050405020304" pitchFamily="18" charset="0"/>
+              </a:rPr>
+              <a:t> </a:t>
+            </a:r>
+            <a:r>
+              <a:rPr lang="en-US" sz="2000" dirty="0" err="1" smtClean="0">
+                <a:latin typeface="Times New Roman" panose="02020603050405020304" pitchFamily="18" charset="0"/>
+                <a:cs typeface="Times New Roman" panose="02020603050405020304" pitchFamily="18" charset="0"/>
+              </a:rPr>
+              <a:t>xót</a:t>
+            </a:r>
+            <a:r>
+              <a:rPr lang="en-US" sz="2000" dirty="0" smtClean="0">
+                <a:latin typeface="Times New Roman" panose="02020603050405020304" pitchFamily="18" charset="0"/>
+                <a:cs typeface="Times New Roman" panose="02020603050405020304" pitchFamily="18" charset="0"/>
+              </a:rPr>
+              <a:t>. </a:t>
+            </a:r>
+            <a:r>
+              <a:rPr lang="en-US" sz="2000" dirty="0" err="1" smtClean="0">
+                <a:latin typeface="Times New Roman" panose="02020603050405020304" pitchFamily="18" charset="0"/>
+                <a:cs typeface="Times New Roman" panose="02020603050405020304" pitchFamily="18" charset="0"/>
+              </a:rPr>
+              <a:t>Em</a:t>
+            </a:r>
+            <a:r>
+              <a:rPr lang="en-US" sz="2000" dirty="0" smtClean="0">
+                <a:latin typeface="Times New Roman" panose="02020603050405020304" pitchFamily="18" charset="0"/>
+                <a:cs typeface="Times New Roman" panose="02020603050405020304" pitchFamily="18" charset="0"/>
+              </a:rPr>
+              <a:t> </a:t>
+            </a:r>
+            <a:r>
+              <a:rPr lang="en-US" sz="2000" dirty="0" err="1" smtClean="0">
+                <a:latin typeface="Times New Roman" panose="02020603050405020304" pitchFamily="18" charset="0"/>
+                <a:cs typeface="Times New Roman" panose="02020603050405020304" pitchFamily="18" charset="0"/>
+              </a:rPr>
+              <a:t>rất</a:t>
+            </a:r>
+            <a:r>
+              <a:rPr lang="en-US" sz="2000" dirty="0" smtClean="0">
+                <a:latin typeface="Times New Roman" panose="02020603050405020304" pitchFamily="18" charset="0"/>
+                <a:cs typeface="Times New Roman" panose="02020603050405020304" pitchFamily="18" charset="0"/>
+              </a:rPr>
+              <a:t> </a:t>
+            </a:r>
+            <a:r>
+              <a:rPr lang="en-US" sz="2000" dirty="0" err="1" smtClean="0">
+                <a:latin typeface="Times New Roman" panose="02020603050405020304" pitchFamily="18" charset="0"/>
+                <a:cs typeface="Times New Roman" panose="02020603050405020304" pitchFamily="18" charset="0"/>
+              </a:rPr>
+              <a:t>mong</a:t>
+            </a:r>
+            <a:r>
+              <a:rPr lang="en-US" sz="2000" dirty="0" smtClean="0">
+                <a:latin typeface="Times New Roman" panose="02020603050405020304" pitchFamily="18" charset="0"/>
+                <a:cs typeface="Times New Roman" panose="02020603050405020304" pitchFamily="18" charset="0"/>
+              </a:rPr>
+              <a:t> </a:t>
+            </a:r>
+            <a:r>
+              <a:rPr lang="en-US" sz="2000" dirty="0" err="1" smtClean="0">
+                <a:latin typeface="Times New Roman" panose="02020603050405020304" pitchFamily="18" charset="0"/>
+                <a:cs typeface="Times New Roman" panose="02020603050405020304" pitchFamily="18" charset="0"/>
+              </a:rPr>
+              <a:t>quý</a:t>
+            </a:r>
+            <a:r>
+              <a:rPr lang="en-US" sz="2000" dirty="0" smtClean="0">
+                <a:latin typeface="Times New Roman" panose="02020603050405020304" pitchFamily="18" charset="0"/>
+                <a:cs typeface="Times New Roman" panose="02020603050405020304" pitchFamily="18" charset="0"/>
+              </a:rPr>
+              <a:t> </a:t>
+            </a:r>
+            <a:r>
+              <a:rPr lang="en-US" sz="2000" dirty="0" err="1" smtClean="0">
+                <a:latin typeface="Times New Roman" panose="02020603050405020304" pitchFamily="18" charset="0"/>
+                <a:cs typeface="Times New Roman" panose="02020603050405020304" pitchFamily="18" charset="0"/>
+              </a:rPr>
+              <a:t>thấy</a:t>
+            </a:r>
+            <a:r>
+              <a:rPr lang="en-US" sz="2000" dirty="0" smtClean="0">
+                <a:latin typeface="Times New Roman" panose="02020603050405020304" pitchFamily="18" charset="0"/>
+                <a:cs typeface="Times New Roman" panose="02020603050405020304" pitchFamily="18" charset="0"/>
+              </a:rPr>
+              <a:t> </a:t>
+            </a:r>
+            <a:r>
+              <a:rPr lang="en-US" sz="2000" dirty="0" err="1" smtClean="0">
+                <a:latin typeface="Times New Roman" panose="02020603050405020304" pitchFamily="18" charset="0"/>
+                <a:cs typeface="Times New Roman" panose="02020603050405020304" pitchFamily="18" charset="0"/>
+              </a:rPr>
+              <a:t>cô</a:t>
+            </a:r>
+            <a:r>
+              <a:rPr lang="en-US" sz="2000" dirty="0" smtClean="0">
+                <a:latin typeface="Times New Roman" panose="02020603050405020304" pitchFamily="18" charset="0"/>
+                <a:cs typeface="Times New Roman" panose="02020603050405020304" pitchFamily="18" charset="0"/>
+              </a:rPr>
+              <a:t> </a:t>
+            </a:r>
+            <a:r>
+              <a:rPr lang="en-US" sz="2000" dirty="0" err="1">
+                <a:latin typeface="Times New Roman" panose="02020603050405020304" pitchFamily="18" charset="0"/>
+                <a:cs typeface="Times New Roman" panose="02020603050405020304" pitchFamily="18" charset="0"/>
+              </a:rPr>
+              <a:t>s</a:t>
+            </a:r>
+            <a:r>
+              <a:rPr lang="en-US" sz="2000" dirty="0" err="1" smtClean="0">
+                <a:latin typeface="Times New Roman" panose="02020603050405020304" pitchFamily="18" charset="0"/>
+                <a:cs typeface="Times New Roman" panose="02020603050405020304" pitchFamily="18" charset="0"/>
+              </a:rPr>
+              <a:t>ẽ</a:t>
+            </a:r>
+            <a:r>
+              <a:rPr lang="en-US" sz="2000" dirty="0" smtClean="0">
+                <a:latin typeface="Times New Roman" panose="02020603050405020304" pitchFamily="18" charset="0"/>
+                <a:cs typeface="Times New Roman" panose="02020603050405020304" pitchFamily="18" charset="0"/>
+              </a:rPr>
+              <a:t> </a:t>
+            </a:r>
+            <a:r>
+              <a:rPr lang="en-US" sz="2000" dirty="0" err="1" smtClean="0">
+                <a:latin typeface="Times New Roman" panose="02020603050405020304" pitchFamily="18" charset="0"/>
+                <a:cs typeface="Times New Roman" panose="02020603050405020304" pitchFamily="18" charset="0"/>
+              </a:rPr>
+              <a:t>có</a:t>
+            </a:r>
+            <a:r>
+              <a:rPr lang="en-US" sz="2000" dirty="0" smtClean="0">
+                <a:latin typeface="Times New Roman" panose="02020603050405020304" pitchFamily="18" charset="0"/>
+                <a:cs typeface="Times New Roman" panose="02020603050405020304" pitchFamily="18" charset="0"/>
+              </a:rPr>
+              <a:t> </a:t>
+            </a:r>
+            <a:r>
+              <a:rPr lang="en-US" sz="2000" dirty="0" err="1" smtClean="0">
+                <a:latin typeface="Times New Roman" panose="02020603050405020304" pitchFamily="18" charset="0"/>
+                <a:cs typeface="Times New Roman" panose="02020603050405020304" pitchFamily="18" charset="0"/>
+              </a:rPr>
+              <a:t>những</a:t>
+            </a:r>
+            <a:r>
+              <a:rPr lang="en-US" sz="2000" dirty="0" smtClean="0">
+                <a:latin typeface="Times New Roman" panose="02020603050405020304" pitchFamily="18" charset="0"/>
+                <a:cs typeface="Times New Roman" panose="02020603050405020304" pitchFamily="18" charset="0"/>
+              </a:rPr>
+              <a:t> </a:t>
+            </a:r>
+            <a:r>
+              <a:rPr lang="en-US" sz="2000" dirty="0" err="1" smtClean="0">
+                <a:latin typeface="Times New Roman" panose="02020603050405020304" pitchFamily="18" charset="0"/>
+                <a:cs typeface="Times New Roman" panose="02020603050405020304" pitchFamily="18" charset="0"/>
+              </a:rPr>
+              <a:t>góp</a:t>
+            </a:r>
+            <a:r>
+              <a:rPr lang="en-US" sz="2000" dirty="0" smtClean="0">
+                <a:latin typeface="Times New Roman" panose="02020603050405020304" pitchFamily="18" charset="0"/>
+                <a:cs typeface="Times New Roman" panose="02020603050405020304" pitchFamily="18" charset="0"/>
+              </a:rPr>
+              <a:t> ý, </a:t>
+            </a:r>
+            <a:r>
+              <a:rPr lang="en-US" sz="2000" dirty="0" err="1" smtClean="0">
+                <a:latin typeface="Times New Roman" panose="02020603050405020304" pitchFamily="18" charset="0"/>
+                <a:cs typeface="Times New Roman" panose="02020603050405020304" pitchFamily="18" charset="0"/>
+              </a:rPr>
+              <a:t>đánh</a:t>
+            </a:r>
+            <a:r>
+              <a:rPr lang="en-US" sz="2000" dirty="0" smtClean="0">
+                <a:latin typeface="Times New Roman" panose="02020603050405020304" pitchFamily="18" charset="0"/>
+                <a:cs typeface="Times New Roman" panose="02020603050405020304" pitchFamily="18" charset="0"/>
+              </a:rPr>
+              <a:t> </a:t>
+            </a:r>
+            <a:r>
+              <a:rPr lang="en-US" sz="2000" dirty="0" err="1" smtClean="0">
+                <a:latin typeface="Times New Roman" panose="02020603050405020304" pitchFamily="18" charset="0"/>
+                <a:cs typeface="Times New Roman" panose="02020603050405020304" pitchFamily="18" charset="0"/>
+              </a:rPr>
+              <a:t>giá</a:t>
+            </a:r>
+            <a:r>
+              <a:rPr lang="en-US" sz="2000" dirty="0" smtClean="0">
+                <a:latin typeface="Times New Roman" panose="02020603050405020304" pitchFamily="18" charset="0"/>
+                <a:cs typeface="Times New Roman" panose="02020603050405020304" pitchFamily="18" charset="0"/>
+              </a:rPr>
+              <a:t> </a:t>
+            </a:r>
+            <a:r>
+              <a:rPr lang="en-US" sz="2000" dirty="0" err="1" smtClean="0">
+                <a:latin typeface="Times New Roman" panose="02020603050405020304" pitchFamily="18" charset="0"/>
+                <a:cs typeface="Times New Roman" panose="02020603050405020304" pitchFamily="18" charset="0"/>
+              </a:rPr>
+              <a:t>để</a:t>
+            </a:r>
+            <a:r>
+              <a:rPr lang="en-US" sz="2000" dirty="0" smtClean="0">
+                <a:latin typeface="Times New Roman" panose="02020603050405020304" pitchFamily="18" charset="0"/>
+                <a:cs typeface="Times New Roman" panose="02020603050405020304" pitchFamily="18" charset="0"/>
+              </a:rPr>
+              <a:t> </a:t>
+            </a:r>
+            <a:r>
+              <a:rPr lang="en-US" sz="2000" dirty="0" err="1" smtClean="0">
+                <a:latin typeface="Times New Roman" panose="02020603050405020304" pitchFamily="18" charset="0"/>
+                <a:cs typeface="Times New Roman" panose="02020603050405020304" pitchFamily="18" charset="0"/>
+              </a:rPr>
+              <a:t>em</a:t>
+            </a:r>
+            <a:r>
+              <a:rPr lang="en-US" sz="2000" dirty="0" smtClean="0">
+                <a:latin typeface="Times New Roman" panose="02020603050405020304" pitchFamily="18" charset="0"/>
+                <a:cs typeface="Times New Roman" panose="02020603050405020304" pitchFamily="18" charset="0"/>
+              </a:rPr>
+              <a:t> </a:t>
+            </a:r>
+            <a:r>
+              <a:rPr lang="en-US" sz="2000" dirty="0" err="1" smtClean="0">
+                <a:latin typeface="Times New Roman" panose="02020603050405020304" pitchFamily="18" charset="0"/>
+                <a:cs typeface="Times New Roman" panose="02020603050405020304" pitchFamily="18" charset="0"/>
+              </a:rPr>
+              <a:t>có</a:t>
+            </a:r>
+            <a:r>
+              <a:rPr lang="en-US" sz="2000" dirty="0" smtClean="0">
+                <a:latin typeface="Times New Roman" panose="02020603050405020304" pitchFamily="18" charset="0"/>
+                <a:cs typeface="Times New Roman" panose="02020603050405020304" pitchFamily="18" charset="0"/>
+              </a:rPr>
+              <a:t> </a:t>
+            </a:r>
+            <a:r>
+              <a:rPr lang="en-US" sz="2000" dirty="0" err="1" smtClean="0">
+                <a:latin typeface="Times New Roman" panose="02020603050405020304" pitchFamily="18" charset="0"/>
+                <a:cs typeface="Times New Roman" panose="02020603050405020304" pitchFamily="18" charset="0"/>
+              </a:rPr>
+              <a:t>thể</a:t>
+            </a:r>
+            <a:r>
+              <a:rPr lang="en-US" sz="2000" dirty="0" smtClean="0">
+                <a:latin typeface="Times New Roman" panose="02020603050405020304" pitchFamily="18" charset="0"/>
+                <a:cs typeface="Times New Roman" panose="02020603050405020304" pitchFamily="18" charset="0"/>
+              </a:rPr>
+              <a:t> </a:t>
+            </a:r>
+            <a:r>
+              <a:rPr lang="en-US" sz="2000" dirty="0" err="1" smtClean="0">
+                <a:latin typeface="Times New Roman" panose="02020603050405020304" pitchFamily="18" charset="0"/>
+                <a:cs typeface="Times New Roman" panose="02020603050405020304" pitchFamily="18" charset="0"/>
+              </a:rPr>
+              <a:t>hoàn</a:t>
+            </a:r>
+            <a:r>
+              <a:rPr lang="en-US" sz="2000" dirty="0" smtClean="0">
+                <a:latin typeface="Times New Roman" panose="02020603050405020304" pitchFamily="18" charset="0"/>
+                <a:cs typeface="Times New Roman" panose="02020603050405020304" pitchFamily="18" charset="0"/>
+              </a:rPr>
+              <a:t> </a:t>
+            </a:r>
+            <a:r>
+              <a:rPr lang="en-US" sz="2000" dirty="0" err="1" smtClean="0">
+                <a:latin typeface="Times New Roman" panose="02020603050405020304" pitchFamily="18" charset="0"/>
+                <a:cs typeface="Times New Roman" panose="02020603050405020304" pitchFamily="18" charset="0"/>
+              </a:rPr>
+              <a:t>thiện</a:t>
+            </a:r>
+            <a:r>
+              <a:rPr lang="en-US" sz="2000" dirty="0">
+                <a:latin typeface="Times New Roman" panose="02020603050405020304" pitchFamily="18" charset="0"/>
+                <a:cs typeface="Times New Roman" panose="02020603050405020304" pitchFamily="18" charset="0"/>
+              </a:rPr>
+              <a:t> </a:t>
+            </a:r>
+            <a:r>
+              <a:rPr lang="en-US" sz="2000" dirty="0" err="1" smtClean="0">
+                <a:latin typeface="Times New Roman" panose="02020603050405020304" pitchFamily="18" charset="0"/>
+                <a:cs typeface="Times New Roman" panose="02020603050405020304" pitchFamily="18" charset="0"/>
+              </a:rPr>
+              <a:t>chương</a:t>
+            </a:r>
+            <a:r>
+              <a:rPr lang="en-US" sz="2000" dirty="0" smtClean="0">
+                <a:latin typeface="Times New Roman" panose="02020603050405020304" pitchFamily="18" charset="0"/>
+                <a:cs typeface="Times New Roman" panose="02020603050405020304" pitchFamily="18" charset="0"/>
+              </a:rPr>
+              <a:t> </a:t>
+            </a:r>
+            <a:r>
+              <a:rPr lang="en-US" sz="2000" dirty="0" err="1" smtClean="0">
+                <a:latin typeface="Times New Roman" panose="02020603050405020304" pitchFamily="18" charset="0"/>
+                <a:cs typeface="Times New Roman" panose="02020603050405020304" pitchFamily="18" charset="0"/>
+              </a:rPr>
+              <a:t>trình</a:t>
+            </a:r>
+            <a:r>
+              <a:rPr lang="en-US" sz="2000" dirty="0" smtClean="0">
+                <a:latin typeface="Times New Roman" panose="02020603050405020304" pitchFamily="18" charset="0"/>
+                <a:cs typeface="Times New Roman" panose="02020603050405020304" pitchFamily="18" charset="0"/>
+              </a:rPr>
+              <a:t> </a:t>
+            </a:r>
+            <a:r>
+              <a:rPr lang="en-US" sz="2000" dirty="0" err="1" smtClean="0">
+                <a:latin typeface="Times New Roman" panose="02020603050405020304" pitchFamily="18" charset="0"/>
+                <a:cs typeface="Times New Roman" panose="02020603050405020304" pitchFamily="18" charset="0"/>
+              </a:rPr>
+              <a:t>tốt</a:t>
+            </a:r>
+            <a:r>
+              <a:rPr lang="en-US" sz="2000" dirty="0" smtClean="0">
+                <a:latin typeface="Times New Roman" panose="02020603050405020304" pitchFamily="18" charset="0"/>
+                <a:cs typeface="Times New Roman" panose="02020603050405020304" pitchFamily="18" charset="0"/>
+              </a:rPr>
+              <a:t> </a:t>
+            </a:r>
+            <a:r>
+              <a:rPr lang="en-US" sz="2000" dirty="0" err="1" smtClean="0">
+                <a:latin typeface="Times New Roman" panose="02020603050405020304" pitchFamily="18" charset="0"/>
+                <a:cs typeface="Times New Roman" panose="02020603050405020304" pitchFamily="18" charset="0"/>
+              </a:rPr>
+              <a:t>hơn</a:t>
+            </a:r>
+            <a:r>
+              <a:rPr lang="en-US" sz="2000" dirty="0" smtClean="0">
+                <a:latin typeface="Times New Roman" panose="02020603050405020304" pitchFamily="18" charset="0"/>
+                <a:cs typeface="Times New Roman" panose="02020603050405020304" pitchFamily="18" charset="0"/>
+              </a:rPr>
+              <a:t> </a:t>
+            </a:r>
+            <a:r>
+              <a:rPr lang="en-US" sz="2000" dirty="0" err="1" smtClean="0">
+                <a:latin typeface="Times New Roman" panose="02020603050405020304" pitchFamily="18" charset="0"/>
+                <a:cs typeface="Times New Roman" panose="02020603050405020304" pitchFamily="18" charset="0"/>
+              </a:rPr>
+              <a:t>để</a:t>
+            </a:r>
+            <a:r>
+              <a:rPr lang="en-US" sz="2000" dirty="0" smtClean="0">
+                <a:latin typeface="Times New Roman" panose="02020603050405020304" pitchFamily="18" charset="0"/>
+                <a:cs typeface="Times New Roman" panose="02020603050405020304" pitchFamily="18" charset="0"/>
+              </a:rPr>
+              <a:t> </a:t>
+            </a:r>
+            <a:r>
+              <a:rPr lang="en-US" sz="2000" dirty="0" err="1" smtClean="0">
+                <a:latin typeface="Times New Roman" panose="02020603050405020304" pitchFamily="18" charset="0"/>
+                <a:cs typeface="Times New Roman" panose="02020603050405020304" pitchFamily="18" charset="0"/>
+              </a:rPr>
+              <a:t>có</a:t>
+            </a:r>
+            <a:r>
+              <a:rPr lang="en-US" sz="2000" dirty="0" smtClean="0">
+                <a:latin typeface="Times New Roman" panose="02020603050405020304" pitchFamily="18" charset="0"/>
+                <a:cs typeface="Times New Roman" panose="02020603050405020304" pitchFamily="18" charset="0"/>
+              </a:rPr>
+              <a:t> </a:t>
+            </a:r>
+            <a:r>
+              <a:rPr lang="en-US" sz="2000" dirty="0" err="1" smtClean="0">
+                <a:latin typeface="Times New Roman" panose="02020603050405020304" pitchFamily="18" charset="0"/>
+                <a:cs typeface="Times New Roman" panose="02020603050405020304" pitchFamily="18" charset="0"/>
+              </a:rPr>
+              <a:t>thể</a:t>
+            </a:r>
+            <a:r>
+              <a:rPr lang="en-US" sz="2000" dirty="0">
+                <a:latin typeface="Times New Roman" panose="02020603050405020304" pitchFamily="18" charset="0"/>
+                <a:cs typeface="Times New Roman" panose="02020603050405020304" pitchFamily="18" charset="0"/>
+              </a:rPr>
+              <a:t> </a:t>
+            </a:r>
+            <a:r>
+              <a:rPr lang="en-US" sz="2000" dirty="0" err="1" smtClean="0">
+                <a:latin typeface="Times New Roman" panose="02020603050405020304" pitchFamily="18" charset="0"/>
+                <a:cs typeface="Times New Roman" panose="02020603050405020304" pitchFamily="18" charset="0"/>
+              </a:rPr>
+              <a:t>sử</a:t>
+            </a:r>
+            <a:r>
+              <a:rPr lang="en-US" sz="2000" dirty="0" smtClean="0">
+                <a:latin typeface="Times New Roman" panose="02020603050405020304" pitchFamily="18" charset="0"/>
+                <a:cs typeface="Times New Roman" panose="02020603050405020304" pitchFamily="18" charset="0"/>
+              </a:rPr>
+              <a:t> </a:t>
+            </a:r>
+            <a:r>
+              <a:rPr lang="en-US" sz="2000" dirty="0" err="1" smtClean="0">
+                <a:latin typeface="Times New Roman" panose="02020603050405020304" pitchFamily="18" charset="0"/>
+                <a:cs typeface="Times New Roman" panose="02020603050405020304" pitchFamily="18" charset="0"/>
+              </a:rPr>
+              <a:t>dụng</a:t>
+            </a:r>
+            <a:r>
+              <a:rPr lang="en-US" sz="2000" dirty="0" smtClean="0">
+                <a:latin typeface="Times New Roman" panose="02020603050405020304" pitchFamily="18" charset="0"/>
+                <a:cs typeface="Times New Roman" panose="02020603050405020304" pitchFamily="18" charset="0"/>
+              </a:rPr>
+              <a:t> </a:t>
+            </a:r>
+            <a:r>
+              <a:rPr lang="en-US" sz="2000" dirty="0" err="1" smtClean="0">
+                <a:latin typeface="Times New Roman" panose="02020603050405020304" pitchFamily="18" charset="0"/>
+                <a:cs typeface="Times New Roman" panose="02020603050405020304" pitchFamily="18" charset="0"/>
+              </a:rPr>
+              <a:t>trên</a:t>
+            </a:r>
+            <a:r>
+              <a:rPr lang="en-US" sz="2000" dirty="0" smtClean="0">
+                <a:latin typeface="Times New Roman" panose="02020603050405020304" pitchFamily="18" charset="0"/>
+                <a:cs typeface="Times New Roman" panose="02020603050405020304" pitchFamily="18" charset="0"/>
+              </a:rPr>
+              <a:t> </a:t>
+            </a:r>
+            <a:r>
+              <a:rPr lang="en-US" sz="2000" dirty="0" err="1" smtClean="0">
+                <a:latin typeface="Times New Roman" panose="02020603050405020304" pitchFamily="18" charset="0"/>
+                <a:cs typeface="Times New Roman" panose="02020603050405020304" pitchFamily="18" charset="0"/>
+              </a:rPr>
+              <a:t>thực</a:t>
+            </a:r>
+            <a:r>
+              <a:rPr lang="en-US" sz="2000" dirty="0" smtClean="0">
+                <a:latin typeface="Times New Roman" panose="02020603050405020304" pitchFamily="18" charset="0"/>
+                <a:cs typeface="Times New Roman" panose="02020603050405020304" pitchFamily="18" charset="0"/>
+              </a:rPr>
+              <a:t> </a:t>
+            </a:r>
+            <a:r>
+              <a:rPr lang="en-US" sz="2000" dirty="0" err="1" smtClean="0">
+                <a:latin typeface="Times New Roman" panose="02020603050405020304" pitchFamily="18" charset="0"/>
+                <a:cs typeface="Times New Roman" panose="02020603050405020304" pitchFamily="18" charset="0"/>
+              </a:rPr>
+              <a:t>tế</a:t>
+            </a:r>
+            <a:r>
+              <a:rPr lang="en-US" sz="2000" dirty="0" smtClean="0">
+                <a:latin typeface="Times New Roman" panose="02020603050405020304" pitchFamily="18" charset="0"/>
+                <a:cs typeface="Times New Roman" panose="02020603050405020304" pitchFamily="18" charset="0"/>
+              </a:rPr>
+              <a:t>. </a:t>
+            </a:r>
+            <a:r>
+              <a:rPr lang="en-US" sz="2000" dirty="0" err="1" smtClean="0">
+                <a:latin typeface="Times New Roman" panose="02020603050405020304" pitchFamily="18" charset="0"/>
+                <a:cs typeface="Times New Roman" panose="02020603050405020304" pitchFamily="18" charset="0"/>
+              </a:rPr>
+              <a:t>Bản</a:t>
+            </a:r>
+            <a:r>
+              <a:rPr lang="en-US" sz="2000" dirty="0" smtClean="0">
+                <a:latin typeface="Times New Roman" panose="02020603050405020304" pitchFamily="18" charset="0"/>
+                <a:cs typeface="Times New Roman" panose="02020603050405020304" pitchFamily="18" charset="0"/>
+              </a:rPr>
+              <a:t> </a:t>
+            </a:r>
+            <a:r>
+              <a:rPr lang="en-US" sz="2000" dirty="0" err="1" smtClean="0">
+                <a:latin typeface="Times New Roman" panose="02020603050405020304" pitchFamily="18" charset="0"/>
+                <a:cs typeface="Times New Roman" panose="02020603050405020304" pitchFamily="18" charset="0"/>
+              </a:rPr>
+              <a:t>thân</a:t>
+            </a:r>
+            <a:r>
+              <a:rPr lang="en-US" sz="2000" dirty="0" smtClean="0">
+                <a:latin typeface="Times New Roman" panose="02020603050405020304" pitchFamily="18" charset="0"/>
+                <a:cs typeface="Times New Roman" panose="02020603050405020304" pitchFamily="18" charset="0"/>
+              </a:rPr>
+              <a:t> </a:t>
+            </a:r>
+            <a:r>
+              <a:rPr lang="en-US" sz="2000" dirty="0" err="1" smtClean="0">
+                <a:latin typeface="Times New Roman" panose="02020603050405020304" pitchFamily="18" charset="0"/>
+                <a:cs typeface="Times New Roman" panose="02020603050405020304" pitchFamily="18" charset="0"/>
+              </a:rPr>
+              <a:t>em</a:t>
+            </a:r>
+            <a:r>
+              <a:rPr lang="en-US" sz="2000" dirty="0" smtClean="0">
+                <a:latin typeface="Times New Roman" panose="02020603050405020304" pitchFamily="18" charset="0"/>
+                <a:cs typeface="Times New Roman" panose="02020603050405020304" pitchFamily="18" charset="0"/>
+              </a:rPr>
+              <a:t> </a:t>
+            </a:r>
+            <a:r>
+              <a:rPr lang="en-US" sz="2000" dirty="0" err="1" smtClean="0">
+                <a:latin typeface="Times New Roman" panose="02020603050405020304" pitchFamily="18" charset="0"/>
+                <a:cs typeface="Times New Roman" panose="02020603050405020304" pitchFamily="18" charset="0"/>
+              </a:rPr>
+              <a:t>cũng</a:t>
+            </a:r>
+            <a:r>
+              <a:rPr lang="en-US" sz="2000" dirty="0" smtClean="0">
+                <a:latin typeface="Times New Roman" panose="02020603050405020304" pitchFamily="18" charset="0"/>
+                <a:cs typeface="Times New Roman" panose="02020603050405020304" pitchFamily="18" charset="0"/>
+              </a:rPr>
+              <a:t> </a:t>
+            </a:r>
+            <a:r>
+              <a:rPr lang="en-US" sz="2000" dirty="0" err="1" smtClean="0">
+                <a:latin typeface="Times New Roman" panose="02020603050405020304" pitchFamily="18" charset="0"/>
+                <a:cs typeface="Times New Roman" panose="02020603050405020304" pitchFamily="18" charset="0"/>
+              </a:rPr>
+              <a:t>sẽ</a:t>
+            </a:r>
+            <a:r>
+              <a:rPr lang="en-US" sz="2000" dirty="0" smtClean="0">
+                <a:latin typeface="Times New Roman" panose="02020603050405020304" pitchFamily="18" charset="0"/>
+                <a:cs typeface="Times New Roman" panose="02020603050405020304" pitchFamily="18" charset="0"/>
+              </a:rPr>
+              <a:t> </a:t>
+            </a:r>
+            <a:r>
+              <a:rPr lang="en-US" sz="2000" dirty="0" err="1" smtClean="0">
+                <a:latin typeface="Times New Roman" panose="02020603050405020304" pitchFamily="18" charset="0"/>
+                <a:cs typeface="Times New Roman" panose="02020603050405020304" pitchFamily="18" charset="0"/>
+              </a:rPr>
+              <a:t>cố</a:t>
+            </a:r>
+            <a:r>
+              <a:rPr lang="en-US" sz="2000" dirty="0" smtClean="0">
+                <a:latin typeface="Times New Roman" panose="02020603050405020304" pitchFamily="18" charset="0"/>
+                <a:cs typeface="Times New Roman" panose="02020603050405020304" pitchFamily="18" charset="0"/>
+              </a:rPr>
+              <a:t> </a:t>
+            </a:r>
+            <a:r>
+              <a:rPr lang="en-US" sz="2000" dirty="0" err="1" smtClean="0">
+                <a:latin typeface="Times New Roman" panose="02020603050405020304" pitchFamily="18" charset="0"/>
+                <a:cs typeface="Times New Roman" panose="02020603050405020304" pitchFamily="18" charset="0"/>
+              </a:rPr>
+              <a:t>gắng</a:t>
+            </a:r>
+            <a:r>
+              <a:rPr lang="en-US" sz="2000" dirty="0" smtClean="0">
+                <a:latin typeface="Times New Roman" panose="02020603050405020304" pitchFamily="18" charset="0"/>
+                <a:cs typeface="Times New Roman" panose="02020603050405020304" pitchFamily="18" charset="0"/>
+              </a:rPr>
+              <a:t> </a:t>
+            </a:r>
+            <a:r>
+              <a:rPr lang="en-US" sz="2000" dirty="0" err="1" smtClean="0">
+                <a:latin typeface="Times New Roman" panose="02020603050405020304" pitchFamily="18" charset="0"/>
+                <a:cs typeface="Times New Roman" panose="02020603050405020304" pitchFamily="18" charset="0"/>
+              </a:rPr>
+              <a:t>học</a:t>
+            </a:r>
+            <a:r>
+              <a:rPr lang="en-US" sz="2000" dirty="0" smtClean="0">
+                <a:latin typeface="Times New Roman" panose="02020603050405020304" pitchFamily="18" charset="0"/>
+                <a:cs typeface="Times New Roman" panose="02020603050405020304" pitchFamily="18" charset="0"/>
+              </a:rPr>
+              <a:t> </a:t>
+            </a:r>
+            <a:r>
+              <a:rPr lang="en-US" sz="2000" dirty="0" err="1" smtClean="0">
+                <a:latin typeface="Times New Roman" panose="02020603050405020304" pitchFamily="18" charset="0"/>
+                <a:cs typeface="Times New Roman" panose="02020603050405020304" pitchFamily="18" charset="0"/>
+              </a:rPr>
+              <a:t>hỏi</a:t>
+            </a:r>
+            <a:r>
+              <a:rPr lang="en-US" sz="2000" dirty="0" smtClean="0">
+                <a:latin typeface="Times New Roman" panose="02020603050405020304" pitchFamily="18" charset="0"/>
+                <a:cs typeface="Times New Roman" panose="02020603050405020304" pitchFamily="18" charset="0"/>
+              </a:rPr>
+              <a:t>, </a:t>
+            </a:r>
+            <a:r>
+              <a:rPr lang="en-US" sz="2000" dirty="0" err="1" smtClean="0">
+                <a:latin typeface="Times New Roman" panose="02020603050405020304" pitchFamily="18" charset="0"/>
+                <a:cs typeface="Times New Roman" panose="02020603050405020304" pitchFamily="18" charset="0"/>
+              </a:rPr>
+              <a:t>tìm</a:t>
+            </a:r>
+            <a:r>
+              <a:rPr lang="en-US" sz="2000" dirty="0" smtClean="0">
+                <a:latin typeface="Times New Roman" panose="02020603050405020304" pitchFamily="18" charset="0"/>
+                <a:cs typeface="Times New Roman" panose="02020603050405020304" pitchFamily="18" charset="0"/>
+              </a:rPr>
+              <a:t> </a:t>
+            </a:r>
+            <a:r>
+              <a:rPr lang="en-US" sz="2000" dirty="0" err="1" smtClean="0">
+                <a:latin typeface="Times New Roman" panose="02020603050405020304" pitchFamily="18" charset="0"/>
+                <a:cs typeface="Times New Roman" panose="02020603050405020304" pitchFamily="18" charset="0"/>
+              </a:rPr>
+              <a:t>tòi</a:t>
+            </a:r>
+            <a:r>
+              <a:rPr lang="en-US" sz="2000" dirty="0" smtClean="0">
+                <a:latin typeface="Times New Roman" panose="02020603050405020304" pitchFamily="18" charset="0"/>
+                <a:cs typeface="Times New Roman" panose="02020603050405020304" pitchFamily="18" charset="0"/>
+              </a:rPr>
+              <a:t>, </a:t>
+            </a:r>
+            <a:r>
+              <a:rPr lang="en-US" sz="2000" dirty="0" err="1" smtClean="0">
+                <a:latin typeface="Times New Roman" panose="02020603050405020304" pitchFamily="18" charset="0"/>
+                <a:cs typeface="Times New Roman" panose="02020603050405020304" pitchFamily="18" charset="0"/>
+              </a:rPr>
+              <a:t>trau</a:t>
+            </a:r>
+            <a:r>
+              <a:rPr lang="en-US" sz="2000" dirty="0" smtClean="0">
+                <a:latin typeface="Times New Roman" panose="02020603050405020304" pitchFamily="18" charset="0"/>
+                <a:cs typeface="Times New Roman" panose="02020603050405020304" pitchFamily="18" charset="0"/>
+              </a:rPr>
+              <a:t> </a:t>
+            </a:r>
+            <a:r>
+              <a:rPr lang="en-US" sz="2000" dirty="0" err="1" smtClean="0">
+                <a:latin typeface="Times New Roman" panose="02020603050405020304" pitchFamily="18" charset="0"/>
+                <a:cs typeface="Times New Roman" panose="02020603050405020304" pitchFamily="18" charset="0"/>
+              </a:rPr>
+              <a:t>dồi</a:t>
+            </a:r>
+            <a:r>
+              <a:rPr lang="en-US" sz="2000" dirty="0" smtClean="0">
+                <a:latin typeface="Times New Roman" panose="02020603050405020304" pitchFamily="18" charset="0"/>
+                <a:cs typeface="Times New Roman" panose="02020603050405020304" pitchFamily="18" charset="0"/>
+              </a:rPr>
+              <a:t> </a:t>
+            </a:r>
+            <a:r>
+              <a:rPr lang="en-US" sz="2000" dirty="0" err="1" smtClean="0">
+                <a:latin typeface="Times New Roman" panose="02020603050405020304" pitchFamily="18" charset="0"/>
+                <a:cs typeface="Times New Roman" panose="02020603050405020304" pitchFamily="18" charset="0"/>
+              </a:rPr>
+              <a:t>thêm</a:t>
+            </a:r>
+            <a:r>
+              <a:rPr lang="en-US" sz="2000" dirty="0" smtClean="0">
+                <a:latin typeface="Times New Roman" panose="02020603050405020304" pitchFamily="18" charset="0"/>
+                <a:cs typeface="Times New Roman" panose="02020603050405020304" pitchFamily="18" charset="0"/>
+              </a:rPr>
+              <a:t> </a:t>
+            </a:r>
+            <a:r>
+              <a:rPr lang="en-US" sz="2000" dirty="0" err="1" smtClean="0">
+                <a:latin typeface="Times New Roman" panose="02020603050405020304" pitchFamily="18" charset="0"/>
+                <a:cs typeface="Times New Roman" panose="02020603050405020304" pitchFamily="18" charset="0"/>
+              </a:rPr>
+              <a:t>nhiều</a:t>
+            </a:r>
+            <a:r>
+              <a:rPr lang="en-US" sz="2000" dirty="0" smtClean="0">
+                <a:latin typeface="Times New Roman" panose="02020603050405020304" pitchFamily="18" charset="0"/>
+                <a:cs typeface="Times New Roman" panose="02020603050405020304" pitchFamily="18" charset="0"/>
+              </a:rPr>
+              <a:t> </a:t>
+            </a:r>
+            <a:r>
+              <a:rPr lang="en-US" sz="2000" dirty="0" err="1" smtClean="0">
+                <a:latin typeface="Times New Roman" panose="02020603050405020304" pitchFamily="18" charset="0"/>
+                <a:cs typeface="Times New Roman" panose="02020603050405020304" pitchFamily="18" charset="0"/>
+              </a:rPr>
+              <a:t>kiến</a:t>
+            </a:r>
+            <a:r>
+              <a:rPr lang="en-US" sz="2000" dirty="0" smtClean="0">
+                <a:latin typeface="Times New Roman" panose="02020603050405020304" pitchFamily="18" charset="0"/>
+                <a:cs typeface="Times New Roman" panose="02020603050405020304" pitchFamily="18" charset="0"/>
+              </a:rPr>
+              <a:t> </a:t>
+            </a:r>
+            <a:r>
+              <a:rPr lang="en-US" sz="2000" dirty="0" err="1" smtClean="0">
+                <a:latin typeface="Times New Roman" panose="02020603050405020304" pitchFamily="18" charset="0"/>
+                <a:cs typeface="Times New Roman" panose="02020603050405020304" pitchFamily="18" charset="0"/>
+              </a:rPr>
+              <a:t>thức</a:t>
+            </a:r>
+            <a:r>
+              <a:rPr lang="en-US" sz="2000" dirty="0" smtClean="0">
+                <a:latin typeface="Times New Roman" panose="02020603050405020304" pitchFamily="18" charset="0"/>
+                <a:cs typeface="Times New Roman" panose="02020603050405020304" pitchFamily="18" charset="0"/>
+              </a:rPr>
+              <a:t> </a:t>
+            </a:r>
+            <a:r>
+              <a:rPr lang="en-US" sz="2000" dirty="0" err="1" smtClean="0">
+                <a:latin typeface="Times New Roman" panose="02020603050405020304" pitchFamily="18" charset="0"/>
+                <a:cs typeface="Times New Roman" panose="02020603050405020304" pitchFamily="18" charset="0"/>
+              </a:rPr>
+              <a:t>kinh</a:t>
+            </a:r>
+            <a:r>
+              <a:rPr lang="en-US" sz="2000" dirty="0" smtClean="0">
+                <a:latin typeface="Times New Roman" panose="02020603050405020304" pitchFamily="18" charset="0"/>
+                <a:cs typeface="Times New Roman" panose="02020603050405020304" pitchFamily="18" charset="0"/>
+              </a:rPr>
+              <a:t> </a:t>
+            </a:r>
+            <a:r>
+              <a:rPr lang="en-US" sz="2000" dirty="0" err="1" smtClean="0">
+                <a:latin typeface="Times New Roman" panose="02020603050405020304" pitchFamily="18" charset="0"/>
+                <a:cs typeface="Times New Roman" panose="02020603050405020304" pitchFamily="18" charset="0"/>
+              </a:rPr>
+              <a:t>nghiệm</a:t>
+            </a:r>
+            <a:r>
+              <a:rPr lang="en-US" sz="2000" dirty="0" smtClean="0">
+                <a:latin typeface="Times New Roman" panose="02020603050405020304" pitchFamily="18" charset="0"/>
+                <a:cs typeface="Times New Roman" panose="02020603050405020304" pitchFamily="18" charset="0"/>
+              </a:rPr>
+              <a:t> </a:t>
+            </a:r>
+            <a:r>
+              <a:rPr lang="en-US" sz="2000" dirty="0" err="1" smtClean="0">
+                <a:latin typeface="Times New Roman" panose="02020603050405020304" pitchFamily="18" charset="0"/>
+                <a:cs typeface="Times New Roman" panose="02020603050405020304" pitchFamily="18" charset="0"/>
+              </a:rPr>
+              <a:t>hơn</a:t>
+            </a:r>
+            <a:r>
+              <a:rPr lang="en-US" sz="2000" dirty="0" smtClean="0">
+                <a:latin typeface="Times New Roman" panose="02020603050405020304" pitchFamily="18" charset="0"/>
+                <a:cs typeface="Times New Roman" panose="02020603050405020304" pitchFamily="18" charset="0"/>
+              </a:rPr>
+              <a:t> </a:t>
+            </a:r>
+            <a:r>
+              <a:rPr lang="en-US" sz="2000" dirty="0" err="1" smtClean="0">
+                <a:latin typeface="Times New Roman" panose="02020603050405020304" pitchFamily="18" charset="0"/>
+                <a:cs typeface="Times New Roman" panose="02020603050405020304" pitchFamily="18" charset="0"/>
+              </a:rPr>
+              <a:t>để</a:t>
+            </a:r>
+            <a:r>
+              <a:rPr lang="en-US" sz="2000" dirty="0" smtClean="0">
+                <a:latin typeface="Times New Roman" panose="02020603050405020304" pitchFamily="18" charset="0"/>
+                <a:cs typeface="Times New Roman" panose="02020603050405020304" pitchFamily="18" charset="0"/>
+              </a:rPr>
+              <a:t> </a:t>
+            </a:r>
+            <a:r>
+              <a:rPr lang="en-US" sz="2000" dirty="0" err="1" smtClean="0">
+                <a:latin typeface="Times New Roman" panose="02020603050405020304" pitchFamily="18" charset="0"/>
+                <a:cs typeface="Times New Roman" panose="02020603050405020304" pitchFamily="18" charset="0"/>
+              </a:rPr>
+              <a:t>hoàn</a:t>
+            </a:r>
+            <a:r>
+              <a:rPr lang="en-US" sz="2000" dirty="0" smtClean="0">
+                <a:latin typeface="Times New Roman" panose="02020603050405020304" pitchFamily="18" charset="0"/>
+                <a:cs typeface="Times New Roman" panose="02020603050405020304" pitchFamily="18" charset="0"/>
+              </a:rPr>
+              <a:t> </a:t>
+            </a:r>
+            <a:r>
+              <a:rPr lang="en-US" sz="2000" dirty="0" err="1" smtClean="0">
+                <a:latin typeface="Times New Roman" panose="02020603050405020304" pitchFamily="18" charset="0"/>
+                <a:cs typeface="Times New Roman" panose="02020603050405020304" pitchFamily="18" charset="0"/>
+              </a:rPr>
+              <a:t>thiện</a:t>
+            </a:r>
+            <a:r>
+              <a:rPr lang="en-US" sz="2000" dirty="0" smtClean="0">
+                <a:latin typeface="Times New Roman" panose="02020603050405020304" pitchFamily="18" charset="0"/>
+                <a:cs typeface="Times New Roman" panose="02020603050405020304" pitchFamily="18" charset="0"/>
+              </a:rPr>
+              <a:t> </a:t>
+            </a:r>
+            <a:r>
+              <a:rPr lang="en-US" sz="2000" dirty="0" err="1" smtClean="0">
+                <a:latin typeface="Times New Roman" panose="02020603050405020304" pitchFamily="18" charset="0"/>
+                <a:cs typeface="Times New Roman" panose="02020603050405020304" pitchFamily="18" charset="0"/>
+              </a:rPr>
+              <a:t>bản</a:t>
+            </a:r>
+            <a:r>
+              <a:rPr lang="en-US" sz="2000" dirty="0" smtClean="0">
+                <a:latin typeface="Times New Roman" panose="02020603050405020304" pitchFamily="18" charset="0"/>
+                <a:cs typeface="Times New Roman" panose="02020603050405020304" pitchFamily="18" charset="0"/>
+              </a:rPr>
+              <a:t> </a:t>
+            </a:r>
+            <a:r>
+              <a:rPr lang="en-US" sz="2000" dirty="0" err="1" smtClean="0">
+                <a:latin typeface="Times New Roman" panose="02020603050405020304" pitchFamily="18" charset="0"/>
+                <a:cs typeface="Times New Roman" panose="02020603050405020304" pitchFamily="18" charset="0"/>
+              </a:rPr>
+              <a:t>thân</a:t>
+            </a:r>
+            <a:r>
+              <a:rPr lang="en-US" sz="2000" dirty="0" smtClean="0">
+                <a:latin typeface="Times New Roman" panose="02020603050405020304" pitchFamily="18" charset="0"/>
+                <a:cs typeface="Times New Roman" panose="02020603050405020304" pitchFamily="18" charset="0"/>
+              </a:rPr>
+              <a:t> </a:t>
+            </a:r>
+            <a:r>
+              <a:rPr lang="en-US" sz="2000" dirty="0" err="1" smtClean="0">
+                <a:latin typeface="Times New Roman" panose="02020603050405020304" pitchFamily="18" charset="0"/>
+                <a:cs typeface="Times New Roman" panose="02020603050405020304" pitchFamily="18" charset="0"/>
+              </a:rPr>
+              <a:t>và</a:t>
+            </a:r>
+            <a:r>
+              <a:rPr lang="en-US" sz="2000" dirty="0" smtClean="0">
+                <a:latin typeface="Times New Roman" panose="02020603050405020304" pitchFamily="18" charset="0"/>
+                <a:cs typeface="Times New Roman" panose="02020603050405020304" pitchFamily="18" charset="0"/>
+              </a:rPr>
+              <a:t> </a:t>
+            </a:r>
+            <a:r>
+              <a:rPr lang="en-US" sz="2000" dirty="0" err="1" smtClean="0">
+                <a:latin typeface="Times New Roman" panose="02020603050405020304" pitchFamily="18" charset="0"/>
+                <a:cs typeface="Times New Roman" panose="02020603050405020304" pitchFamily="18" charset="0"/>
+              </a:rPr>
+              <a:t>phục</a:t>
+            </a:r>
+            <a:r>
+              <a:rPr lang="en-US" sz="2000" dirty="0" smtClean="0">
+                <a:latin typeface="Times New Roman" panose="02020603050405020304" pitchFamily="18" charset="0"/>
+                <a:cs typeface="Times New Roman" panose="02020603050405020304" pitchFamily="18" charset="0"/>
+              </a:rPr>
+              <a:t> </a:t>
+            </a:r>
+            <a:r>
+              <a:rPr lang="en-US" sz="2000" dirty="0" err="1" smtClean="0">
+                <a:latin typeface="Times New Roman" panose="02020603050405020304" pitchFamily="18" charset="0"/>
+                <a:cs typeface="Times New Roman" panose="02020603050405020304" pitchFamily="18" charset="0"/>
+              </a:rPr>
+              <a:t>vụ</a:t>
+            </a:r>
+            <a:r>
+              <a:rPr lang="en-US" sz="2000" dirty="0" smtClean="0">
+                <a:latin typeface="Times New Roman" panose="02020603050405020304" pitchFamily="18" charset="0"/>
+                <a:cs typeface="Times New Roman" panose="02020603050405020304" pitchFamily="18" charset="0"/>
+              </a:rPr>
+              <a:t> </a:t>
+            </a:r>
+            <a:r>
+              <a:rPr lang="en-US" sz="2000" dirty="0" err="1" smtClean="0">
+                <a:latin typeface="Times New Roman" panose="02020603050405020304" pitchFamily="18" charset="0"/>
+                <a:cs typeface="Times New Roman" panose="02020603050405020304" pitchFamily="18" charset="0"/>
+              </a:rPr>
+              <a:t>áp</a:t>
+            </a:r>
+            <a:r>
+              <a:rPr lang="en-US" sz="2000" dirty="0" smtClean="0">
+                <a:latin typeface="Times New Roman" panose="02020603050405020304" pitchFamily="18" charset="0"/>
+                <a:cs typeface="Times New Roman" panose="02020603050405020304" pitchFamily="18" charset="0"/>
+              </a:rPr>
+              <a:t> </a:t>
+            </a:r>
+            <a:r>
+              <a:rPr lang="en-US" sz="2000" dirty="0" err="1" smtClean="0">
+                <a:latin typeface="Times New Roman" panose="02020603050405020304" pitchFamily="18" charset="0"/>
+                <a:cs typeface="Times New Roman" panose="02020603050405020304" pitchFamily="18" charset="0"/>
+              </a:rPr>
+              <a:t>dụng</a:t>
+            </a:r>
+            <a:r>
+              <a:rPr lang="en-US" sz="2000" dirty="0" smtClean="0">
+                <a:latin typeface="Times New Roman" panose="02020603050405020304" pitchFamily="18" charset="0"/>
+                <a:cs typeface="Times New Roman" panose="02020603050405020304" pitchFamily="18" charset="0"/>
+              </a:rPr>
+              <a:t> </a:t>
+            </a:r>
+            <a:r>
+              <a:rPr lang="en-US" sz="2000" dirty="0" err="1" smtClean="0">
+                <a:latin typeface="Times New Roman" panose="02020603050405020304" pitchFamily="18" charset="0"/>
+                <a:cs typeface="Times New Roman" panose="02020603050405020304" pitchFamily="18" charset="0"/>
+              </a:rPr>
+              <a:t>cho</a:t>
+            </a:r>
+            <a:r>
+              <a:rPr lang="en-US" sz="2000" dirty="0" smtClean="0">
+                <a:latin typeface="Times New Roman" panose="02020603050405020304" pitchFamily="18" charset="0"/>
+                <a:cs typeface="Times New Roman" panose="02020603050405020304" pitchFamily="18" charset="0"/>
+              </a:rPr>
+              <a:t> </a:t>
+            </a:r>
+            <a:r>
+              <a:rPr lang="en-US" sz="2000" dirty="0" err="1" smtClean="0">
+                <a:latin typeface="Times New Roman" panose="02020603050405020304" pitchFamily="18" charset="0"/>
+                <a:cs typeface="Times New Roman" panose="02020603050405020304" pitchFamily="18" charset="0"/>
+              </a:rPr>
+              <a:t>cuộc</a:t>
+            </a:r>
+            <a:r>
+              <a:rPr lang="en-US" sz="2000" dirty="0" smtClean="0">
+                <a:latin typeface="Times New Roman" panose="02020603050405020304" pitchFamily="18" charset="0"/>
+                <a:cs typeface="Times New Roman" panose="02020603050405020304" pitchFamily="18" charset="0"/>
+              </a:rPr>
+              <a:t> </a:t>
+            </a:r>
+            <a:r>
+              <a:rPr lang="en-US" sz="2000" dirty="0" err="1" smtClean="0">
+                <a:latin typeface="Times New Roman" panose="02020603050405020304" pitchFamily="18" charset="0"/>
+                <a:cs typeface="Times New Roman" panose="02020603050405020304" pitchFamily="18" charset="0"/>
+              </a:rPr>
+              <a:t>sống</a:t>
+            </a:r>
+            <a:r>
+              <a:rPr lang="en-US" sz="2000" dirty="0" smtClean="0">
+                <a:latin typeface="Times New Roman" panose="02020603050405020304" pitchFamily="18" charset="0"/>
+                <a:cs typeface="Times New Roman" panose="02020603050405020304" pitchFamily="18" charset="0"/>
+              </a:rPr>
+              <a:t> </a:t>
+            </a:r>
+            <a:r>
+              <a:rPr lang="en-US" sz="2000" dirty="0" err="1" smtClean="0">
+                <a:latin typeface="Times New Roman" panose="02020603050405020304" pitchFamily="18" charset="0"/>
+                <a:cs typeface="Times New Roman" panose="02020603050405020304" pitchFamily="18" charset="0"/>
+              </a:rPr>
+              <a:t>sau</a:t>
+            </a:r>
+            <a:r>
+              <a:rPr lang="en-US" sz="2000" dirty="0" smtClean="0">
+                <a:latin typeface="Times New Roman" panose="02020603050405020304" pitchFamily="18" charset="0"/>
+                <a:cs typeface="Times New Roman" panose="02020603050405020304" pitchFamily="18" charset="0"/>
+              </a:rPr>
+              <a:t> </a:t>
+            </a:r>
+            <a:r>
+              <a:rPr lang="en-US" sz="2000" dirty="0" err="1" smtClean="0">
+                <a:latin typeface="Times New Roman" panose="02020603050405020304" pitchFamily="18" charset="0"/>
+                <a:cs typeface="Times New Roman" panose="02020603050405020304" pitchFamily="18" charset="0"/>
+              </a:rPr>
+              <a:t>này</a:t>
+            </a:r>
+            <a:r>
+              <a:rPr lang="en-US" sz="2000" dirty="0" smtClean="0">
+                <a:latin typeface="Times New Roman" panose="02020603050405020304" pitchFamily="18" charset="0"/>
+                <a:cs typeface="Times New Roman" panose="02020603050405020304" pitchFamily="18" charset="0"/>
+              </a:rPr>
+              <a:t>. </a:t>
+            </a:r>
+            <a:r>
+              <a:rPr lang="en-US" sz="2000" dirty="0" err="1" smtClean="0">
+                <a:latin typeface="Times New Roman" panose="02020603050405020304" pitchFamily="18" charset="0"/>
+                <a:cs typeface="Times New Roman" panose="02020603050405020304" pitchFamily="18" charset="0"/>
+              </a:rPr>
+              <a:t>Cuối</a:t>
+            </a:r>
+            <a:r>
+              <a:rPr lang="en-US" sz="2000" dirty="0" smtClean="0">
+                <a:latin typeface="Times New Roman" panose="02020603050405020304" pitchFamily="18" charset="0"/>
+                <a:cs typeface="Times New Roman" panose="02020603050405020304" pitchFamily="18" charset="0"/>
+              </a:rPr>
+              <a:t> </a:t>
+            </a:r>
+            <a:r>
+              <a:rPr lang="en-US" sz="2000" dirty="0" err="1" smtClean="0">
+                <a:latin typeface="Times New Roman" panose="02020603050405020304" pitchFamily="18" charset="0"/>
+                <a:cs typeface="Times New Roman" panose="02020603050405020304" pitchFamily="18" charset="0"/>
+              </a:rPr>
+              <a:t>cùng</a:t>
+            </a:r>
+            <a:r>
+              <a:rPr lang="en-US" sz="2000" dirty="0" smtClean="0">
+                <a:latin typeface="Times New Roman" panose="02020603050405020304" pitchFamily="18" charset="0"/>
+                <a:cs typeface="Times New Roman" panose="02020603050405020304" pitchFamily="18" charset="0"/>
+              </a:rPr>
+              <a:t> </a:t>
+            </a:r>
+            <a:r>
+              <a:rPr lang="en-US" sz="2000" dirty="0" err="1" smtClean="0">
+                <a:latin typeface="Times New Roman" panose="02020603050405020304" pitchFamily="18" charset="0"/>
+                <a:cs typeface="Times New Roman" panose="02020603050405020304" pitchFamily="18" charset="0"/>
+              </a:rPr>
+              <a:t>em</a:t>
+            </a:r>
+            <a:r>
+              <a:rPr lang="en-US" sz="2000" dirty="0" smtClean="0">
+                <a:latin typeface="Times New Roman" panose="02020603050405020304" pitchFamily="18" charset="0"/>
+                <a:cs typeface="Times New Roman" panose="02020603050405020304" pitchFamily="18" charset="0"/>
+              </a:rPr>
+              <a:t> </a:t>
+            </a:r>
+            <a:r>
+              <a:rPr lang="en-US" sz="2000" dirty="0" err="1" smtClean="0">
+                <a:latin typeface="Times New Roman" panose="02020603050405020304" pitchFamily="18" charset="0"/>
+                <a:cs typeface="Times New Roman" panose="02020603050405020304" pitchFamily="18" charset="0"/>
+              </a:rPr>
+              <a:t>xin</a:t>
+            </a:r>
+            <a:r>
+              <a:rPr lang="en-US" sz="2000" dirty="0" smtClean="0">
+                <a:latin typeface="Times New Roman" panose="02020603050405020304" pitchFamily="18" charset="0"/>
+                <a:cs typeface="Times New Roman" panose="02020603050405020304" pitchFamily="18" charset="0"/>
+              </a:rPr>
+              <a:t> </a:t>
+            </a:r>
+            <a:r>
+              <a:rPr lang="en-US" sz="2000" dirty="0" err="1" smtClean="0">
+                <a:latin typeface="Times New Roman" panose="02020603050405020304" pitchFamily="18" charset="0"/>
+                <a:cs typeface="Times New Roman" panose="02020603050405020304" pitchFamily="18" charset="0"/>
+              </a:rPr>
+              <a:t>trân</a:t>
+            </a:r>
+            <a:r>
+              <a:rPr lang="en-US" sz="2000" dirty="0" smtClean="0">
+                <a:latin typeface="Times New Roman" panose="02020603050405020304" pitchFamily="18" charset="0"/>
+                <a:cs typeface="Times New Roman" panose="02020603050405020304" pitchFamily="18" charset="0"/>
+              </a:rPr>
+              <a:t> </a:t>
+            </a:r>
+            <a:r>
+              <a:rPr lang="en-US" sz="2000" dirty="0" err="1" smtClean="0">
+                <a:latin typeface="Times New Roman" panose="02020603050405020304" pitchFamily="18" charset="0"/>
+                <a:cs typeface="Times New Roman" panose="02020603050405020304" pitchFamily="18" charset="0"/>
+              </a:rPr>
+              <a:t>thành</a:t>
+            </a:r>
+            <a:r>
+              <a:rPr lang="en-US" sz="2000" dirty="0" smtClean="0">
+                <a:latin typeface="Times New Roman" panose="02020603050405020304" pitchFamily="18" charset="0"/>
+                <a:cs typeface="Times New Roman" panose="02020603050405020304" pitchFamily="18" charset="0"/>
+              </a:rPr>
+              <a:t> </a:t>
+            </a:r>
+            <a:r>
+              <a:rPr lang="en-US" sz="2000" dirty="0" err="1" smtClean="0">
+                <a:latin typeface="Times New Roman" panose="02020603050405020304" pitchFamily="18" charset="0"/>
+                <a:cs typeface="Times New Roman" panose="02020603050405020304" pitchFamily="18" charset="0"/>
+              </a:rPr>
+              <a:t>cảm</a:t>
+            </a:r>
+            <a:r>
+              <a:rPr lang="en-US" sz="2000" dirty="0" smtClean="0">
+                <a:latin typeface="Times New Roman" panose="02020603050405020304" pitchFamily="18" charset="0"/>
+                <a:cs typeface="Times New Roman" panose="02020603050405020304" pitchFamily="18" charset="0"/>
+              </a:rPr>
+              <a:t> </a:t>
+            </a:r>
+            <a:r>
+              <a:rPr lang="en-US" sz="2000" dirty="0" err="1" smtClean="0">
+                <a:latin typeface="Times New Roman" panose="02020603050405020304" pitchFamily="18" charset="0"/>
+                <a:cs typeface="Times New Roman" panose="02020603050405020304" pitchFamily="18" charset="0"/>
+              </a:rPr>
+              <a:t>ơn</a:t>
+            </a:r>
+            <a:r>
+              <a:rPr lang="en-US" sz="2000" dirty="0" smtClean="0">
+                <a:latin typeface="Times New Roman" panose="02020603050405020304" pitchFamily="18" charset="0"/>
+                <a:cs typeface="Times New Roman" panose="02020603050405020304" pitchFamily="18" charset="0"/>
+              </a:rPr>
+              <a:t>…!!!</a:t>
+            </a:r>
+            <a:endParaRPr lang="en-US" sz="2000" dirty="0">
+              <a:latin typeface="Times New Roman" panose="02020603050405020304" pitchFamily="18" charset="0"/>
+              <a:cs typeface="Times New Roman" panose="02020603050405020304" pitchFamily="18" charset="0"/>
+            </a:endParaRPr>
+          </a:p>
+        </p:txBody>
+      </p:sp>
+    </p:spTree>
+    <p:extLst>
+      <p:ext uri="{BB962C8B-B14F-4D97-AF65-F5344CB8AC3E}">
+        <p14:creationId xmlns:p14="http://schemas.microsoft.com/office/powerpoint/2010/main" val="2234399464"/>
+      </p:ext>
+    </p:extLst>
+  </p:cSld>
+  <p:clrMapOvr>
+    <a:masterClrMapping/>
+  </p:clrMapOvr>
+  <mc:AlternateContent xmlns:mc="http://schemas.openxmlformats.org/markup-compatibility/2006">
+    <mc:Choice xmlns:p14="http://schemas.microsoft.com/office/powerpoint/2010/main" Requires="p14">
+      <p:transition spd="slow" p14:dur="4400">
+        <p14:honeycomb/>
+      </p:transition>
+    </mc:Choice>
+    <mc:Fallback>
+      <p:transition spd="slow">
+        <p:fade/>
+      </p:transition>
+    </mc:Fallback>
+  </mc:AlternateContent>
+  <p:timing>
+    <p:tnLst>
+      <p:par>
+        <p:cTn id="1" dur="indefinite" restart="never" nodeType="tmRoot"/>
+      </p:par>
+    </p:tnLst>
+  </p:timing>
+</p:sld>
+</file>
+
 <file path=ppt/slides/slide2.xml><?xml version="1.0" encoding="utf-8"?>
 <p:sld xmlns:a="http://schemas.openxmlformats.org/drawingml/2006/main" xmlns:r="http://schemas.openxmlformats.org/officeDocument/2006/relationships" xmlns:p="http://schemas.openxmlformats.org/presentationml/2006/main">
   <p:cSld>
@@ -8476,13 +11041,13 @@
   <p:clrMapOvr>
     <a:masterClrMapping/>
   </p:clrMapOvr>
-  <mc:AlternateContent xmlns:mc="http://schemas.openxmlformats.org/markup-compatibility/2006">
-    <mc:Choice xmlns:p14="http://schemas.microsoft.com/office/powerpoint/2010/main" Requires="p14">
+  <mc:AlternateContent xmlns:mc="http://schemas.openxmlformats.org/markup-compatibility/2006" xmlns:p14="http://schemas.microsoft.com/office/powerpoint/2010/main">
+    <mc:Choice Requires="p14">
       <p:transition spd="slow" p14:dur="4400">
         <p14:honeycomb/>
       </p:transition>
     </mc:Choice>
-    <mc:Fallback>
+    <mc:Fallback xmlns="">
       <p:transition spd="slow">
         <p:fade/>
       </p:transition>
@@ -9123,13 +11688,13 @@
   <p:clrMapOvr>
     <a:masterClrMapping/>
   </p:clrMapOvr>
-  <mc:AlternateContent xmlns:mc="http://schemas.openxmlformats.org/markup-compatibility/2006">
-    <mc:Choice xmlns:p14="http://schemas.microsoft.com/office/powerpoint/2010/main" Requires="p14">
+  <mc:AlternateContent xmlns:mc="http://schemas.openxmlformats.org/markup-compatibility/2006" xmlns:p14="http://schemas.microsoft.com/office/powerpoint/2010/main">
+    <mc:Choice Requires="p14">
       <p:transition spd="slow" p14:dur="3900">
         <p14:glitter pattern="hexagon"/>
       </p:transition>
     </mc:Choice>
-    <mc:Fallback>
+    <mc:Fallback xmlns="">
       <p:transition spd="slow">
         <p:fade/>
       </p:transition>
@@ -9515,7 +12080,7 @@
           <a:graphicData uri="http://schemas.openxmlformats.org/presentationml/2006/ole">
             <mc:AlternateContent xmlns:mc="http://schemas.openxmlformats.org/markup-compatibility/2006">
               <mc:Choice xmlns:v="urn:schemas-microsoft-com:vml" Requires="v">
-                <p:oleObj spid="_x0000_s1029" name="Visio" r:id="rId3" imgW="7749859" imgH="5069945" progId="Visio.Drawing.11">
+                <p:oleObj spid="_x0000_s1032" name="Visio" r:id="rId3" imgW="7749859" imgH="5069945" progId="Visio.Drawing.11">
                   <p:embed/>
                 </p:oleObj>
               </mc:Choice>
@@ -9570,13 +12135,13 @@
   <p:clrMapOvr>
     <a:masterClrMapping/>
   </p:clrMapOvr>
-  <mc:AlternateContent xmlns:mc="http://schemas.openxmlformats.org/markup-compatibility/2006">
-    <mc:Choice xmlns:p14="http://schemas.microsoft.com/office/powerpoint/2010/main" Requires="p14">
+  <mc:AlternateContent xmlns:mc="http://schemas.openxmlformats.org/markup-compatibility/2006" xmlns:p14="http://schemas.microsoft.com/office/powerpoint/2010/main">
+    <mc:Choice Requires="p14">
       <p:transition spd="slow" p14:dur="4400">
         <p14:honeycomb/>
       </p:transition>
     </mc:Choice>
-    <mc:Fallback>
+    <mc:Fallback xmlns="">
       <p:transition spd="slow">
         <p:fade/>
       </p:transition>
@@ -9882,13 +12447,13 @@
   <p:clrMapOvr>
     <a:masterClrMapping/>
   </p:clrMapOvr>
-  <mc:AlternateContent xmlns:mc="http://schemas.openxmlformats.org/markup-compatibility/2006">
-    <mc:Choice xmlns:p14="http://schemas.microsoft.com/office/powerpoint/2010/main" Requires="p14">
+  <mc:AlternateContent xmlns:mc="http://schemas.openxmlformats.org/markup-compatibility/2006" xmlns:p14="http://schemas.microsoft.com/office/powerpoint/2010/main">
+    <mc:Choice Requires="p14">
       <p:transition spd="slow" p14:dur="4000">
         <p14:vortex dir="r"/>
       </p:transition>
     </mc:Choice>
-    <mc:Fallback>
+    <mc:Fallback xmlns="">
       <p:transition spd="slow">
         <p:fade/>
       </p:transition>
@@ -10250,7 +12815,7 @@
         <p:spPr>
           <a:xfrm>
             <a:off x="958764" y="1481328"/>
-            <a:ext cx="2759089" cy="523220"/>
+            <a:ext cx="3220753" cy="523220"/>
           </a:xfrm>
           <a:prstGeom prst="rect">
             <a:avLst/>
@@ -10263,6 +12828,10 @@
           </a:bodyPr>
           <a:lstStyle/>
           <a:p>
+            <a:pPr marL="457200" indent="-457200">
+              <a:buFont typeface="Courier New" panose="02070309020205020404" pitchFamily="49" charset="0"/>
+              <a:buChar char="o"/>
+            </a:pPr>
             <a:r>
               <a:rPr lang="en-US" sz="2800" dirty="0" err="1" smtClean="0">
                 <a:latin typeface="Times New Roman" panose="02020603050405020304" pitchFamily="18" charset="0"/>
@@ -10326,6 +12895,335 @@
           </a:p>
         </p:txBody>
       </p:sp>
+      <p:sp>
+        <p:nvSpPr>
+          <p:cNvPr id="2" name="TextBox 1"/>
+          <p:cNvSpPr txBox="1"/>
+          <p:nvPr/>
+        </p:nvSpPr>
+        <p:spPr>
+          <a:xfrm>
+            <a:off x="1751162" y="2311879"/>
+            <a:ext cx="6410729" cy="369332"/>
+          </a:xfrm>
+          <a:prstGeom prst="rect">
+            <a:avLst/>
+          </a:prstGeom>
+          <a:noFill/>
+        </p:spPr>
+        <p:txBody>
+          <a:bodyPr wrap="none" rtlCol="0">
+            <a:spAutoFit/>
+          </a:bodyPr>
+          <a:lstStyle/>
+          <a:p>
+            <a:pPr marL="285750" indent="-285750">
+              <a:buFont typeface="Wingdings" panose="05000000000000000000" pitchFamily="2" charset="2"/>
+              <a:buChar char="v"/>
+            </a:pPr>
+            <a:r>
+              <a:rPr lang="en-US" dirty="0" err="1" smtClean="0">
+                <a:latin typeface="Times New Roman" panose="02020603050405020304" pitchFamily="18" charset="0"/>
+                <a:cs typeface="Times New Roman" panose="02020603050405020304" pitchFamily="18" charset="0"/>
+              </a:rPr>
+              <a:t>Sử</a:t>
+            </a:r>
+            <a:r>
+              <a:rPr lang="en-US" dirty="0" smtClean="0">
+                <a:latin typeface="Times New Roman" panose="02020603050405020304" pitchFamily="18" charset="0"/>
+                <a:cs typeface="Times New Roman" panose="02020603050405020304" pitchFamily="18" charset="0"/>
+              </a:rPr>
+              <a:t> </a:t>
+            </a:r>
+            <a:r>
+              <a:rPr lang="en-US" dirty="0" err="1" smtClean="0">
+                <a:latin typeface="Times New Roman" panose="02020603050405020304" pitchFamily="18" charset="0"/>
+                <a:cs typeface="Times New Roman" panose="02020603050405020304" pitchFamily="18" charset="0"/>
+              </a:rPr>
+              <a:t>dụng</a:t>
+            </a:r>
+            <a:r>
+              <a:rPr lang="en-US" dirty="0" smtClean="0">
+                <a:latin typeface="Times New Roman" panose="02020603050405020304" pitchFamily="18" charset="0"/>
+                <a:cs typeface="Times New Roman" panose="02020603050405020304" pitchFamily="18" charset="0"/>
+              </a:rPr>
+              <a:t> </a:t>
+            </a:r>
+            <a:r>
+              <a:rPr lang="en-US" dirty="0" err="1" smtClean="0">
+                <a:latin typeface="Times New Roman" panose="02020603050405020304" pitchFamily="18" charset="0"/>
+                <a:cs typeface="Times New Roman" panose="02020603050405020304" pitchFamily="18" charset="0"/>
+              </a:rPr>
+              <a:t>ngôn</a:t>
+            </a:r>
+            <a:r>
+              <a:rPr lang="en-US" dirty="0" smtClean="0">
+                <a:latin typeface="Times New Roman" panose="02020603050405020304" pitchFamily="18" charset="0"/>
+                <a:cs typeface="Times New Roman" panose="02020603050405020304" pitchFamily="18" charset="0"/>
+              </a:rPr>
+              <a:t> </a:t>
+            </a:r>
+            <a:r>
+              <a:rPr lang="en-US" dirty="0" err="1" smtClean="0">
+                <a:latin typeface="Times New Roman" panose="02020603050405020304" pitchFamily="18" charset="0"/>
+                <a:cs typeface="Times New Roman" panose="02020603050405020304" pitchFamily="18" charset="0"/>
+              </a:rPr>
+              <a:t>ngữ</a:t>
+            </a:r>
+            <a:r>
+              <a:rPr lang="en-US" dirty="0" smtClean="0">
+                <a:latin typeface="Times New Roman" panose="02020603050405020304" pitchFamily="18" charset="0"/>
+                <a:cs typeface="Times New Roman" panose="02020603050405020304" pitchFamily="18" charset="0"/>
+              </a:rPr>
+              <a:t> </a:t>
+            </a:r>
+            <a:r>
+              <a:rPr lang="en-US" dirty="0" err="1" smtClean="0">
+                <a:latin typeface="Times New Roman" panose="02020603050405020304" pitchFamily="18" charset="0"/>
+                <a:cs typeface="Times New Roman" panose="02020603050405020304" pitchFamily="18" charset="0"/>
+              </a:rPr>
+              <a:t>lập</a:t>
+            </a:r>
+            <a:r>
+              <a:rPr lang="en-US" dirty="0" smtClean="0">
+                <a:latin typeface="Times New Roman" panose="02020603050405020304" pitchFamily="18" charset="0"/>
+                <a:cs typeface="Times New Roman" panose="02020603050405020304" pitchFamily="18" charset="0"/>
+              </a:rPr>
+              <a:t> </a:t>
+            </a:r>
+            <a:r>
+              <a:rPr lang="en-US" dirty="0" err="1" smtClean="0">
+                <a:latin typeface="Times New Roman" panose="02020603050405020304" pitchFamily="18" charset="0"/>
+                <a:cs typeface="Times New Roman" panose="02020603050405020304" pitchFamily="18" charset="0"/>
+              </a:rPr>
+              <a:t>trình</a:t>
+            </a:r>
+            <a:r>
+              <a:rPr lang="en-US" dirty="0" smtClean="0">
+                <a:latin typeface="Times New Roman" panose="02020603050405020304" pitchFamily="18" charset="0"/>
+                <a:cs typeface="Times New Roman" panose="02020603050405020304" pitchFamily="18" charset="0"/>
+              </a:rPr>
+              <a:t> C#, </a:t>
+            </a:r>
+            <a:r>
+              <a:rPr lang="en-US" dirty="0" err="1" smtClean="0">
+                <a:latin typeface="Times New Roman" panose="02020603050405020304" pitchFamily="18" charset="0"/>
+                <a:cs typeface="Times New Roman" panose="02020603050405020304" pitchFamily="18" charset="0"/>
+              </a:rPr>
+              <a:t>trên</a:t>
+            </a:r>
+            <a:r>
+              <a:rPr lang="en-US" dirty="0" smtClean="0">
+                <a:latin typeface="Times New Roman" panose="02020603050405020304" pitchFamily="18" charset="0"/>
+                <a:cs typeface="Times New Roman" panose="02020603050405020304" pitchFamily="18" charset="0"/>
+              </a:rPr>
+              <a:t> </a:t>
+            </a:r>
+            <a:r>
+              <a:rPr lang="en-US" dirty="0" err="1" smtClean="0">
+                <a:latin typeface="Times New Roman" panose="02020603050405020304" pitchFamily="18" charset="0"/>
+                <a:cs typeface="Times New Roman" panose="02020603050405020304" pitchFamily="18" charset="0"/>
+              </a:rPr>
+              <a:t>nền</a:t>
+            </a:r>
+            <a:r>
+              <a:rPr lang="en-US" dirty="0" smtClean="0">
+                <a:latin typeface="Times New Roman" panose="02020603050405020304" pitchFamily="18" charset="0"/>
+                <a:cs typeface="Times New Roman" panose="02020603050405020304" pitchFamily="18" charset="0"/>
+              </a:rPr>
+              <a:t> </a:t>
+            </a:r>
+            <a:r>
+              <a:rPr lang="en-US" dirty="0" err="1" smtClean="0">
+                <a:latin typeface="Times New Roman" panose="02020603050405020304" pitchFamily="18" charset="0"/>
+                <a:cs typeface="Times New Roman" panose="02020603050405020304" pitchFamily="18" charset="0"/>
+              </a:rPr>
+              <a:t>tảng</a:t>
+            </a:r>
+            <a:r>
+              <a:rPr lang="en-US" dirty="0" smtClean="0">
+                <a:latin typeface="Times New Roman" panose="02020603050405020304" pitchFamily="18" charset="0"/>
+                <a:cs typeface="Times New Roman" panose="02020603050405020304" pitchFamily="18" charset="0"/>
+              </a:rPr>
+              <a:t> visual studio 2013.</a:t>
+            </a:r>
+            <a:endParaRPr lang="en-US" dirty="0">
+              <a:latin typeface="Times New Roman" panose="02020603050405020304" pitchFamily="18" charset="0"/>
+              <a:cs typeface="Times New Roman" panose="02020603050405020304" pitchFamily="18" charset="0"/>
+            </a:endParaRPr>
+          </a:p>
+        </p:txBody>
+      </p:sp>
+      <p:sp>
+        <p:nvSpPr>
+          <p:cNvPr id="8" name="TextBox 7"/>
+          <p:cNvSpPr txBox="1"/>
+          <p:nvPr/>
+        </p:nvSpPr>
+        <p:spPr>
+          <a:xfrm>
+            <a:off x="958764" y="2988542"/>
+            <a:ext cx="3256020" cy="523220"/>
+          </a:xfrm>
+          <a:prstGeom prst="rect">
+            <a:avLst/>
+          </a:prstGeom>
+          <a:noFill/>
+        </p:spPr>
+        <p:txBody>
+          <a:bodyPr wrap="none" rtlCol="0">
+            <a:spAutoFit/>
+          </a:bodyPr>
+          <a:lstStyle/>
+          <a:p>
+            <a:pPr marL="285750" indent="-285750">
+              <a:buFont typeface="Courier New" panose="02070309020205020404" pitchFamily="49" charset="0"/>
+              <a:buChar char="o"/>
+            </a:pPr>
+            <a:r>
+              <a:rPr lang="en-US" sz="2800" dirty="0" smtClean="0">
+                <a:latin typeface="Times New Roman" panose="02020603050405020304" pitchFamily="18" charset="0"/>
+                <a:cs typeface="Times New Roman" panose="02020603050405020304" pitchFamily="18" charset="0"/>
+              </a:rPr>
+              <a:t> </a:t>
+            </a:r>
+            <a:r>
+              <a:rPr lang="en-US" sz="2800" dirty="0" err="1" smtClean="0">
+                <a:latin typeface="Times New Roman" panose="02020603050405020304" pitchFamily="18" charset="0"/>
+                <a:cs typeface="Times New Roman" panose="02020603050405020304" pitchFamily="18" charset="0"/>
+              </a:rPr>
+              <a:t>Hệ</a:t>
+            </a:r>
+            <a:r>
+              <a:rPr lang="en-US" sz="2800" dirty="0" smtClean="0">
+                <a:latin typeface="Times New Roman" panose="02020603050405020304" pitchFamily="18" charset="0"/>
+                <a:cs typeface="Times New Roman" panose="02020603050405020304" pitchFamily="18" charset="0"/>
+              </a:rPr>
+              <a:t> </a:t>
+            </a:r>
+            <a:r>
+              <a:rPr lang="en-US" sz="2800" dirty="0" err="1" smtClean="0">
+                <a:latin typeface="Times New Roman" panose="02020603050405020304" pitchFamily="18" charset="0"/>
+                <a:cs typeface="Times New Roman" panose="02020603050405020304" pitchFamily="18" charset="0"/>
+              </a:rPr>
+              <a:t>quản</a:t>
+            </a:r>
+            <a:r>
+              <a:rPr lang="en-US" sz="2800" dirty="0" smtClean="0">
+                <a:latin typeface="Times New Roman" panose="02020603050405020304" pitchFamily="18" charset="0"/>
+                <a:cs typeface="Times New Roman" panose="02020603050405020304" pitchFamily="18" charset="0"/>
+              </a:rPr>
+              <a:t> </a:t>
+            </a:r>
+            <a:r>
+              <a:rPr lang="en-US" sz="2800" dirty="0" err="1" smtClean="0">
+                <a:latin typeface="Times New Roman" panose="02020603050405020304" pitchFamily="18" charset="0"/>
+                <a:cs typeface="Times New Roman" panose="02020603050405020304" pitchFamily="18" charset="0"/>
+              </a:rPr>
+              <a:t>trị</a:t>
+            </a:r>
+            <a:r>
+              <a:rPr lang="en-US" sz="2800" dirty="0" smtClean="0">
+                <a:latin typeface="Times New Roman" panose="02020603050405020304" pitchFamily="18" charset="0"/>
+                <a:cs typeface="Times New Roman" panose="02020603050405020304" pitchFamily="18" charset="0"/>
+              </a:rPr>
+              <a:t> CSDL:</a:t>
+            </a:r>
+            <a:endParaRPr lang="en-US" sz="2800" dirty="0">
+              <a:latin typeface="Times New Roman" panose="02020603050405020304" pitchFamily="18" charset="0"/>
+              <a:cs typeface="Times New Roman" panose="02020603050405020304" pitchFamily="18" charset="0"/>
+            </a:endParaRPr>
+          </a:p>
+        </p:txBody>
+      </p:sp>
+      <p:sp>
+        <p:nvSpPr>
+          <p:cNvPr id="10" name="TextBox 9"/>
+          <p:cNvSpPr txBox="1"/>
+          <p:nvPr/>
+        </p:nvSpPr>
+        <p:spPr>
+          <a:xfrm>
+            <a:off x="1751162" y="3736564"/>
+            <a:ext cx="2022733" cy="369332"/>
+          </a:xfrm>
+          <a:prstGeom prst="rect">
+            <a:avLst/>
+          </a:prstGeom>
+          <a:noFill/>
+        </p:spPr>
+        <p:txBody>
+          <a:bodyPr wrap="none" rtlCol="0">
+            <a:spAutoFit/>
+          </a:bodyPr>
+          <a:lstStyle/>
+          <a:p>
+            <a:pPr marL="285750" indent="-285750">
+              <a:buFont typeface="Wingdings" panose="05000000000000000000" pitchFamily="2" charset="2"/>
+              <a:buChar char="v"/>
+            </a:pPr>
+            <a:r>
+              <a:rPr lang="en-US" dirty="0" smtClean="0">
+                <a:latin typeface="Times New Roman" panose="02020603050405020304" pitchFamily="18" charset="0"/>
+                <a:cs typeface="Times New Roman" panose="02020603050405020304" pitchFamily="18" charset="0"/>
+              </a:rPr>
+              <a:t>SQL sever 2012.</a:t>
+            </a:r>
+            <a:endParaRPr lang="en-US" dirty="0">
+              <a:latin typeface="Times New Roman" panose="02020603050405020304" pitchFamily="18" charset="0"/>
+              <a:cs typeface="Times New Roman" panose="02020603050405020304" pitchFamily="18" charset="0"/>
+            </a:endParaRPr>
+          </a:p>
+        </p:txBody>
+      </p:sp>
+      <p:pic>
+        <p:nvPicPr>
+          <p:cNvPr id="11" name="Picture 10"/>
+          <p:cNvPicPr>
+            <a:picLocks noChangeAspect="1"/>
+          </p:cNvPicPr>
+          <p:nvPr/>
+        </p:nvPicPr>
+        <p:blipFill>
+          <a:blip r:embed="rId3"/>
+          <a:stretch>
+            <a:fillRect/>
+          </a:stretch>
+        </p:blipFill>
+        <p:spPr>
+          <a:xfrm>
+            <a:off x="7247009" y="2734296"/>
+            <a:ext cx="2304488" cy="2164268"/>
+          </a:xfrm>
+          <a:prstGeom prst="rect">
+            <a:avLst/>
+          </a:prstGeom>
+        </p:spPr>
+      </p:pic>
+      <p:pic>
+        <p:nvPicPr>
+          <p:cNvPr id="12" name="Picture 11"/>
+          <p:cNvPicPr>
+            <a:picLocks noChangeAspect="1"/>
+          </p:cNvPicPr>
+          <p:nvPr/>
+        </p:nvPicPr>
+        <p:blipFill>
+          <a:blip r:embed="rId4"/>
+          <a:stretch>
+            <a:fillRect/>
+          </a:stretch>
+        </p:blipFill>
+        <p:spPr>
+          <a:xfrm>
+            <a:off x="3704903" y="4268854"/>
+            <a:ext cx="2408129" cy="2158171"/>
+          </a:xfrm>
+          <a:prstGeom prst="rect">
+            <a:avLst/>
+          </a:prstGeom>
+        </p:spPr>
+      </p:pic>
     </p:spTree>
     <p:extLst>
       <p:ext uri="{BB962C8B-B14F-4D97-AF65-F5344CB8AC3E}">
@@ -10336,6 +13234,3101 @@
   <p:clrMapOvr>
     <a:masterClrMapping/>
   </p:clrMapOvr>
+  <mc:AlternateContent xmlns:mc="http://schemas.openxmlformats.org/markup-compatibility/2006">
+    <mc:Choice xmlns:p14="http://schemas.microsoft.com/office/powerpoint/2010/main" Requires="p14">
+      <p:transition spd="slow" p14:dur="4400">
+        <p14:honeycomb/>
+      </p:transition>
+    </mc:Choice>
+    <mc:Fallback>
+      <p:transition spd="slow">
+        <p:fade/>
+      </p:transition>
+    </mc:Fallback>
+  </mc:AlternateContent>
+  <p:timing>
+    <p:tnLst>
+      <p:par>
+        <p:cTn id="1" dur="indefinite" restart="never" nodeType="tmRoot">
+          <p:childTnLst>
+            <p:seq concurrent="1" nextAc="seek">
+              <p:cTn id="2" dur="indefinite" nodeType="mainSeq">
+                <p:childTnLst>
+                  <p:par>
+                    <p:cTn id="3" fill="hold">
+                      <p:stCondLst>
+                        <p:cond delay="indefinite"/>
+                      </p:stCondLst>
+                      <p:childTnLst>
+                        <p:par>
+                          <p:cTn id="4" fill="hold">
+                            <p:stCondLst>
+                              <p:cond delay="0"/>
+                            </p:stCondLst>
+                            <p:childTnLst>
+                              <p:par>
+                                <p:cTn id="5" presetID="16" presetClass="entr" presetSubtype="21" fill="hold" grpId="0" nodeType="clickEffect">
+                                  <p:stCondLst>
+                                    <p:cond delay="0"/>
+                                  </p:stCondLst>
+                                  <p:childTnLst>
+                                    <p:set>
+                                      <p:cBhvr>
+                                        <p:cTn id="6" dur="1" fill="hold">
+                                          <p:stCondLst>
+                                            <p:cond delay="0"/>
+                                          </p:stCondLst>
+                                        </p:cTn>
+                                        <p:tgtEl>
+                                          <p:spTgt spid="5"/>
+                                        </p:tgtEl>
+                                        <p:attrNameLst>
+                                          <p:attrName>style.visibility</p:attrName>
+                                        </p:attrNameLst>
+                                      </p:cBhvr>
+                                      <p:to>
+                                        <p:strVal val="visible"/>
+                                      </p:to>
+                                    </p:set>
+                                    <p:animEffect transition="in" filter="barn(inVertical)">
+                                      <p:cBhvr>
+                                        <p:cTn id="7" dur="500"/>
+                                        <p:tgtEl>
+                                          <p:spTgt spid="5"/>
+                                        </p:tgtEl>
+                                      </p:cBhvr>
+                                    </p:animEffect>
+                                  </p:childTnLst>
+                                </p:cTn>
+                              </p:par>
+                            </p:childTnLst>
+                          </p:cTn>
+                        </p:par>
+                      </p:childTnLst>
+                    </p:cTn>
+                  </p:par>
+                  <p:par>
+                    <p:cTn id="8" fill="hold">
+                      <p:stCondLst>
+                        <p:cond delay="indefinite"/>
+                      </p:stCondLst>
+                      <p:childTnLst>
+                        <p:par>
+                          <p:cTn id="9" fill="hold">
+                            <p:stCondLst>
+                              <p:cond delay="0"/>
+                            </p:stCondLst>
+                            <p:childTnLst>
+                              <p:par>
+                                <p:cTn id="10" presetID="2" presetClass="entr" presetSubtype="4" fill="hold" grpId="0" nodeType="clickEffect">
+                                  <p:stCondLst>
+                                    <p:cond delay="0"/>
+                                  </p:stCondLst>
+                                  <p:childTnLst>
+                                    <p:set>
+                                      <p:cBhvr>
+                                        <p:cTn id="11" dur="1" fill="hold">
+                                          <p:stCondLst>
+                                            <p:cond delay="0"/>
+                                          </p:stCondLst>
+                                        </p:cTn>
+                                        <p:tgtEl>
+                                          <p:spTgt spid="6"/>
+                                        </p:tgtEl>
+                                        <p:attrNameLst>
+                                          <p:attrName>style.visibility</p:attrName>
+                                        </p:attrNameLst>
+                                      </p:cBhvr>
+                                      <p:to>
+                                        <p:strVal val="visible"/>
+                                      </p:to>
+                                    </p:set>
+                                    <p:anim calcmode="lin" valueType="num">
+                                      <p:cBhvr additive="base">
+                                        <p:cTn id="12" dur="500" fill="hold"/>
+                                        <p:tgtEl>
+                                          <p:spTgt spid="6"/>
+                                        </p:tgtEl>
+                                        <p:attrNameLst>
+                                          <p:attrName>ppt_x</p:attrName>
+                                        </p:attrNameLst>
+                                      </p:cBhvr>
+                                      <p:tavLst>
+                                        <p:tav tm="0">
+                                          <p:val>
+                                            <p:strVal val="#ppt_x"/>
+                                          </p:val>
+                                        </p:tav>
+                                        <p:tav tm="100000">
+                                          <p:val>
+                                            <p:strVal val="#ppt_x"/>
+                                          </p:val>
+                                        </p:tav>
+                                      </p:tavLst>
+                                    </p:anim>
+                                    <p:anim calcmode="lin" valueType="num">
+                                      <p:cBhvr additive="base">
+                                        <p:cTn id="13" dur="500" fill="hold"/>
+                                        <p:tgtEl>
+                                          <p:spTgt spid="6"/>
+                                        </p:tgtEl>
+                                        <p:attrNameLst>
+                                          <p:attrName>ppt_y</p:attrName>
+                                        </p:attrNameLst>
+                                      </p:cBhvr>
+                                      <p:tavLst>
+                                        <p:tav tm="0">
+                                          <p:val>
+                                            <p:strVal val="1+#ppt_h/2"/>
+                                          </p:val>
+                                        </p:tav>
+                                        <p:tav tm="100000">
+                                          <p:val>
+                                            <p:strVal val="#ppt_y"/>
+                                          </p:val>
+                                        </p:tav>
+                                      </p:tavLst>
+                                    </p:anim>
+                                  </p:childTnLst>
+                                </p:cTn>
+                              </p:par>
+                            </p:childTnLst>
+                          </p:cTn>
+                        </p:par>
+                      </p:childTnLst>
+                    </p:cTn>
+                  </p:par>
+                  <p:par>
+                    <p:cTn id="14" fill="hold">
+                      <p:stCondLst>
+                        <p:cond delay="indefinite"/>
+                      </p:stCondLst>
+                      <p:childTnLst>
+                        <p:par>
+                          <p:cTn id="15" fill="hold">
+                            <p:stCondLst>
+                              <p:cond delay="0"/>
+                            </p:stCondLst>
+                            <p:childTnLst>
+                              <p:par>
+                                <p:cTn id="16" presetID="2" presetClass="entr" presetSubtype="4" fill="hold" grpId="0" nodeType="clickEffect">
+                                  <p:stCondLst>
+                                    <p:cond delay="0"/>
+                                  </p:stCondLst>
+                                  <p:childTnLst>
+                                    <p:set>
+                                      <p:cBhvr>
+                                        <p:cTn id="17" dur="1" fill="hold">
+                                          <p:stCondLst>
+                                            <p:cond delay="0"/>
+                                          </p:stCondLst>
+                                        </p:cTn>
+                                        <p:tgtEl>
+                                          <p:spTgt spid="2"/>
+                                        </p:tgtEl>
+                                        <p:attrNameLst>
+                                          <p:attrName>style.visibility</p:attrName>
+                                        </p:attrNameLst>
+                                      </p:cBhvr>
+                                      <p:to>
+                                        <p:strVal val="visible"/>
+                                      </p:to>
+                                    </p:set>
+                                    <p:anim calcmode="lin" valueType="num">
+                                      <p:cBhvr additive="base">
+                                        <p:cTn id="18" dur="500" fill="hold"/>
+                                        <p:tgtEl>
+                                          <p:spTgt spid="2"/>
+                                        </p:tgtEl>
+                                        <p:attrNameLst>
+                                          <p:attrName>ppt_x</p:attrName>
+                                        </p:attrNameLst>
+                                      </p:cBhvr>
+                                      <p:tavLst>
+                                        <p:tav tm="0">
+                                          <p:val>
+                                            <p:strVal val="#ppt_x"/>
+                                          </p:val>
+                                        </p:tav>
+                                        <p:tav tm="100000">
+                                          <p:val>
+                                            <p:strVal val="#ppt_x"/>
+                                          </p:val>
+                                        </p:tav>
+                                      </p:tavLst>
+                                    </p:anim>
+                                    <p:anim calcmode="lin" valueType="num">
+                                      <p:cBhvr additive="base">
+                                        <p:cTn id="19" dur="500" fill="hold"/>
+                                        <p:tgtEl>
+                                          <p:spTgt spid="2"/>
+                                        </p:tgtEl>
+                                        <p:attrNameLst>
+                                          <p:attrName>ppt_y</p:attrName>
+                                        </p:attrNameLst>
+                                      </p:cBhvr>
+                                      <p:tavLst>
+                                        <p:tav tm="0">
+                                          <p:val>
+                                            <p:strVal val="1+#ppt_h/2"/>
+                                          </p:val>
+                                        </p:tav>
+                                        <p:tav tm="100000">
+                                          <p:val>
+                                            <p:strVal val="#ppt_y"/>
+                                          </p:val>
+                                        </p:tav>
+                                      </p:tavLst>
+                                    </p:anim>
+                                  </p:childTnLst>
+                                </p:cTn>
+                              </p:par>
+                            </p:childTnLst>
+                          </p:cTn>
+                        </p:par>
+                      </p:childTnLst>
+                    </p:cTn>
+                  </p:par>
+                  <p:par>
+                    <p:cTn id="20" fill="hold">
+                      <p:stCondLst>
+                        <p:cond delay="indefinite"/>
+                      </p:stCondLst>
+                      <p:childTnLst>
+                        <p:par>
+                          <p:cTn id="21" fill="hold">
+                            <p:stCondLst>
+                              <p:cond delay="0"/>
+                            </p:stCondLst>
+                            <p:childTnLst>
+                              <p:par>
+                                <p:cTn id="22" presetID="26" presetClass="entr" presetSubtype="0" fill="hold" nodeType="clickEffect">
+                                  <p:stCondLst>
+                                    <p:cond delay="0"/>
+                                  </p:stCondLst>
+                                  <p:childTnLst>
+                                    <p:set>
+                                      <p:cBhvr>
+                                        <p:cTn id="23" dur="1" fill="hold">
+                                          <p:stCondLst>
+                                            <p:cond delay="0"/>
+                                          </p:stCondLst>
+                                        </p:cTn>
+                                        <p:tgtEl>
+                                          <p:spTgt spid="11"/>
+                                        </p:tgtEl>
+                                        <p:attrNameLst>
+                                          <p:attrName>style.visibility</p:attrName>
+                                        </p:attrNameLst>
+                                      </p:cBhvr>
+                                      <p:to>
+                                        <p:strVal val="visible"/>
+                                      </p:to>
+                                    </p:set>
+                                    <p:animEffect transition="in" filter="wipe(down)">
+                                      <p:cBhvr>
+                                        <p:cTn id="24" dur="580">
+                                          <p:stCondLst>
+                                            <p:cond delay="0"/>
+                                          </p:stCondLst>
+                                        </p:cTn>
+                                        <p:tgtEl>
+                                          <p:spTgt spid="11"/>
+                                        </p:tgtEl>
+                                      </p:cBhvr>
+                                    </p:animEffect>
+                                    <p:anim calcmode="lin" valueType="num">
+                                      <p:cBhvr>
+                                        <p:cTn id="25" dur="1822" tmFilter="0,0; 0.14,0.36; 0.43,0.73; 0.71,0.91; 1.0,1.0">
+                                          <p:stCondLst>
+                                            <p:cond delay="0"/>
+                                          </p:stCondLst>
+                                        </p:cTn>
+                                        <p:tgtEl>
+                                          <p:spTgt spid="11"/>
+                                        </p:tgtEl>
+                                        <p:attrNameLst>
+                                          <p:attrName>ppt_x</p:attrName>
+                                        </p:attrNameLst>
+                                      </p:cBhvr>
+                                      <p:tavLst>
+                                        <p:tav tm="0">
+                                          <p:val>
+                                            <p:strVal val="#ppt_x-0.25"/>
+                                          </p:val>
+                                        </p:tav>
+                                        <p:tav tm="100000">
+                                          <p:val>
+                                            <p:strVal val="#ppt_x"/>
+                                          </p:val>
+                                        </p:tav>
+                                      </p:tavLst>
+                                    </p:anim>
+                                    <p:anim calcmode="lin" valueType="num">
+                                      <p:cBhvr>
+                                        <p:cTn id="26" dur="664" tmFilter="0.0,0.0; 0.25,0.07; 0.50,0.2; 0.75,0.467; 1.0,1.0">
+                                          <p:stCondLst>
+                                            <p:cond delay="0"/>
+                                          </p:stCondLst>
+                                        </p:cTn>
+                                        <p:tgtEl>
+                                          <p:spTgt spid="11"/>
+                                        </p:tgtEl>
+                                        <p:attrNameLst>
+                                          <p:attrName>ppt_y</p:attrName>
+                                        </p:attrNameLst>
+                                      </p:cBhvr>
+                                      <p:tavLst>
+                                        <p:tav tm="0" fmla="#ppt_y-sin(pi*$)/3">
+                                          <p:val>
+                                            <p:fltVal val="0.5"/>
+                                          </p:val>
+                                        </p:tav>
+                                        <p:tav tm="100000">
+                                          <p:val>
+                                            <p:fltVal val="1"/>
+                                          </p:val>
+                                        </p:tav>
+                                      </p:tavLst>
+                                    </p:anim>
+                                    <p:anim calcmode="lin" valueType="num">
+                                      <p:cBhvr>
+                                        <p:cTn id="27" dur="664" tmFilter="0, 0; 0.125,0.2665; 0.25,0.4; 0.375,0.465; 0.5,0.5;  0.625,0.535; 0.75,0.6; 0.875,0.7335; 1,1">
+                                          <p:stCondLst>
+                                            <p:cond delay="664"/>
+                                          </p:stCondLst>
+                                        </p:cTn>
+                                        <p:tgtEl>
+                                          <p:spTgt spid="11"/>
+                                        </p:tgtEl>
+                                        <p:attrNameLst>
+                                          <p:attrName>ppt_y</p:attrName>
+                                        </p:attrNameLst>
+                                      </p:cBhvr>
+                                      <p:tavLst>
+                                        <p:tav tm="0" fmla="#ppt_y-sin(pi*$)/9">
+                                          <p:val>
+                                            <p:fltVal val="0"/>
+                                          </p:val>
+                                        </p:tav>
+                                        <p:tav tm="100000">
+                                          <p:val>
+                                            <p:fltVal val="1"/>
+                                          </p:val>
+                                        </p:tav>
+                                      </p:tavLst>
+                                    </p:anim>
+                                    <p:anim calcmode="lin" valueType="num">
+                                      <p:cBhvr>
+                                        <p:cTn id="28" dur="332" tmFilter="0, 0; 0.125,0.2665; 0.25,0.4; 0.375,0.465; 0.5,0.5;  0.625,0.535; 0.75,0.6; 0.875,0.7335; 1,1">
+                                          <p:stCondLst>
+                                            <p:cond delay="1324"/>
+                                          </p:stCondLst>
+                                        </p:cTn>
+                                        <p:tgtEl>
+                                          <p:spTgt spid="11"/>
+                                        </p:tgtEl>
+                                        <p:attrNameLst>
+                                          <p:attrName>ppt_y</p:attrName>
+                                        </p:attrNameLst>
+                                      </p:cBhvr>
+                                      <p:tavLst>
+                                        <p:tav tm="0" fmla="#ppt_y-sin(pi*$)/27">
+                                          <p:val>
+                                            <p:fltVal val="0"/>
+                                          </p:val>
+                                        </p:tav>
+                                        <p:tav tm="100000">
+                                          <p:val>
+                                            <p:fltVal val="1"/>
+                                          </p:val>
+                                        </p:tav>
+                                      </p:tavLst>
+                                    </p:anim>
+                                    <p:anim calcmode="lin" valueType="num">
+                                      <p:cBhvr>
+                                        <p:cTn id="29" dur="164" tmFilter="0, 0; 0.125,0.2665; 0.25,0.4; 0.375,0.465; 0.5,0.5;  0.625,0.535; 0.75,0.6; 0.875,0.7335; 1,1">
+                                          <p:stCondLst>
+                                            <p:cond delay="1656"/>
+                                          </p:stCondLst>
+                                        </p:cTn>
+                                        <p:tgtEl>
+                                          <p:spTgt spid="11"/>
+                                        </p:tgtEl>
+                                        <p:attrNameLst>
+                                          <p:attrName>ppt_y</p:attrName>
+                                        </p:attrNameLst>
+                                      </p:cBhvr>
+                                      <p:tavLst>
+                                        <p:tav tm="0" fmla="#ppt_y-sin(pi*$)/81">
+                                          <p:val>
+                                            <p:fltVal val="0"/>
+                                          </p:val>
+                                        </p:tav>
+                                        <p:tav tm="100000">
+                                          <p:val>
+                                            <p:fltVal val="1"/>
+                                          </p:val>
+                                        </p:tav>
+                                      </p:tavLst>
+                                    </p:anim>
+                                    <p:animScale>
+                                      <p:cBhvr>
+                                        <p:cTn id="30" dur="26">
+                                          <p:stCondLst>
+                                            <p:cond delay="650"/>
+                                          </p:stCondLst>
+                                        </p:cTn>
+                                        <p:tgtEl>
+                                          <p:spTgt spid="11"/>
+                                        </p:tgtEl>
+                                      </p:cBhvr>
+                                      <p:to x="100000" y="60000"/>
+                                    </p:animScale>
+                                    <p:animScale>
+                                      <p:cBhvr>
+                                        <p:cTn id="31" dur="166" decel="50000">
+                                          <p:stCondLst>
+                                            <p:cond delay="676"/>
+                                          </p:stCondLst>
+                                        </p:cTn>
+                                        <p:tgtEl>
+                                          <p:spTgt spid="11"/>
+                                        </p:tgtEl>
+                                      </p:cBhvr>
+                                      <p:to x="100000" y="100000"/>
+                                    </p:animScale>
+                                    <p:animScale>
+                                      <p:cBhvr>
+                                        <p:cTn id="32" dur="26">
+                                          <p:stCondLst>
+                                            <p:cond delay="1312"/>
+                                          </p:stCondLst>
+                                        </p:cTn>
+                                        <p:tgtEl>
+                                          <p:spTgt spid="11"/>
+                                        </p:tgtEl>
+                                      </p:cBhvr>
+                                      <p:to x="100000" y="80000"/>
+                                    </p:animScale>
+                                    <p:animScale>
+                                      <p:cBhvr>
+                                        <p:cTn id="33" dur="166" decel="50000">
+                                          <p:stCondLst>
+                                            <p:cond delay="1338"/>
+                                          </p:stCondLst>
+                                        </p:cTn>
+                                        <p:tgtEl>
+                                          <p:spTgt spid="11"/>
+                                        </p:tgtEl>
+                                      </p:cBhvr>
+                                      <p:to x="100000" y="100000"/>
+                                    </p:animScale>
+                                    <p:animScale>
+                                      <p:cBhvr>
+                                        <p:cTn id="34" dur="26">
+                                          <p:stCondLst>
+                                            <p:cond delay="1642"/>
+                                          </p:stCondLst>
+                                        </p:cTn>
+                                        <p:tgtEl>
+                                          <p:spTgt spid="11"/>
+                                        </p:tgtEl>
+                                      </p:cBhvr>
+                                      <p:to x="100000" y="90000"/>
+                                    </p:animScale>
+                                    <p:animScale>
+                                      <p:cBhvr>
+                                        <p:cTn id="35" dur="166" decel="50000">
+                                          <p:stCondLst>
+                                            <p:cond delay="1668"/>
+                                          </p:stCondLst>
+                                        </p:cTn>
+                                        <p:tgtEl>
+                                          <p:spTgt spid="11"/>
+                                        </p:tgtEl>
+                                      </p:cBhvr>
+                                      <p:to x="100000" y="100000"/>
+                                    </p:animScale>
+                                    <p:animScale>
+                                      <p:cBhvr>
+                                        <p:cTn id="36" dur="26">
+                                          <p:stCondLst>
+                                            <p:cond delay="1808"/>
+                                          </p:stCondLst>
+                                        </p:cTn>
+                                        <p:tgtEl>
+                                          <p:spTgt spid="11"/>
+                                        </p:tgtEl>
+                                      </p:cBhvr>
+                                      <p:to x="100000" y="95000"/>
+                                    </p:animScale>
+                                    <p:animScale>
+                                      <p:cBhvr>
+                                        <p:cTn id="37" dur="166" decel="50000">
+                                          <p:stCondLst>
+                                            <p:cond delay="1834"/>
+                                          </p:stCondLst>
+                                        </p:cTn>
+                                        <p:tgtEl>
+                                          <p:spTgt spid="11"/>
+                                        </p:tgtEl>
+                                      </p:cBhvr>
+                                      <p:to x="100000" y="100000"/>
+                                    </p:animScale>
+                                  </p:childTnLst>
+                                </p:cTn>
+                              </p:par>
+                            </p:childTnLst>
+                          </p:cTn>
+                        </p:par>
+                      </p:childTnLst>
+                    </p:cTn>
+                  </p:par>
+                  <p:par>
+                    <p:cTn id="38" fill="hold">
+                      <p:stCondLst>
+                        <p:cond delay="indefinite"/>
+                      </p:stCondLst>
+                      <p:childTnLst>
+                        <p:par>
+                          <p:cTn id="39" fill="hold">
+                            <p:stCondLst>
+                              <p:cond delay="0"/>
+                            </p:stCondLst>
+                            <p:childTnLst>
+                              <p:par>
+                                <p:cTn id="40" presetID="2" presetClass="entr" presetSubtype="4" fill="hold" grpId="0" nodeType="clickEffect">
+                                  <p:stCondLst>
+                                    <p:cond delay="0"/>
+                                  </p:stCondLst>
+                                  <p:childTnLst>
+                                    <p:set>
+                                      <p:cBhvr>
+                                        <p:cTn id="41" dur="1" fill="hold">
+                                          <p:stCondLst>
+                                            <p:cond delay="0"/>
+                                          </p:stCondLst>
+                                        </p:cTn>
+                                        <p:tgtEl>
+                                          <p:spTgt spid="8"/>
+                                        </p:tgtEl>
+                                        <p:attrNameLst>
+                                          <p:attrName>style.visibility</p:attrName>
+                                        </p:attrNameLst>
+                                      </p:cBhvr>
+                                      <p:to>
+                                        <p:strVal val="visible"/>
+                                      </p:to>
+                                    </p:set>
+                                    <p:anim calcmode="lin" valueType="num">
+                                      <p:cBhvr additive="base">
+                                        <p:cTn id="42" dur="500" fill="hold"/>
+                                        <p:tgtEl>
+                                          <p:spTgt spid="8"/>
+                                        </p:tgtEl>
+                                        <p:attrNameLst>
+                                          <p:attrName>ppt_x</p:attrName>
+                                        </p:attrNameLst>
+                                      </p:cBhvr>
+                                      <p:tavLst>
+                                        <p:tav tm="0">
+                                          <p:val>
+                                            <p:strVal val="#ppt_x"/>
+                                          </p:val>
+                                        </p:tav>
+                                        <p:tav tm="100000">
+                                          <p:val>
+                                            <p:strVal val="#ppt_x"/>
+                                          </p:val>
+                                        </p:tav>
+                                      </p:tavLst>
+                                    </p:anim>
+                                    <p:anim calcmode="lin" valueType="num">
+                                      <p:cBhvr additive="base">
+                                        <p:cTn id="43" dur="500" fill="hold"/>
+                                        <p:tgtEl>
+                                          <p:spTgt spid="8"/>
+                                        </p:tgtEl>
+                                        <p:attrNameLst>
+                                          <p:attrName>ppt_y</p:attrName>
+                                        </p:attrNameLst>
+                                      </p:cBhvr>
+                                      <p:tavLst>
+                                        <p:tav tm="0">
+                                          <p:val>
+                                            <p:strVal val="1+#ppt_h/2"/>
+                                          </p:val>
+                                        </p:tav>
+                                        <p:tav tm="100000">
+                                          <p:val>
+                                            <p:strVal val="#ppt_y"/>
+                                          </p:val>
+                                        </p:tav>
+                                      </p:tavLst>
+                                    </p:anim>
+                                  </p:childTnLst>
+                                </p:cTn>
+                              </p:par>
+                            </p:childTnLst>
+                          </p:cTn>
+                        </p:par>
+                      </p:childTnLst>
+                    </p:cTn>
+                  </p:par>
+                  <p:par>
+                    <p:cTn id="44" fill="hold">
+                      <p:stCondLst>
+                        <p:cond delay="indefinite"/>
+                      </p:stCondLst>
+                      <p:childTnLst>
+                        <p:par>
+                          <p:cTn id="45" fill="hold">
+                            <p:stCondLst>
+                              <p:cond delay="0"/>
+                            </p:stCondLst>
+                            <p:childTnLst>
+                              <p:par>
+                                <p:cTn id="46" presetID="2" presetClass="entr" presetSubtype="4" fill="hold" grpId="0" nodeType="clickEffect">
+                                  <p:stCondLst>
+                                    <p:cond delay="0"/>
+                                  </p:stCondLst>
+                                  <p:childTnLst>
+                                    <p:set>
+                                      <p:cBhvr>
+                                        <p:cTn id="47" dur="1" fill="hold">
+                                          <p:stCondLst>
+                                            <p:cond delay="0"/>
+                                          </p:stCondLst>
+                                        </p:cTn>
+                                        <p:tgtEl>
+                                          <p:spTgt spid="10"/>
+                                        </p:tgtEl>
+                                        <p:attrNameLst>
+                                          <p:attrName>style.visibility</p:attrName>
+                                        </p:attrNameLst>
+                                      </p:cBhvr>
+                                      <p:to>
+                                        <p:strVal val="visible"/>
+                                      </p:to>
+                                    </p:set>
+                                    <p:anim calcmode="lin" valueType="num">
+                                      <p:cBhvr additive="base">
+                                        <p:cTn id="48" dur="500" fill="hold"/>
+                                        <p:tgtEl>
+                                          <p:spTgt spid="10"/>
+                                        </p:tgtEl>
+                                        <p:attrNameLst>
+                                          <p:attrName>ppt_x</p:attrName>
+                                        </p:attrNameLst>
+                                      </p:cBhvr>
+                                      <p:tavLst>
+                                        <p:tav tm="0">
+                                          <p:val>
+                                            <p:strVal val="#ppt_x"/>
+                                          </p:val>
+                                        </p:tav>
+                                        <p:tav tm="100000">
+                                          <p:val>
+                                            <p:strVal val="#ppt_x"/>
+                                          </p:val>
+                                        </p:tav>
+                                      </p:tavLst>
+                                    </p:anim>
+                                    <p:anim calcmode="lin" valueType="num">
+                                      <p:cBhvr additive="base">
+                                        <p:cTn id="49" dur="500" fill="hold"/>
+                                        <p:tgtEl>
+                                          <p:spTgt spid="10"/>
+                                        </p:tgtEl>
+                                        <p:attrNameLst>
+                                          <p:attrName>ppt_y</p:attrName>
+                                        </p:attrNameLst>
+                                      </p:cBhvr>
+                                      <p:tavLst>
+                                        <p:tav tm="0">
+                                          <p:val>
+                                            <p:strVal val="1+#ppt_h/2"/>
+                                          </p:val>
+                                        </p:tav>
+                                        <p:tav tm="100000">
+                                          <p:val>
+                                            <p:strVal val="#ppt_y"/>
+                                          </p:val>
+                                        </p:tav>
+                                      </p:tavLst>
+                                    </p:anim>
+                                  </p:childTnLst>
+                                </p:cTn>
+                              </p:par>
+                            </p:childTnLst>
+                          </p:cTn>
+                        </p:par>
+                      </p:childTnLst>
+                    </p:cTn>
+                  </p:par>
+                  <p:par>
+                    <p:cTn id="50" fill="hold">
+                      <p:stCondLst>
+                        <p:cond delay="indefinite"/>
+                      </p:stCondLst>
+                      <p:childTnLst>
+                        <p:par>
+                          <p:cTn id="51" fill="hold">
+                            <p:stCondLst>
+                              <p:cond delay="0"/>
+                            </p:stCondLst>
+                            <p:childTnLst>
+                              <p:par>
+                                <p:cTn id="52" presetID="31" presetClass="entr" presetSubtype="0" fill="hold" nodeType="clickEffect">
+                                  <p:stCondLst>
+                                    <p:cond delay="0"/>
+                                  </p:stCondLst>
+                                  <p:childTnLst>
+                                    <p:set>
+                                      <p:cBhvr>
+                                        <p:cTn id="53" dur="1" fill="hold">
+                                          <p:stCondLst>
+                                            <p:cond delay="0"/>
+                                          </p:stCondLst>
+                                        </p:cTn>
+                                        <p:tgtEl>
+                                          <p:spTgt spid="12"/>
+                                        </p:tgtEl>
+                                        <p:attrNameLst>
+                                          <p:attrName>style.visibility</p:attrName>
+                                        </p:attrNameLst>
+                                      </p:cBhvr>
+                                      <p:to>
+                                        <p:strVal val="visible"/>
+                                      </p:to>
+                                    </p:set>
+                                    <p:anim calcmode="lin" valueType="num">
+                                      <p:cBhvr>
+                                        <p:cTn id="54" dur="1000" fill="hold"/>
+                                        <p:tgtEl>
+                                          <p:spTgt spid="12"/>
+                                        </p:tgtEl>
+                                        <p:attrNameLst>
+                                          <p:attrName>ppt_w</p:attrName>
+                                        </p:attrNameLst>
+                                      </p:cBhvr>
+                                      <p:tavLst>
+                                        <p:tav tm="0">
+                                          <p:val>
+                                            <p:fltVal val="0"/>
+                                          </p:val>
+                                        </p:tav>
+                                        <p:tav tm="100000">
+                                          <p:val>
+                                            <p:strVal val="#ppt_w"/>
+                                          </p:val>
+                                        </p:tav>
+                                      </p:tavLst>
+                                    </p:anim>
+                                    <p:anim calcmode="lin" valueType="num">
+                                      <p:cBhvr>
+                                        <p:cTn id="55" dur="1000" fill="hold"/>
+                                        <p:tgtEl>
+                                          <p:spTgt spid="12"/>
+                                        </p:tgtEl>
+                                        <p:attrNameLst>
+                                          <p:attrName>ppt_h</p:attrName>
+                                        </p:attrNameLst>
+                                      </p:cBhvr>
+                                      <p:tavLst>
+                                        <p:tav tm="0">
+                                          <p:val>
+                                            <p:fltVal val="0"/>
+                                          </p:val>
+                                        </p:tav>
+                                        <p:tav tm="100000">
+                                          <p:val>
+                                            <p:strVal val="#ppt_h"/>
+                                          </p:val>
+                                        </p:tav>
+                                      </p:tavLst>
+                                    </p:anim>
+                                    <p:anim calcmode="lin" valueType="num">
+                                      <p:cBhvr>
+                                        <p:cTn id="56" dur="1000" fill="hold"/>
+                                        <p:tgtEl>
+                                          <p:spTgt spid="12"/>
+                                        </p:tgtEl>
+                                        <p:attrNameLst>
+                                          <p:attrName>style.rotation</p:attrName>
+                                        </p:attrNameLst>
+                                      </p:cBhvr>
+                                      <p:tavLst>
+                                        <p:tav tm="0">
+                                          <p:val>
+                                            <p:fltVal val="90"/>
+                                          </p:val>
+                                        </p:tav>
+                                        <p:tav tm="100000">
+                                          <p:val>
+                                            <p:fltVal val="0"/>
+                                          </p:val>
+                                        </p:tav>
+                                      </p:tavLst>
+                                    </p:anim>
+                                    <p:animEffect transition="in" filter="fade">
+                                      <p:cBhvr>
+                                        <p:cTn id="57" dur="1000"/>
+                                        <p:tgtEl>
+                                          <p:spTgt spid="12"/>
+                                        </p:tgtEl>
+                                      </p:cBhvr>
+                                    </p:animEffect>
+                                  </p:childTnLst>
+                                </p:cTn>
+                              </p:par>
+                            </p:childTnLst>
+                          </p:cTn>
+                        </p:par>
+                      </p:childTnLst>
+                    </p:cTn>
+                  </p:par>
+                </p:childTnLst>
+              </p:cTn>
+              <p:prevCondLst>
+                <p:cond evt="onPrev" delay="0">
+                  <p:tgtEl>
+                    <p:sldTgt/>
+                  </p:tgtEl>
+                </p:cond>
+              </p:prevCondLst>
+              <p:nextCondLst>
+                <p:cond evt="onNext" delay="0">
+                  <p:tgtEl>
+                    <p:sldTgt/>
+                  </p:tgtEl>
+                </p:cond>
+              </p:nextCondLst>
+            </p:seq>
+          </p:childTnLst>
+        </p:cTn>
+      </p:par>
+    </p:tnLst>
+    <p:bldLst>
+      <p:bldP spid="5" grpId="0"/>
+      <p:bldP spid="6" grpId="0"/>
+      <p:bldP spid="2" grpId="0"/>
+      <p:bldP spid="8" grpId="0"/>
+      <p:bldP spid="10" grpId="0"/>
+    </p:bldLst>
+  </p:timing>
+</p:sld>
+</file>
+
+<file path=ppt/slides/slide7.xml><?xml version="1.0" encoding="utf-8"?>
+<p:sld xmlns:a="http://schemas.openxmlformats.org/drawingml/2006/main" xmlns:r="http://schemas.openxmlformats.org/officeDocument/2006/relationships" xmlns:p="http://schemas.openxmlformats.org/presentationml/2006/main">
+  <p:cSld>
+    <p:spTree>
+      <p:nvGrpSpPr>
+        <p:cNvPr id="1" name=""/>
+        <p:cNvGrpSpPr/>
+        <p:nvPr/>
+      </p:nvGrpSpPr>
+      <p:grpSpPr>
+        <a:xfrm>
+          <a:off x="0" y="0"/>
+          <a:ext cx="0" cy="0"/>
+          <a:chOff x="0" y="0"/>
+          <a:chExt cx="0" cy="0"/>
+        </a:xfrm>
+      </p:grpSpPr>
+      <p:sp>
+        <p:nvSpPr>
+          <p:cNvPr id="4" name="Slide Number Placeholder 3"/>
+          <p:cNvSpPr>
+            <a:spLocks noGrp="1"/>
+          </p:cNvSpPr>
+          <p:nvPr>
+            <p:ph type="sldNum" sz="quarter" idx="12"/>
+          </p:nvPr>
+        </p:nvSpPr>
+        <p:spPr>
+          <a:xfrm>
+            <a:off x="708535" y="6041362"/>
+            <a:ext cx="683339" cy="365125"/>
+          </a:xfrm>
+        </p:spPr>
+        <p:txBody>
+          <a:bodyPr/>
+          <a:lstStyle/>
+          <a:p>
+            <a:fld id="{D57F1E4F-1CFF-5643-939E-217C01CDF565}" type="slidenum">
+              <a:rPr lang="en-US" sz="2800" u="sng" smtClean="0"/>
+              <a:pPr/>
+              <a:t>7</a:t>
+            </a:fld>
+            <a:endParaRPr lang="en-US" sz="2800" u="sng" dirty="0"/>
+          </a:p>
+        </p:txBody>
+      </p:sp>
+      <p:sp>
+        <p:nvSpPr>
+          <p:cNvPr id="6" name="TextBox 5"/>
+          <p:cNvSpPr txBox="1"/>
+          <p:nvPr/>
+        </p:nvSpPr>
+        <p:spPr>
+          <a:xfrm>
+            <a:off x="1463040" y="576072"/>
+            <a:ext cx="3980577" cy="707886"/>
+          </a:xfrm>
+          <a:prstGeom prst="rect">
+            <a:avLst/>
+          </a:prstGeom>
+          <a:noFill/>
+        </p:spPr>
+        <p:txBody>
+          <a:bodyPr wrap="none" rtlCol="0">
+            <a:spAutoFit/>
+          </a:bodyPr>
+          <a:lstStyle/>
+          <a:p>
+            <a:r>
+              <a:rPr lang="en-US" sz="4000" dirty="0" err="1" smtClean="0">
+                <a:latin typeface="Times New Roman" panose="02020603050405020304" pitchFamily="18" charset="0"/>
+                <a:cs typeface="Times New Roman" panose="02020603050405020304" pitchFamily="18" charset="0"/>
+              </a:rPr>
+              <a:t>Kết</a:t>
+            </a:r>
+            <a:r>
+              <a:rPr lang="en-US" sz="4000" dirty="0" smtClean="0">
+                <a:latin typeface="Times New Roman" panose="02020603050405020304" pitchFamily="18" charset="0"/>
+                <a:cs typeface="Times New Roman" panose="02020603050405020304" pitchFamily="18" charset="0"/>
+              </a:rPr>
+              <a:t> </a:t>
+            </a:r>
+            <a:r>
+              <a:rPr lang="en-US" sz="4000" dirty="0" err="1" smtClean="0">
+                <a:latin typeface="Times New Roman" panose="02020603050405020304" pitchFamily="18" charset="0"/>
+                <a:cs typeface="Times New Roman" panose="02020603050405020304" pitchFamily="18" charset="0"/>
+              </a:rPr>
+              <a:t>quả</a:t>
+            </a:r>
+            <a:r>
+              <a:rPr lang="en-US" sz="4000" dirty="0" smtClean="0">
+                <a:latin typeface="Times New Roman" panose="02020603050405020304" pitchFamily="18" charset="0"/>
+                <a:cs typeface="Times New Roman" panose="02020603050405020304" pitchFamily="18" charset="0"/>
+              </a:rPr>
+              <a:t> </a:t>
+            </a:r>
+            <a:r>
+              <a:rPr lang="en-US" sz="4000" dirty="0" err="1" smtClean="0">
+                <a:latin typeface="Times New Roman" panose="02020603050405020304" pitchFamily="18" charset="0"/>
+                <a:cs typeface="Times New Roman" panose="02020603050405020304" pitchFamily="18" charset="0"/>
+              </a:rPr>
+              <a:t>đạt</a:t>
+            </a:r>
+            <a:r>
+              <a:rPr lang="en-US" sz="4000" dirty="0" smtClean="0">
+                <a:latin typeface="Times New Roman" panose="02020603050405020304" pitchFamily="18" charset="0"/>
+                <a:cs typeface="Times New Roman" panose="02020603050405020304" pitchFamily="18" charset="0"/>
+              </a:rPr>
+              <a:t> </a:t>
+            </a:r>
+            <a:r>
+              <a:rPr lang="en-US" sz="4000" dirty="0" err="1" smtClean="0">
+                <a:latin typeface="Times New Roman" panose="02020603050405020304" pitchFamily="18" charset="0"/>
+                <a:cs typeface="Times New Roman" panose="02020603050405020304" pitchFamily="18" charset="0"/>
+              </a:rPr>
+              <a:t>được</a:t>
+            </a:r>
+            <a:r>
+              <a:rPr lang="en-US" sz="4000" dirty="0" smtClean="0">
+                <a:latin typeface="Times New Roman" panose="02020603050405020304" pitchFamily="18" charset="0"/>
+                <a:cs typeface="Times New Roman" panose="02020603050405020304" pitchFamily="18" charset="0"/>
+              </a:rPr>
+              <a:t>: </a:t>
+            </a:r>
+            <a:endParaRPr lang="en-US" sz="4000" dirty="0">
+              <a:latin typeface="Times New Roman" panose="02020603050405020304" pitchFamily="18" charset="0"/>
+              <a:cs typeface="Times New Roman" panose="02020603050405020304" pitchFamily="18" charset="0"/>
+            </a:endParaRPr>
+          </a:p>
+        </p:txBody>
+      </p:sp>
+      <p:sp>
+        <p:nvSpPr>
+          <p:cNvPr id="7" name="TextBox 6"/>
+          <p:cNvSpPr txBox="1"/>
+          <p:nvPr/>
+        </p:nvSpPr>
+        <p:spPr>
+          <a:xfrm>
+            <a:off x="2368296" y="1645920"/>
+            <a:ext cx="7261924" cy="1908215"/>
+          </a:xfrm>
+          <a:prstGeom prst="rect">
+            <a:avLst/>
+          </a:prstGeom>
+          <a:noFill/>
+        </p:spPr>
+        <p:txBody>
+          <a:bodyPr wrap="none" rtlCol="0">
+            <a:spAutoFit/>
+          </a:bodyPr>
+          <a:lstStyle/>
+          <a:p>
+            <a:pPr marL="285750" indent="-285750">
+              <a:buFont typeface="Courier New" panose="02070309020205020404" pitchFamily="49" charset="0"/>
+              <a:buChar char="o"/>
+            </a:pPr>
+            <a:r>
+              <a:rPr lang="en-US" sz="2000" dirty="0" err="1" smtClean="0">
+                <a:latin typeface="Times New Roman" panose="02020603050405020304" pitchFamily="18" charset="0"/>
+                <a:cs typeface="Times New Roman" panose="02020603050405020304" pitchFamily="18" charset="0"/>
+              </a:rPr>
+              <a:t>Lập</a:t>
+            </a:r>
+            <a:r>
+              <a:rPr lang="en-US" sz="2000" dirty="0" smtClean="0">
+                <a:latin typeface="Times New Roman" panose="02020603050405020304" pitchFamily="18" charset="0"/>
+                <a:cs typeface="Times New Roman" panose="02020603050405020304" pitchFamily="18" charset="0"/>
+              </a:rPr>
+              <a:t> </a:t>
+            </a:r>
+            <a:r>
+              <a:rPr lang="en-US" sz="2000" dirty="0" err="1" smtClean="0">
+                <a:latin typeface="Times New Roman" panose="02020603050405020304" pitchFamily="18" charset="0"/>
+                <a:cs typeface="Times New Roman" panose="02020603050405020304" pitchFamily="18" charset="0"/>
+              </a:rPr>
+              <a:t>được</a:t>
+            </a:r>
+            <a:r>
+              <a:rPr lang="en-US" sz="2000" dirty="0" smtClean="0">
+                <a:latin typeface="Times New Roman" panose="02020603050405020304" pitchFamily="18" charset="0"/>
+                <a:cs typeface="Times New Roman" panose="02020603050405020304" pitchFamily="18" charset="0"/>
+              </a:rPr>
+              <a:t> </a:t>
+            </a:r>
+            <a:r>
+              <a:rPr lang="en-US" sz="2000" dirty="0" err="1" smtClean="0">
+                <a:latin typeface="Times New Roman" panose="02020603050405020304" pitchFamily="18" charset="0"/>
+                <a:cs typeface="Times New Roman" panose="02020603050405020304" pitchFamily="18" charset="0"/>
+              </a:rPr>
+              <a:t>thông</a:t>
+            </a:r>
+            <a:r>
+              <a:rPr lang="en-US" sz="2000" dirty="0" smtClean="0">
+                <a:latin typeface="Times New Roman" panose="02020603050405020304" pitchFamily="18" charset="0"/>
+                <a:cs typeface="Times New Roman" panose="02020603050405020304" pitchFamily="18" charset="0"/>
+              </a:rPr>
+              <a:t> tin </a:t>
+            </a:r>
+            <a:r>
+              <a:rPr lang="en-US" sz="2000" dirty="0" err="1" smtClean="0">
+                <a:latin typeface="Times New Roman" panose="02020603050405020304" pitchFamily="18" charset="0"/>
+                <a:cs typeface="Times New Roman" panose="02020603050405020304" pitchFamily="18" charset="0"/>
+              </a:rPr>
+              <a:t>lớp</a:t>
+            </a:r>
+            <a:r>
+              <a:rPr lang="en-US" sz="2000" dirty="0" smtClean="0">
+                <a:latin typeface="Times New Roman" panose="02020603050405020304" pitchFamily="18" charset="0"/>
+                <a:cs typeface="Times New Roman" panose="02020603050405020304" pitchFamily="18" charset="0"/>
+              </a:rPr>
+              <a:t>, </a:t>
+            </a:r>
+            <a:r>
+              <a:rPr lang="en-US" sz="2000" dirty="0" err="1" smtClean="0">
+                <a:latin typeface="Times New Roman" panose="02020603050405020304" pitchFamily="18" charset="0"/>
+                <a:cs typeface="Times New Roman" panose="02020603050405020304" pitchFamily="18" charset="0"/>
+              </a:rPr>
+              <a:t>học</a:t>
+            </a:r>
+            <a:r>
+              <a:rPr lang="en-US" sz="2000" dirty="0" smtClean="0">
+                <a:latin typeface="Times New Roman" panose="02020603050405020304" pitchFamily="18" charset="0"/>
+                <a:cs typeface="Times New Roman" panose="02020603050405020304" pitchFamily="18" charset="0"/>
+              </a:rPr>
+              <a:t> </a:t>
+            </a:r>
+            <a:r>
+              <a:rPr lang="en-US" sz="2000" dirty="0" err="1" smtClean="0">
+                <a:latin typeface="Times New Roman" panose="02020603050405020304" pitchFamily="18" charset="0"/>
+                <a:cs typeface="Times New Roman" panose="02020603050405020304" pitchFamily="18" charset="0"/>
+              </a:rPr>
+              <a:t>sinh</a:t>
+            </a:r>
+            <a:endParaRPr lang="en-US" sz="2000" dirty="0" smtClean="0">
+              <a:latin typeface="Times New Roman" panose="02020603050405020304" pitchFamily="18" charset="0"/>
+              <a:cs typeface="Times New Roman" panose="02020603050405020304" pitchFamily="18" charset="0"/>
+            </a:endParaRPr>
+          </a:p>
+          <a:p>
+            <a:pPr marL="285750" indent="-285750">
+              <a:buFont typeface="Courier New" panose="02070309020205020404" pitchFamily="49" charset="0"/>
+              <a:buChar char="o"/>
+            </a:pPr>
+            <a:r>
+              <a:rPr lang="en-US" sz="2000" dirty="0" err="1" smtClean="0">
+                <a:latin typeface="Times New Roman" panose="02020603050405020304" pitchFamily="18" charset="0"/>
+                <a:cs typeface="Times New Roman" panose="02020603050405020304" pitchFamily="18" charset="0"/>
+              </a:rPr>
+              <a:t>Lập</a:t>
+            </a:r>
+            <a:r>
+              <a:rPr lang="en-US" sz="2000" dirty="0" smtClean="0">
+                <a:latin typeface="Times New Roman" panose="02020603050405020304" pitchFamily="18" charset="0"/>
+                <a:cs typeface="Times New Roman" panose="02020603050405020304" pitchFamily="18" charset="0"/>
+              </a:rPr>
+              <a:t> </a:t>
+            </a:r>
+            <a:r>
+              <a:rPr lang="en-US" sz="2000" dirty="0" err="1" smtClean="0">
+                <a:latin typeface="Times New Roman" panose="02020603050405020304" pitchFamily="18" charset="0"/>
+                <a:cs typeface="Times New Roman" panose="02020603050405020304" pitchFamily="18" charset="0"/>
+              </a:rPr>
+              <a:t>được</a:t>
+            </a:r>
+            <a:r>
+              <a:rPr lang="en-US" sz="2000" dirty="0" smtClean="0">
+                <a:latin typeface="Times New Roman" panose="02020603050405020304" pitchFamily="18" charset="0"/>
+                <a:cs typeface="Times New Roman" panose="02020603050405020304" pitchFamily="18" charset="0"/>
+              </a:rPr>
+              <a:t> </a:t>
+            </a:r>
+            <a:r>
+              <a:rPr lang="en-US" sz="2000" dirty="0" err="1" smtClean="0">
+                <a:latin typeface="Times New Roman" panose="02020603050405020304" pitchFamily="18" charset="0"/>
+                <a:cs typeface="Times New Roman" panose="02020603050405020304" pitchFamily="18" charset="0"/>
+              </a:rPr>
+              <a:t>mức</a:t>
+            </a:r>
+            <a:r>
+              <a:rPr lang="en-US" sz="2000" dirty="0" smtClean="0">
+                <a:latin typeface="Times New Roman" panose="02020603050405020304" pitchFamily="18" charset="0"/>
+                <a:cs typeface="Times New Roman" panose="02020603050405020304" pitchFamily="18" charset="0"/>
+              </a:rPr>
+              <a:t> </a:t>
+            </a:r>
+            <a:r>
+              <a:rPr lang="en-US" sz="2000" dirty="0" err="1" smtClean="0">
+                <a:latin typeface="Times New Roman" panose="02020603050405020304" pitchFamily="18" charset="0"/>
+                <a:cs typeface="Times New Roman" panose="02020603050405020304" pitchFamily="18" charset="0"/>
+              </a:rPr>
+              <a:t>thu</a:t>
+            </a:r>
+            <a:r>
+              <a:rPr lang="en-US" sz="2000" dirty="0" smtClean="0">
+                <a:latin typeface="Times New Roman" panose="02020603050405020304" pitchFamily="18" charset="0"/>
+                <a:cs typeface="Times New Roman" panose="02020603050405020304" pitchFamily="18" charset="0"/>
+              </a:rPr>
+              <a:t>, </a:t>
+            </a:r>
+            <a:r>
+              <a:rPr lang="en-US" sz="2000" dirty="0" err="1" smtClean="0">
+                <a:latin typeface="Times New Roman" panose="02020603050405020304" pitchFamily="18" charset="0"/>
+                <a:cs typeface="Times New Roman" panose="02020603050405020304" pitchFamily="18" charset="0"/>
+              </a:rPr>
+              <a:t>đối</a:t>
+            </a:r>
+            <a:r>
+              <a:rPr lang="en-US" sz="2000" dirty="0" smtClean="0">
+                <a:latin typeface="Times New Roman" panose="02020603050405020304" pitchFamily="18" charset="0"/>
+                <a:cs typeface="Times New Roman" panose="02020603050405020304" pitchFamily="18" charset="0"/>
+              </a:rPr>
+              <a:t> </a:t>
+            </a:r>
+            <a:r>
+              <a:rPr lang="en-US" sz="2000" dirty="0" err="1" smtClean="0">
+                <a:latin typeface="Times New Roman" panose="02020603050405020304" pitchFamily="18" charset="0"/>
+                <a:cs typeface="Times New Roman" panose="02020603050405020304" pitchFamily="18" charset="0"/>
+              </a:rPr>
+              <a:t>tượng</a:t>
+            </a:r>
+            <a:r>
+              <a:rPr lang="en-US" sz="2000" dirty="0">
+                <a:latin typeface="Times New Roman" panose="02020603050405020304" pitchFamily="18" charset="0"/>
+                <a:cs typeface="Times New Roman" panose="02020603050405020304" pitchFamily="18" charset="0"/>
+              </a:rPr>
+              <a:t> </a:t>
+            </a:r>
+            <a:r>
+              <a:rPr lang="en-US" sz="2000" dirty="0" err="1" smtClean="0">
+                <a:latin typeface="Times New Roman" panose="02020603050405020304" pitchFamily="18" charset="0"/>
+                <a:cs typeface="Times New Roman" panose="02020603050405020304" pitchFamily="18" charset="0"/>
+              </a:rPr>
+              <a:t>miễn</a:t>
+            </a:r>
+            <a:r>
+              <a:rPr lang="en-US" sz="2000" dirty="0" smtClean="0">
+                <a:latin typeface="Times New Roman" panose="02020603050405020304" pitchFamily="18" charset="0"/>
+                <a:cs typeface="Times New Roman" panose="02020603050405020304" pitchFamily="18" charset="0"/>
+              </a:rPr>
+              <a:t> </a:t>
+            </a:r>
+            <a:r>
+              <a:rPr lang="en-US" sz="2000" dirty="0" err="1" smtClean="0">
+                <a:latin typeface="Times New Roman" panose="02020603050405020304" pitchFamily="18" charset="0"/>
+                <a:cs typeface="Times New Roman" panose="02020603050405020304" pitchFamily="18" charset="0"/>
+              </a:rPr>
+              <a:t>giảm</a:t>
+            </a:r>
+            <a:endParaRPr lang="en-US" sz="2000" dirty="0" smtClean="0">
+              <a:latin typeface="Times New Roman" panose="02020603050405020304" pitchFamily="18" charset="0"/>
+              <a:cs typeface="Times New Roman" panose="02020603050405020304" pitchFamily="18" charset="0"/>
+            </a:endParaRPr>
+          </a:p>
+          <a:p>
+            <a:pPr marL="285750" indent="-285750">
+              <a:buFont typeface="Courier New" panose="02070309020205020404" pitchFamily="49" charset="0"/>
+              <a:buChar char="o"/>
+            </a:pPr>
+            <a:r>
+              <a:rPr lang="en-US" sz="2000" dirty="0" err="1" smtClean="0">
+                <a:latin typeface="Times New Roman" panose="02020603050405020304" pitchFamily="18" charset="0"/>
+                <a:cs typeface="Times New Roman" panose="02020603050405020304" pitchFamily="18" charset="0"/>
+              </a:rPr>
+              <a:t>Lập</a:t>
+            </a:r>
+            <a:r>
+              <a:rPr lang="en-US" sz="2000" dirty="0" smtClean="0">
+                <a:latin typeface="Times New Roman" panose="02020603050405020304" pitchFamily="18" charset="0"/>
+                <a:cs typeface="Times New Roman" panose="02020603050405020304" pitchFamily="18" charset="0"/>
+              </a:rPr>
+              <a:t> </a:t>
+            </a:r>
+            <a:r>
+              <a:rPr lang="en-US" sz="2000" dirty="0" err="1" smtClean="0">
+                <a:latin typeface="Times New Roman" panose="02020603050405020304" pitchFamily="18" charset="0"/>
+                <a:cs typeface="Times New Roman" panose="02020603050405020304" pitchFamily="18" charset="0"/>
+              </a:rPr>
+              <a:t>được</a:t>
+            </a:r>
+            <a:r>
+              <a:rPr lang="en-US" sz="2000" dirty="0" smtClean="0">
+                <a:latin typeface="Times New Roman" panose="02020603050405020304" pitchFamily="18" charset="0"/>
+                <a:cs typeface="Times New Roman" panose="02020603050405020304" pitchFamily="18" charset="0"/>
+              </a:rPr>
+              <a:t> </a:t>
+            </a:r>
+            <a:r>
+              <a:rPr lang="en-US" sz="2000" dirty="0" err="1" smtClean="0">
+                <a:latin typeface="Times New Roman" panose="02020603050405020304" pitchFamily="18" charset="0"/>
+                <a:cs typeface="Times New Roman" panose="02020603050405020304" pitchFamily="18" charset="0"/>
+              </a:rPr>
+              <a:t>phiếu</a:t>
+            </a:r>
+            <a:r>
+              <a:rPr lang="en-US" sz="2000" dirty="0" smtClean="0">
+                <a:latin typeface="Times New Roman" panose="02020603050405020304" pitchFamily="18" charset="0"/>
+                <a:cs typeface="Times New Roman" panose="02020603050405020304" pitchFamily="18" charset="0"/>
+              </a:rPr>
+              <a:t> </a:t>
+            </a:r>
+            <a:r>
+              <a:rPr lang="en-US" sz="2000" dirty="0" err="1" smtClean="0">
+                <a:latin typeface="Times New Roman" panose="02020603050405020304" pitchFamily="18" charset="0"/>
+                <a:cs typeface="Times New Roman" panose="02020603050405020304" pitchFamily="18" charset="0"/>
+              </a:rPr>
+              <a:t>theo</a:t>
+            </a:r>
+            <a:r>
+              <a:rPr lang="en-US" sz="2000" dirty="0">
+                <a:latin typeface="Times New Roman" panose="02020603050405020304" pitchFamily="18" charset="0"/>
+                <a:cs typeface="Times New Roman" panose="02020603050405020304" pitchFamily="18" charset="0"/>
+              </a:rPr>
+              <a:t> </a:t>
+            </a:r>
+            <a:r>
+              <a:rPr lang="en-US" sz="2000" dirty="0" err="1" smtClean="0">
+                <a:latin typeface="Times New Roman" panose="02020603050405020304" pitchFamily="18" charset="0"/>
+                <a:cs typeface="Times New Roman" panose="02020603050405020304" pitchFamily="18" charset="0"/>
+              </a:rPr>
+              <a:t>dõi</a:t>
+            </a:r>
+            <a:r>
+              <a:rPr lang="en-US" sz="2000" dirty="0" smtClean="0">
+                <a:latin typeface="Times New Roman" panose="02020603050405020304" pitchFamily="18" charset="0"/>
+                <a:cs typeface="Times New Roman" panose="02020603050405020304" pitchFamily="18" charset="0"/>
+              </a:rPr>
+              <a:t> </a:t>
+            </a:r>
+            <a:r>
+              <a:rPr lang="en-US" sz="2000" dirty="0" err="1" smtClean="0">
+                <a:latin typeface="Times New Roman" panose="02020603050405020304" pitchFamily="18" charset="0"/>
+                <a:cs typeface="Times New Roman" panose="02020603050405020304" pitchFamily="18" charset="0"/>
+              </a:rPr>
+              <a:t>bán</a:t>
+            </a:r>
+            <a:r>
+              <a:rPr lang="en-US" sz="2000" dirty="0" smtClean="0">
+                <a:latin typeface="Times New Roman" panose="02020603050405020304" pitchFamily="18" charset="0"/>
+                <a:cs typeface="Times New Roman" panose="02020603050405020304" pitchFamily="18" charset="0"/>
+              </a:rPr>
+              <a:t> </a:t>
+            </a:r>
+            <a:r>
+              <a:rPr lang="en-US" sz="2000" dirty="0" err="1" smtClean="0">
+                <a:latin typeface="Times New Roman" panose="02020603050405020304" pitchFamily="18" charset="0"/>
+                <a:cs typeface="Times New Roman" panose="02020603050405020304" pitchFamily="18" charset="0"/>
+              </a:rPr>
+              <a:t>trú</a:t>
+            </a:r>
+            <a:r>
+              <a:rPr lang="en-US" sz="2000" dirty="0" smtClean="0">
+                <a:latin typeface="Times New Roman" panose="02020603050405020304" pitchFamily="18" charset="0"/>
+                <a:cs typeface="Times New Roman" panose="02020603050405020304" pitchFamily="18" charset="0"/>
+              </a:rPr>
+              <a:t> </a:t>
+            </a:r>
+            <a:r>
+              <a:rPr lang="en-US" sz="2000" dirty="0" err="1" smtClean="0">
+                <a:latin typeface="Times New Roman" panose="02020603050405020304" pitchFamily="18" charset="0"/>
+                <a:cs typeface="Times New Roman" panose="02020603050405020304" pitchFamily="18" charset="0"/>
+              </a:rPr>
+              <a:t>học</a:t>
+            </a:r>
+            <a:r>
+              <a:rPr lang="en-US" sz="2000" dirty="0" smtClean="0">
+                <a:latin typeface="Times New Roman" panose="02020603050405020304" pitchFamily="18" charset="0"/>
+                <a:cs typeface="Times New Roman" panose="02020603050405020304" pitchFamily="18" charset="0"/>
+              </a:rPr>
+              <a:t> </a:t>
+            </a:r>
+            <a:r>
+              <a:rPr lang="en-US" sz="2000" dirty="0" err="1" smtClean="0">
+                <a:latin typeface="Times New Roman" panose="02020603050405020304" pitchFamily="18" charset="0"/>
+                <a:cs typeface="Times New Roman" panose="02020603050405020304" pitchFamily="18" charset="0"/>
+              </a:rPr>
+              <a:t>sinh</a:t>
+            </a:r>
+            <a:endParaRPr lang="en-US" sz="2000" dirty="0" smtClean="0">
+              <a:latin typeface="Times New Roman" panose="02020603050405020304" pitchFamily="18" charset="0"/>
+              <a:cs typeface="Times New Roman" panose="02020603050405020304" pitchFamily="18" charset="0"/>
+            </a:endParaRPr>
+          </a:p>
+          <a:p>
+            <a:pPr marL="285750" indent="-285750">
+              <a:buFont typeface="Courier New" panose="02070309020205020404" pitchFamily="49" charset="0"/>
+              <a:buChar char="o"/>
+            </a:pPr>
+            <a:r>
+              <a:rPr lang="en-US" sz="2000" dirty="0" err="1" smtClean="0">
+                <a:latin typeface="Times New Roman" panose="02020603050405020304" pitchFamily="18" charset="0"/>
+                <a:cs typeface="Times New Roman" panose="02020603050405020304" pitchFamily="18" charset="0"/>
+              </a:rPr>
+              <a:t>Xuất</a:t>
+            </a:r>
+            <a:r>
+              <a:rPr lang="en-US" sz="2000" dirty="0" smtClean="0">
+                <a:latin typeface="Times New Roman" panose="02020603050405020304" pitchFamily="18" charset="0"/>
+                <a:cs typeface="Times New Roman" panose="02020603050405020304" pitchFamily="18" charset="0"/>
+              </a:rPr>
+              <a:t> </a:t>
+            </a:r>
+            <a:r>
+              <a:rPr lang="en-US" sz="2000" dirty="0" err="1" smtClean="0">
+                <a:latin typeface="Times New Roman" panose="02020603050405020304" pitchFamily="18" charset="0"/>
+                <a:cs typeface="Times New Roman" panose="02020603050405020304" pitchFamily="18" charset="0"/>
+              </a:rPr>
+              <a:t>ra</a:t>
+            </a:r>
+            <a:r>
+              <a:rPr lang="en-US" sz="2000" dirty="0" smtClean="0">
+                <a:latin typeface="Times New Roman" panose="02020603050405020304" pitchFamily="18" charset="0"/>
+                <a:cs typeface="Times New Roman" panose="02020603050405020304" pitchFamily="18" charset="0"/>
+              </a:rPr>
+              <a:t> </a:t>
+            </a:r>
+            <a:r>
+              <a:rPr lang="en-US" sz="2000" dirty="0" err="1" smtClean="0">
+                <a:latin typeface="Times New Roman" panose="02020603050405020304" pitchFamily="18" charset="0"/>
+                <a:cs typeface="Times New Roman" panose="02020603050405020304" pitchFamily="18" charset="0"/>
+              </a:rPr>
+              <a:t>được</a:t>
+            </a:r>
+            <a:r>
+              <a:rPr lang="en-US" sz="2000" dirty="0" smtClean="0">
+                <a:latin typeface="Times New Roman" panose="02020603050405020304" pitchFamily="18" charset="0"/>
+                <a:cs typeface="Times New Roman" panose="02020603050405020304" pitchFamily="18" charset="0"/>
+              </a:rPr>
+              <a:t> </a:t>
+            </a:r>
+            <a:r>
+              <a:rPr lang="en-US" sz="2000" dirty="0" err="1" smtClean="0">
+                <a:latin typeface="Times New Roman" panose="02020603050405020304" pitchFamily="18" charset="0"/>
+                <a:cs typeface="Times New Roman" panose="02020603050405020304" pitchFamily="18" charset="0"/>
+              </a:rPr>
+              <a:t>học</a:t>
+            </a:r>
+            <a:r>
+              <a:rPr lang="en-US" sz="2000" dirty="0" smtClean="0">
+                <a:latin typeface="Times New Roman" panose="02020603050405020304" pitchFamily="18" charset="0"/>
+                <a:cs typeface="Times New Roman" panose="02020603050405020304" pitchFamily="18" charset="0"/>
+              </a:rPr>
+              <a:t> </a:t>
+            </a:r>
+            <a:r>
+              <a:rPr lang="en-US" sz="2000" dirty="0" err="1" smtClean="0">
+                <a:latin typeface="Times New Roman" panose="02020603050405020304" pitchFamily="18" charset="0"/>
+                <a:cs typeface="Times New Roman" panose="02020603050405020304" pitchFamily="18" charset="0"/>
+              </a:rPr>
+              <a:t>sinh</a:t>
+            </a:r>
+            <a:r>
+              <a:rPr lang="en-US" sz="2000" dirty="0" smtClean="0">
+                <a:latin typeface="Times New Roman" panose="02020603050405020304" pitchFamily="18" charset="0"/>
+                <a:cs typeface="Times New Roman" panose="02020603050405020304" pitchFamily="18" charset="0"/>
+              </a:rPr>
+              <a:t> </a:t>
+            </a:r>
+            <a:r>
+              <a:rPr lang="en-US" sz="2000" dirty="0" err="1" smtClean="0">
+                <a:latin typeface="Times New Roman" panose="02020603050405020304" pitchFamily="18" charset="0"/>
+                <a:cs typeface="Times New Roman" panose="02020603050405020304" pitchFamily="18" charset="0"/>
+              </a:rPr>
+              <a:t>đã</a:t>
+            </a:r>
+            <a:r>
+              <a:rPr lang="en-US" sz="2000" dirty="0" smtClean="0">
+                <a:latin typeface="Times New Roman" panose="02020603050405020304" pitchFamily="18" charset="0"/>
+                <a:cs typeface="Times New Roman" panose="02020603050405020304" pitchFamily="18" charset="0"/>
+              </a:rPr>
+              <a:t> </a:t>
+            </a:r>
+            <a:r>
+              <a:rPr lang="en-US" sz="2000" dirty="0" err="1" smtClean="0">
+                <a:latin typeface="Times New Roman" panose="02020603050405020304" pitchFamily="18" charset="0"/>
+                <a:cs typeface="Times New Roman" panose="02020603050405020304" pitchFamily="18" charset="0"/>
+              </a:rPr>
+              <a:t>nộp</a:t>
+            </a:r>
+            <a:r>
+              <a:rPr lang="en-US" sz="2000" dirty="0" smtClean="0">
+                <a:latin typeface="Times New Roman" panose="02020603050405020304" pitchFamily="18" charset="0"/>
+                <a:cs typeface="Times New Roman" panose="02020603050405020304" pitchFamily="18" charset="0"/>
+              </a:rPr>
+              <a:t> </a:t>
+            </a:r>
+            <a:r>
+              <a:rPr lang="en-US" sz="2000" dirty="0" err="1" smtClean="0">
+                <a:latin typeface="Times New Roman" panose="02020603050405020304" pitchFamily="18" charset="0"/>
+                <a:cs typeface="Times New Roman" panose="02020603050405020304" pitchFamily="18" charset="0"/>
+              </a:rPr>
+              <a:t>học</a:t>
+            </a:r>
+            <a:r>
+              <a:rPr lang="en-US" sz="2000" dirty="0" smtClean="0">
+                <a:latin typeface="Times New Roman" panose="02020603050405020304" pitchFamily="18" charset="0"/>
+                <a:cs typeface="Times New Roman" panose="02020603050405020304" pitchFamily="18" charset="0"/>
+              </a:rPr>
+              <a:t> </a:t>
+            </a:r>
+            <a:r>
+              <a:rPr lang="en-US" sz="2000" dirty="0" err="1" smtClean="0">
+                <a:latin typeface="Times New Roman" panose="02020603050405020304" pitchFamily="18" charset="0"/>
+                <a:cs typeface="Times New Roman" panose="02020603050405020304" pitchFamily="18" charset="0"/>
+              </a:rPr>
+              <a:t>phí</a:t>
+            </a:r>
+            <a:endParaRPr lang="en-US" sz="2000" dirty="0" smtClean="0">
+              <a:latin typeface="Times New Roman" panose="02020603050405020304" pitchFamily="18" charset="0"/>
+              <a:cs typeface="Times New Roman" panose="02020603050405020304" pitchFamily="18" charset="0"/>
+            </a:endParaRPr>
+          </a:p>
+          <a:p>
+            <a:pPr marL="285750" indent="-285750">
+              <a:buFont typeface="Courier New" panose="02070309020205020404" pitchFamily="49" charset="0"/>
+              <a:buChar char="o"/>
+            </a:pPr>
+            <a:r>
+              <a:rPr lang="en-US" sz="2000" dirty="0" err="1" smtClean="0">
+                <a:latin typeface="Times New Roman" panose="02020603050405020304" pitchFamily="18" charset="0"/>
+                <a:cs typeface="Times New Roman" panose="02020603050405020304" pitchFamily="18" charset="0"/>
+              </a:rPr>
+              <a:t>Xuất</a:t>
+            </a:r>
+            <a:r>
+              <a:rPr lang="en-US" sz="2000" dirty="0" smtClean="0">
+                <a:latin typeface="Times New Roman" panose="02020603050405020304" pitchFamily="18" charset="0"/>
+                <a:cs typeface="Times New Roman" panose="02020603050405020304" pitchFamily="18" charset="0"/>
+              </a:rPr>
+              <a:t> </a:t>
+            </a:r>
+            <a:r>
+              <a:rPr lang="en-US" sz="2000" dirty="0" err="1" smtClean="0">
+                <a:latin typeface="Times New Roman" panose="02020603050405020304" pitchFamily="18" charset="0"/>
+                <a:cs typeface="Times New Roman" panose="02020603050405020304" pitchFamily="18" charset="0"/>
+              </a:rPr>
+              <a:t>ra</a:t>
+            </a:r>
+            <a:r>
+              <a:rPr lang="en-US" sz="2000" dirty="0" smtClean="0">
+                <a:latin typeface="Times New Roman" panose="02020603050405020304" pitchFamily="18" charset="0"/>
+                <a:cs typeface="Times New Roman" panose="02020603050405020304" pitchFamily="18" charset="0"/>
+              </a:rPr>
+              <a:t> </a:t>
+            </a:r>
+            <a:r>
+              <a:rPr lang="en-US" sz="2000" dirty="0" err="1" smtClean="0">
+                <a:latin typeface="Times New Roman" panose="02020603050405020304" pitchFamily="18" charset="0"/>
+                <a:cs typeface="Times New Roman" panose="02020603050405020304" pitchFamily="18" charset="0"/>
+              </a:rPr>
+              <a:t>được</a:t>
+            </a:r>
+            <a:r>
+              <a:rPr lang="en-US" sz="2000" dirty="0" smtClean="0">
+                <a:latin typeface="Times New Roman" panose="02020603050405020304" pitchFamily="18" charset="0"/>
+                <a:cs typeface="Times New Roman" panose="02020603050405020304" pitchFamily="18" charset="0"/>
+              </a:rPr>
+              <a:t> </a:t>
+            </a:r>
+            <a:r>
+              <a:rPr lang="en-US" sz="2000" dirty="0" err="1" smtClean="0">
+                <a:latin typeface="Times New Roman" panose="02020603050405020304" pitchFamily="18" charset="0"/>
+                <a:cs typeface="Times New Roman" panose="02020603050405020304" pitchFamily="18" charset="0"/>
+              </a:rPr>
+              <a:t>thống</a:t>
+            </a:r>
+            <a:r>
+              <a:rPr lang="en-US" sz="2000" dirty="0" smtClean="0">
+                <a:latin typeface="Times New Roman" panose="02020603050405020304" pitchFamily="18" charset="0"/>
+                <a:cs typeface="Times New Roman" panose="02020603050405020304" pitchFamily="18" charset="0"/>
+              </a:rPr>
+              <a:t> </a:t>
+            </a:r>
+            <a:r>
+              <a:rPr lang="en-US" sz="2000" dirty="0" err="1" smtClean="0">
+                <a:latin typeface="Times New Roman" panose="02020603050405020304" pitchFamily="18" charset="0"/>
+                <a:cs typeface="Times New Roman" panose="02020603050405020304" pitchFamily="18" charset="0"/>
+              </a:rPr>
+              <a:t>kê</a:t>
+            </a:r>
+            <a:r>
+              <a:rPr lang="en-US" sz="2000" dirty="0" smtClean="0">
+                <a:latin typeface="Times New Roman" panose="02020603050405020304" pitchFamily="18" charset="0"/>
+                <a:cs typeface="Times New Roman" panose="02020603050405020304" pitchFamily="18" charset="0"/>
+              </a:rPr>
+              <a:t> </a:t>
+            </a:r>
+            <a:r>
+              <a:rPr lang="en-US" sz="2000" dirty="0" err="1" smtClean="0">
+                <a:latin typeface="Times New Roman" panose="02020603050405020304" pitchFamily="18" charset="0"/>
+                <a:cs typeface="Times New Roman" panose="02020603050405020304" pitchFamily="18" charset="0"/>
+              </a:rPr>
+              <a:t>danh</a:t>
+            </a:r>
+            <a:r>
+              <a:rPr lang="en-US" sz="2000" dirty="0" smtClean="0">
+                <a:latin typeface="Times New Roman" panose="02020603050405020304" pitchFamily="18" charset="0"/>
+                <a:cs typeface="Times New Roman" panose="02020603050405020304" pitchFamily="18" charset="0"/>
+              </a:rPr>
+              <a:t> </a:t>
+            </a:r>
+            <a:r>
+              <a:rPr lang="en-US" sz="2000" dirty="0" err="1" smtClean="0">
+                <a:latin typeface="Times New Roman" panose="02020603050405020304" pitchFamily="18" charset="0"/>
+                <a:cs typeface="Times New Roman" panose="02020603050405020304" pitchFamily="18" charset="0"/>
+              </a:rPr>
+              <a:t>sách</a:t>
+            </a:r>
+            <a:r>
+              <a:rPr lang="en-US" sz="2000" dirty="0" smtClean="0">
+                <a:latin typeface="Times New Roman" panose="02020603050405020304" pitchFamily="18" charset="0"/>
+                <a:cs typeface="Times New Roman" panose="02020603050405020304" pitchFamily="18" charset="0"/>
+              </a:rPr>
+              <a:t> </a:t>
+            </a:r>
+            <a:r>
+              <a:rPr lang="en-US" sz="2000" dirty="0" err="1" smtClean="0">
+                <a:latin typeface="Times New Roman" panose="02020603050405020304" pitchFamily="18" charset="0"/>
+                <a:cs typeface="Times New Roman" panose="02020603050405020304" pitchFamily="18" charset="0"/>
+              </a:rPr>
+              <a:t>học</a:t>
+            </a:r>
+            <a:r>
+              <a:rPr lang="en-US" sz="2000" dirty="0" smtClean="0">
+                <a:latin typeface="Times New Roman" panose="02020603050405020304" pitchFamily="18" charset="0"/>
+                <a:cs typeface="Times New Roman" panose="02020603050405020304" pitchFamily="18" charset="0"/>
+              </a:rPr>
+              <a:t> </a:t>
+            </a:r>
+            <a:r>
+              <a:rPr lang="en-US" sz="2000" dirty="0" err="1" smtClean="0">
+                <a:latin typeface="Times New Roman" panose="02020603050405020304" pitchFamily="18" charset="0"/>
+                <a:cs typeface="Times New Roman" panose="02020603050405020304" pitchFamily="18" charset="0"/>
+              </a:rPr>
+              <a:t>sinh</a:t>
+            </a:r>
+            <a:r>
+              <a:rPr lang="en-US" sz="2000" dirty="0" smtClean="0">
+                <a:latin typeface="Times New Roman" panose="02020603050405020304" pitchFamily="18" charset="0"/>
+                <a:cs typeface="Times New Roman" panose="02020603050405020304" pitchFamily="18" charset="0"/>
+              </a:rPr>
+              <a:t> </a:t>
+            </a:r>
+            <a:r>
+              <a:rPr lang="en-US" sz="2000" dirty="0" err="1" smtClean="0">
+                <a:latin typeface="Times New Roman" panose="02020603050405020304" pitchFamily="18" charset="0"/>
+                <a:cs typeface="Times New Roman" panose="02020603050405020304" pitchFamily="18" charset="0"/>
+              </a:rPr>
+              <a:t>đã</a:t>
+            </a:r>
+            <a:r>
+              <a:rPr lang="en-US" sz="2000" dirty="0" smtClean="0">
+                <a:latin typeface="Times New Roman" panose="02020603050405020304" pitchFamily="18" charset="0"/>
+                <a:cs typeface="Times New Roman" panose="02020603050405020304" pitchFamily="18" charset="0"/>
+              </a:rPr>
+              <a:t> </a:t>
+            </a:r>
+            <a:r>
+              <a:rPr lang="en-US" sz="2000" dirty="0" err="1" smtClean="0">
+                <a:latin typeface="Times New Roman" panose="02020603050405020304" pitchFamily="18" charset="0"/>
+                <a:cs typeface="Times New Roman" panose="02020603050405020304" pitchFamily="18" charset="0"/>
+              </a:rPr>
+              <a:t>nộp</a:t>
+            </a:r>
+            <a:r>
+              <a:rPr lang="en-US" sz="2000" dirty="0" smtClean="0">
+                <a:latin typeface="Times New Roman" panose="02020603050405020304" pitchFamily="18" charset="0"/>
+                <a:cs typeface="Times New Roman" panose="02020603050405020304" pitchFamily="18" charset="0"/>
+              </a:rPr>
+              <a:t> </a:t>
+            </a:r>
+            <a:r>
+              <a:rPr lang="en-US" sz="2000" dirty="0" err="1" smtClean="0">
+                <a:latin typeface="Times New Roman" panose="02020603050405020304" pitchFamily="18" charset="0"/>
+                <a:cs typeface="Times New Roman" panose="02020603050405020304" pitchFamily="18" charset="0"/>
+              </a:rPr>
+              <a:t>học</a:t>
+            </a:r>
+            <a:r>
+              <a:rPr lang="en-US" sz="2000" dirty="0" smtClean="0">
+                <a:latin typeface="Times New Roman" panose="02020603050405020304" pitchFamily="18" charset="0"/>
+                <a:cs typeface="Times New Roman" panose="02020603050405020304" pitchFamily="18" charset="0"/>
+              </a:rPr>
+              <a:t> </a:t>
+            </a:r>
+            <a:r>
+              <a:rPr lang="en-US" sz="2000" dirty="0" err="1" smtClean="0">
+                <a:latin typeface="Times New Roman" panose="02020603050405020304" pitchFamily="18" charset="0"/>
+                <a:cs typeface="Times New Roman" panose="02020603050405020304" pitchFamily="18" charset="0"/>
+              </a:rPr>
+              <a:t>phí</a:t>
+            </a:r>
+            <a:r>
+              <a:rPr lang="en-US" sz="2000" dirty="0" smtClean="0">
+                <a:latin typeface="Times New Roman" panose="02020603050405020304" pitchFamily="18" charset="0"/>
+                <a:cs typeface="Times New Roman" panose="02020603050405020304" pitchFamily="18" charset="0"/>
+              </a:rPr>
+              <a:t> </a:t>
+            </a:r>
+            <a:r>
+              <a:rPr lang="en-US" sz="2000" dirty="0" err="1" smtClean="0">
+                <a:latin typeface="Times New Roman" panose="02020603050405020304" pitchFamily="18" charset="0"/>
+                <a:cs typeface="Times New Roman" panose="02020603050405020304" pitchFamily="18" charset="0"/>
+              </a:rPr>
+              <a:t>theo</a:t>
+            </a:r>
+            <a:r>
+              <a:rPr lang="en-US" sz="2000" dirty="0" smtClean="0">
+                <a:latin typeface="Times New Roman" panose="02020603050405020304" pitchFamily="18" charset="0"/>
+                <a:cs typeface="Times New Roman" panose="02020603050405020304" pitchFamily="18" charset="0"/>
+              </a:rPr>
+              <a:t> </a:t>
+            </a:r>
+            <a:r>
+              <a:rPr lang="en-US" sz="2000" dirty="0" err="1" smtClean="0">
+                <a:latin typeface="Times New Roman" panose="02020603050405020304" pitchFamily="18" charset="0"/>
+                <a:cs typeface="Times New Roman" panose="02020603050405020304" pitchFamily="18" charset="0"/>
+              </a:rPr>
+              <a:t>lớp</a:t>
+            </a:r>
+            <a:endParaRPr lang="en-US" sz="2000" dirty="0" smtClean="0">
+              <a:latin typeface="Times New Roman" panose="02020603050405020304" pitchFamily="18" charset="0"/>
+              <a:cs typeface="Times New Roman" panose="02020603050405020304" pitchFamily="18" charset="0"/>
+            </a:endParaRPr>
+          </a:p>
+          <a:p>
+            <a:endParaRPr lang="en-US" dirty="0"/>
+          </a:p>
+        </p:txBody>
+      </p:sp>
+    </p:spTree>
+    <p:extLst>
+      <p:ext uri="{BB962C8B-B14F-4D97-AF65-F5344CB8AC3E}">
+        <p14:creationId xmlns:p14="http://schemas.microsoft.com/office/powerpoint/2010/main" val="3082798732"/>
+      </p:ext>
+    </p:extLst>
+  </p:cSld>
+  <p:clrMapOvr>
+    <a:masterClrMapping/>
+  </p:clrMapOvr>
+  <mc:AlternateContent xmlns:mc="http://schemas.openxmlformats.org/markup-compatibility/2006">
+    <mc:Choice xmlns:p14="http://schemas.microsoft.com/office/powerpoint/2010/main" Requires="p14">
+      <p:transition spd="slow" p14:dur="4400">
+        <p14:honeycomb/>
+      </p:transition>
+    </mc:Choice>
+    <mc:Fallback>
+      <p:transition spd="slow">
+        <p:fade/>
+      </p:transition>
+    </mc:Fallback>
+  </mc:AlternateContent>
+  <p:timing>
+    <p:tnLst>
+      <p:par>
+        <p:cTn id="1" dur="indefinite" restart="never" nodeType="tmRoot">
+          <p:childTnLst>
+            <p:seq concurrent="1" nextAc="seek">
+              <p:cTn id="2" dur="indefinite" nodeType="mainSeq">
+                <p:childTnLst>
+                  <p:par>
+                    <p:cTn id="3" fill="hold">
+                      <p:stCondLst>
+                        <p:cond delay="indefinite"/>
+                      </p:stCondLst>
+                      <p:childTnLst>
+                        <p:par>
+                          <p:cTn id="4" fill="hold">
+                            <p:stCondLst>
+                              <p:cond delay="0"/>
+                            </p:stCondLst>
+                            <p:childTnLst>
+                              <p:par>
+                                <p:cTn id="5" presetID="16" presetClass="entr" presetSubtype="21" fill="hold" grpId="0" nodeType="clickEffect">
+                                  <p:stCondLst>
+                                    <p:cond delay="0"/>
+                                  </p:stCondLst>
+                                  <p:childTnLst>
+                                    <p:set>
+                                      <p:cBhvr>
+                                        <p:cTn id="6" dur="1" fill="hold">
+                                          <p:stCondLst>
+                                            <p:cond delay="0"/>
+                                          </p:stCondLst>
+                                        </p:cTn>
+                                        <p:tgtEl>
+                                          <p:spTgt spid="6"/>
+                                        </p:tgtEl>
+                                        <p:attrNameLst>
+                                          <p:attrName>style.visibility</p:attrName>
+                                        </p:attrNameLst>
+                                      </p:cBhvr>
+                                      <p:to>
+                                        <p:strVal val="visible"/>
+                                      </p:to>
+                                    </p:set>
+                                    <p:animEffect transition="in" filter="barn(inVertical)">
+                                      <p:cBhvr>
+                                        <p:cTn id="7" dur="500"/>
+                                        <p:tgtEl>
+                                          <p:spTgt spid="6"/>
+                                        </p:tgtEl>
+                                      </p:cBhvr>
+                                    </p:animEffect>
+                                  </p:childTnLst>
+                                </p:cTn>
+                              </p:par>
+                            </p:childTnLst>
+                          </p:cTn>
+                        </p:par>
+                      </p:childTnLst>
+                    </p:cTn>
+                  </p:par>
+                  <p:par>
+                    <p:cTn id="8" fill="hold">
+                      <p:stCondLst>
+                        <p:cond delay="indefinite"/>
+                      </p:stCondLst>
+                      <p:childTnLst>
+                        <p:par>
+                          <p:cTn id="9" fill="hold">
+                            <p:stCondLst>
+                              <p:cond delay="0"/>
+                            </p:stCondLst>
+                            <p:childTnLst>
+                              <p:par>
+                                <p:cTn id="10" presetID="22" presetClass="entr" presetSubtype="4" fill="hold" grpId="0" nodeType="clickEffect">
+                                  <p:stCondLst>
+                                    <p:cond delay="0"/>
+                                  </p:stCondLst>
+                                  <p:childTnLst>
+                                    <p:set>
+                                      <p:cBhvr>
+                                        <p:cTn id="11" dur="1" fill="hold">
+                                          <p:stCondLst>
+                                            <p:cond delay="0"/>
+                                          </p:stCondLst>
+                                        </p:cTn>
+                                        <p:tgtEl>
+                                          <p:spTgt spid="7"/>
+                                        </p:tgtEl>
+                                        <p:attrNameLst>
+                                          <p:attrName>style.visibility</p:attrName>
+                                        </p:attrNameLst>
+                                      </p:cBhvr>
+                                      <p:to>
+                                        <p:strVal val="visible"/>
+                                      </p:to>
+                                    </p:set>
+                                    <p:animEffect transition="in" filter="wipe(down)">
+                                      <p:cBhvr>
+                                        <p:cTn id="12" dur="500"/>
+                                        <p:tgtEl>
+                                          <p:spTgt spid="7"/>
+                                        </p:tgtEl>
+                                      </p:cBhvr>
+                                    </p:animEffect>
+                                  </p:childTnLst>
+                                </p:cTn>
+                              </p:par>
+                            </p:childTnLst>
+                          </p:cTn>
+                        </p:par>
+                      </p:childTnLst>
+                    </p:cTn>
+                  </p:par>
+                </p:childTnLst>
+              </p:cTn>
+              <p:prevCondLst>
+                <p:cond evt="onPrev" delay="0">
+                  <p:tgtEl>
+                    <p:sldTgt/>
+                  </p:tgtEl>
+                </p:cond>
+              </p:prevCondLst>
+              <p:nextCondLst>
+                <p:cond evt="onNext" delay="0">
+                  <p:tgtEl>
+                    <p:sldTgt/>
+                  </p:tgtEl>
+                </p:cond>
+              </p:nextCondLst>
+            </p:seq>
+          </p:childTnLst>
+        </p:cTn>
+      </p:par>
+    </p:tnLst>
+    <p:bldLst>
+      <p:bldP spid="6" grpId="0"/>
+      <p:bldP spid="7" grpId="0"/>
+    </p:bldLst>
+  </p:timing>
+</p:sld>
+</file>
+
+<file path=ppt/slides/slide8.xml><?xml version="1.0" encoding="utf-8"?>
+<p:sld xmlns:a="http://schemas.openxmlformats.org/drawingml/2006/main" xmlns:r="http://schemas.openxmlformats.org/officeDocument/2006/relationships" xmlns:p="http://schemas.openxmlformats.org/presentationml/2006/main">
+  <p:cSld>
+    <p:spTree>
+      <p:nvGrpSpPr>
+        <p:cNvPr id="1" name=""/>
+        <p:cNvGrpSpPr/>
+        <p:nvPr/>
+      </p:nvGrpSpPr>
+      <p:grpSpPr>
+        <a:xfrm>
+          <a:off x="0" y="0"/>
+          <a:ext cx="0" cy="0"/>
+          <a:chOff x="0" y="0"/>
+          <a:chExt cx="0" cy="0"/>
+        </a:xfrm>
+      </p:grpSpPr>
+      <p:sp>
+        <p:nvSpPr>
+          <p:cNvPr id="4" name="Slide Number Placeholder 3"/>
+          <p:cNvSpPr>
+            <a:spLocks noGrp="1"/>
+          </p:cNvSpPr>
+          <p:nvPr>
+            <p:ph type="sldNum" sz="quarter" idx="12"/>
+          </p:nvPr>
+        </p:nvSpPr>
+        <p:spPr>
+          <a:xfrm>
+            <a:off x="598807" y="6077938"/>
+            <a:ext cx="683339" cy="365125"/>
+          </a:xfrm>
+        </p:spPr>
+        <p:txBody>
+          <a:bodyPr/>
+          <a:lstStyle/>
+          <a:p>
+            <a:fld id="{D57F1E4F-1CFF-5643-939E-217C01CDF565}" type="slidenum">
+              <a:rPr lang="en-US" sz="2800" u="sng" smtClean="0"/>
+              <a:pPr/>
+              <a:t>8</a:t>
+            </a:fld>
+            <a:endParaRPr lang="en-US" sz="2800" u="sng" dirty="0"/>
+          </a:p>
+        </p:txBody>
+      </p:sp>
+      <p:sp>
+        <p:nvSpPr>
+          <p:cNvPr id="5" name="TextBox 4"/>
+          <p:cNvSpPr txBox="1"/>
+          <p:nvPr/>
+        </p:nvSpPr>
+        <p:spPr>
+          <a:xfrm>
+            <a:off x="1207008" y="402336"/>
+            <a:ext cx="4386137" cy="707886"/>
+          </a:xfrm>
+          <a:prstGeom prst="rect">
+            <a:avLst/>
+          </a:prstGeom>
+          <a:noFill/>
+        </p:spPr>
+        <p:txBody>
+          <a:bodyPr wrap="none" rtlCol="0">
+            <a:spAutoFit/>
+          </a:bodyPr>
+          <a:lstStyle/>
+          <a:p>
+            <a:r>
+              <a:rPr lang="en-US" sz="4000" dirty="0" err="1" smtClean="0">
+                <a:latin typeface="Times New Roman" panose="02020603050405020304" pitchFamily="18" charset="0"/>
+                <a:cs typeface="Times New Roman" panose="02020603050405020304" pitchFamily="18" charset="0"/>
+              </a:rPr>
+              <a:t>Nghiệp</a:t>
+            </a:r>
+            <a:r>
+              <a:rPr lang="en-US" sz="4000" dirty="0" smtClean="0">
+                <a:latin typeface="Times New Roman" panose="02020603050405020304" pitchFamily="18" charset="0"/>
+                <a:cs typeface="Times New Roman" panose="02020603050405020304" pitchFamily="18" charset="0"/>
+              </a:rPr>
+              <a:t> </a:t>
+            </a:r>
+            <a:r>
+              <a:rPr lang="en-US" sz="4000" dirty="0" err="1" smtClean="0">
+                <a:latin typeface="Times New Roman" panose="02020603050405020304" pitchFamily="18" charset="0"/>
+                <a:cs typeface="Times New Roman" panose="02020603050405020304" pitchFamily="18" charset="0"/>
+              </a:rPr>
+              <a:t>vụ</a:t>
+            </a:r>
+            <a:r>
+              <a:rPr lang="en-US" sz="4000" dirty="0" smtClean="0">
+                <a:latin typeface="Times New Roman" panose="02020603050405020304" pitchFamily="18" charset="0"/>
+                <a:cs typeface="Times New Roman" panose="02020603050405020304" pitchFamily="18" charset="0"/>
+              </a:rPr>
+              <a:t>: </a:t>
+            </a:r>
+            <a:r>
+              <a:rPr lang="en-US" sz="4000" dirty="0" err="1" smtClean="0">
+                <a:latin typeface="Times New Roman" panose="02020603050405020304" pitchFamily="18" charset="0"/>
+                <a:cs typeface="Times New Roman" panose="02020603050405020304" pitchFamily="18" charset="0"/>
+              </a:rPr>
+              <a:t>Biên</a:t>
+            </a:r>
+            <a:r>
+              <a:rPr lang="en-US" sz="4000" dirty="0" smtClean="0">
+                <a:latin typeface="Times New Roman" panose="02020603050405020304" pitchFamily="18" charset="0"/>
+                <a:cs typeface="Times New Roman" panose="02020603050405020304" pitchFamily="18" charset="0"/>
+              </a:rPr>
+              <a:t> Lai</a:t>
+            </a:r>
+            <a:endParaRPr lang="en-US" sz="4000" dirty="0">
+              <a:latin typeface="Times New Roman" panose="02020603050405020304" pitchFamily="18" charset="0"/>
+              <a:cs typeface="Times New Roman" panose="02020603050405020304" pitchFamily="18" charset="0"/>
+            </a:endParaRPr>
+          </a:p>
+        </p:txBody>
+      </p:sp>
+      <p:pic>
+        <p:nvPicPr>
+          <p:cNvPr id="6" name="Picture 5"/>
+          <p:cNvPicPr>
+            <a:picLocks noChangeAspect="1"/>
+          </p:cNvPicPr>
+          <p:nvPr/>
+        </p:nvPicPr>
+        <p:blipFill>
+          <a:blip r:embed="rId2"/>
+          <a:stretch>
+            <a:fillRect/>
+          </a:stretch>
+        </p:blipFill>
+        <p:spPr>
+          <a:xfrm>
+            <a:off x="2478024" y="1536192"/>
+            <a:ext cx="7159752" cy="4066258"/>
+          </a:xfrm>
+          <a:prstGeom prst="rect">
+            <a:avLst/>
+          </a:prstGeom>
+        </p:spPr>
+      </p:pic>
+      <p:sp>
+        <p:nvSpPr>
+          <p:cNvPr id="7" name="TextBox 6"/>
+          <p:cNvSpPr txBox="1"/>
+          <p:nvPr/>
+        </p:nvSpPr>
+        <p:spPr>
+          <a:xfrm>
+            <a:off x="420624" y="1673352"/>
+            <a:ext cx="1773936" cy="3170099"/>
+          </a:xfrm>
+          <a:prstGeom prst="rect">
+            <a:avLst/>
+          </a:prstGeom>
+          <a:noFill/>
+        </p:spPr>
+        <p:txBody>
+          <a:bodyPr wrap="square" rtlCol="0">
+            <a:spAutoFit/>
+          </a:bodyPr>
+          <a:lstStyle/>
+          <a:p>
+            <a:r>
+              <a:rPr lang="en-US" sz="2000" dirty="0" err="1" smtClean="0">
+                <a:latin typeface="Times New Roman" panose="02020603050405020304" pitchFamily="18" charset="0"/>
+                <a:cs typeface="Times New Roman" panose="02020603050405020304" pitchFamily="18" charset="0"/>
+              </a:rPr>
+              <a:t>Nhiệm</a:t>
+            </a:r>
+            <a:r>
+              <a:rPr lang="en-US" sz="2000" dirty="0" smtClean="0">
+                <a:latin typeface="Times New Roman" panose="02020603050405020304" pitchFamily="18" charset="0"/>
+                <a:cs typeface="Times New Roman" panose="02020603050405020304" pitchFamily="18" charset="0"/>
+              </a:rPr>
+              <a:t> </a:t>
+            </a:r>
+            <a:r>
+              <a:rPr lang="en-US" sz="2000" dirty="0" err="1" smtClean="0">
+                <a:latin typeface="Times New Roman" panose="02020603050405020304" pitchFamily="18" charset="0"/>
+                <a:cs typeface="Times New Roman" panose="02020603050405020304" pitchFamily="18" charset="0"/>
+              </a:rPr>
+              <a:t>vụ</a:t>
+            </a:r>
+            <a:r>
+              <a:rPr lang="en-US" sz="2000" dirty="0" smtClean="0">
+                <a:latin typeface="Times New Roman" panose="02020603050405020304" pitchFamily="18" charset="0"/>
+                <a:cs typeface="Times New Roman" panose="02020603050405020304" pitchFamily="18" charset="0"/>
+              </a:rPr>
+              <a:t>: </a:t>
+            </a:r>
+            <a:r>
+              <a:rPr lang="en-US" sz="2000" dirty="0" err="1" smtClean="0">
+                <a:latin typeface="Times New Roman" panose="02020603050405020304" pitchFamily="18" charset="0"/>
+                <a:cs typeface="Times New Roman" panose="02020603050405020304" pitchFamily="18" charset="0"/>
+              </a:rPr>
+              <a:t>cho</a:t>
+            </a:r>
+            <a:r>
+              <a:rPr lang="en-US" sz="2000" dirty="0" smtClean="0">
+                <a:latin typeface="Times New Roman" panose="02020603050405020304" pitchFamily="18" charset="0"/>
+                <a:cs typeface="Times New Roman" panose="02020603050405020304" pitchFamily="18" charset="0"/>
+              </a:rPr>
+              <a:t> </a:t>
+            </a:r>
+            <a:r>
+              <a:rPr lang="en-US" sz="2000" dirty="0" err="1" smtClean="0">
+                <a:latin typeface="Times New Roman" panose="02020603050405020304" pitchFamily="18" charset="0"/>
+                <a:cs typeface="Times New Roman" panose="02020603050405020304" pitchFamily="18" charset="0"/>
+              </a:rPr>
+              <a:t>phép</a:t>
+            </a:r>
+            <a:r>
+              <a:rPr lang="en-US" sz="2000" dirty="0" smtClean="0">
+                <a:latin typeface="Times New Roman" panose="02020603050405020304" pitchFamily="18" charset="0"/>
+                <a:cs typeface="Times New Roman" panose="02020603050405020304" pitchFamily="18" charset="0"/>
+              </a:rPr>
+              <a:t> </a:t>
+            </a:r>
+            <a:r>
+              <a:rPr lang="en-US" sz="2000" dirty="0" err="1" smtClean="0">
+                <a:latin typeface="Times New Roman" panose="02020603050405020304" pitchFamily="18" charset="0"/>
+                <a:cs typeface="Times New Roman" panose="02020603050405020304" pitchFamily="18" charset="0"/>
+              </a:rPr>
+              <a:t>nhân</a:t>
+            </a:r>
+            <a:r>
+              <a:rPr lang="en-US" sz="2000" dirty="0" smtClean="0">
+                <a:latin typeface="Times New Roman" panose="02020603050405020304" pitchFamily="18" charset="0"/>
+                <a:cs typeface="Times New Roman" panose="02020603050405020304" pitchFamily="18" charset="0"/>
+              </a:rPr>
+              <a:t> </a:t>
+            </a:r>
+            <a:r>
+              <a:rPr lang="en-US" sz="2000" dirty="0" err="1" smtClean="0">
+                <a:latin typeface="Times New Roman" panose="02020603050405020304" pitchFamily="18" charset="0"/>
+                <a:cs typeface="Times New Roman" panose="02020603050405020304" pitchFamily="18" charset="0"/>
+              </a:rPr>
+              <a:t>viên</a:t>
+            </a:r>
+            <a:r>
+              <a:rPr lang="en-US" sz="2000" dirty="0" smtClean="0">
+                <a:latin typeface="Times New Roman" panose="02020603050405020304" pitchFamily="18" charset="0"/>
+                <a:cs typeface="Times New Roman" panose="02020603050405020304" pitchFamily="18" charset="0"/>
+              </a:rPr>
+              <a:t> </a:t>
+            </a:r>
+            <a:r>
+              <a:rPr lang="en-US" sz="2000" dirty="0" err="1" smtClean="0">
+                <a:latin typeface="Times New Roman" panose="02020603050405020304" pitchFamily="18" charset="0"/>
+                <a:cs typeface="Times New Roman" panose="02020603050405020304" pitchFamily="18" charset="0"/>
+              </a:rPr>
+              <a:t>thu</a:t>
+            </a:r>
+            <a:r>
+              <a:rPr lang="en-US" sz="2000" dirty="0" smtClean="0">
+                <a:latin typeface="Times New Roman" panose="02020603050405020304" pitchFamily="18" charset="0"/>
+                <a:cs typeface="Times New Roman" panose="02020603050405020304" pitchFamily="18" charset="0"/>
+              </a:rPr>
+              <a:t> </a:t>
+            </a:r>
+            <a:r>
+              <a:rPr lang="en-US" sz="2000" dirty="0" err="1" smtClean="0">
+                <a:latin typeface="Times New Roman" panose="02020603050405020304" pitchFamily="18" charset="0"/>
+                <a:cs typeface="Times New Roman" panose="02020603050405020304" pitchFamily="18" charset="0"/>
+              </a:rPr>
+              <a:t>ngân</a:t>
+            </a:r>
+            <a:r>
+              <a:rPr lang="en-US" sz="2000" dirty="0" smtClean="0">
+                <a:latin typeface="Times New Roman" panose="02020603050405020304" pitchFamily="18" charset="0"/>
+                <a:cs typeface="Times New Roman" panose="02020603050405020304" pitchFamily="18" charset="0"/>
+              </a:rPr>
+              <a:t> </a:t>
+            </a:r>
+            <a:r>
+              <a:rPr lang="en-US" sz="2000" dirty="0" err="1" smtClean="0">
+                <a:latin typeface="Times New Roman" panose="02020603050405020304" pitchFamily="18" charset="0"/>
+                <a:cs typeface="Times New Roman" panose="02020603050405020304" pitchFamily="18" charset="0"/>
+              </a:rPr>
+              <a:t>có</a:t>
+            </a:r>
+            <a:r>
+              <a:rPr lang="en-US" sz="2000" dirty="0" smtClean="0">
+                <a:latin typeface="Times New Roman" panose="02020603050405020304" pitchFamily="18" charset="0"/>
+                <a:cs typeface="Times New Roman" panose="02020603050405020304" pitchFamily="18" charset="0"/>
+              </a:rPr>
+              <a:t> </a:t>
+            </a:r>
+            <a:r>
+              <a:rPr lang="en-US" sz="2000" dirty="0" err="1" smtClean="0">
+                <a:latin typeface="Times New Roman" panose="02020603050405020304" pitchFamily="18" charset="0"/>
+                <a:cs typeface="Times New Roman" panose="02020603050405020304" pitchFamily="18" charset="0"/>
+              </a:rPr>
+              <a:t>thể</a:t>
+            </a:r>
+            <a:r>
+              <a:rPr lang="en-US" sz="2000" dirty="0" smtClean="0">
+                <a:latin typeface="Times New Roman" panose="02020603050405020304" pitchFamily="18" charset="0"/>
+                <a:cs typeface="Times New Roman" panose="02020603050405020304" pitchFamily="18" charset="0"/>
+              </a:rPr>
+              <a:t> </a:t>
+            </a:r>
+            <a:r>
+              <a:rPr lang="en-US" sz="2000" dirty="0" err="1" smtClean="0">
+                <a:latin typeface="Times New Roman" panose="02020603050405020304" pitchFamily="18" charset="0"/>
+                <a:cs typeface="Times New Roman" panose="02020603050405020304" pitchFamily="18" charset="0"/>
+              </a:rPr>
+              <a:t>nhập</a:t>
+            </a:r>
+            <a:r>
+              <a:rPr lang="en-US" sz="2000" dirty="0" smtClean="0">
+                <a:latin typeface="Times New Roman" panose="02020603050405020304" pitchFamily="18" charset="0"/>
+                <a:cs typeface="Times New Roman" panose="02020603050405020304" pitchFamily="18" charset="0"/>
+              </a:rPr>
+              <a:t> </a:t>
+            </a:r>
+            <a:r>
+              <a:rPr lang="en-US" sz="2000" dirty="0" err="1" smtClean="0">
+                <a:latin typeface="Times New Roman" panose="02020603050405020304" pitchFamily="18" charset="0"/>
+                <a:cs typeface="Times New Roman" panose="02020603050405020304" pitchFamily="18" charset="0"/>
+              </a:rPr>
+              <a:t>mới</a:t>
+            </a:r>
+            <a:r>
+              <a:rPr lang="en-US" sz="2000" dirty="0" smtClean="0">
+                <a:latin typeface="Times New Roman" panose="02020603050405020304" pitchFamily="18" charset="0"/>
+                <a:cs typeface="Times New Roman" panose="02020603050405020304" pitchFamily="18" charset="0"/>
+              </a:rPr>
+              <a:t> </a:t>
+            </a:r>
+            <a:r>
+              <a:rPr lang="en-US" sz="2000" dirty="0" err="1" smtClean="0">
+                <a:latin typeface="Times New Roman" panose="02020603050405020304" pitchFamily="18" charset="0"/>
+                <a:cs typeface="Times New Roman" panose="02020603050405020304" pitchFamily="18" charset="0"/>
+              </a:rPr>
+              <a:t>và</a:t>
+            </a:r>
+            <a:r>
+              <a:rPr lang="en-US" sz="2000" dirty="0" smtClean="0">
+                <a:latin typeface="Times New Roman" panose="02020603050405020304" pitchFamily="18" charset="0"/>
+                <a:cs typeface="Times New Roman" panose="02020603050405020304" pitchFamily="18" charset="0"/>
+              </a:rPr>
+              <a:t> in </a:t>
+            </a:r>
+            <a:r>
+              <a:rPr lang="en-US" sz="2000" dirty="0" err="1" smtClean="0">
+                <a:latin typeface="Times New Roman" panose="02020603050405020304" pitchFamily="18" charset="0"/>
+                <a:cs typeface="Times New Roman" panose="02020603050405020304" pitchFamily="18" charset="0"/>
+              </a:rPr>
+              <a:t>ra</a:t>
+            </a:r>
+            <a:r>
+              <a:rPr lang="en-US" sz="2000" dirty="0" smtClean="0">
+                <a:latin typeface="Times New Roman" panose="02020603050405020304" pitchFamily="18" charset="0"/>
+                <a:cs typeface="Times New Roman" panose="02020603050405020304" pitchFamily="18" charset="0"/>
+              </a:rPr>
+              <a:t> </a:t>
+            </a:r>
+            <a:r>
+              <a:rPr lang="en-US" sz="2000" dirty="0" err="1" smtClean="0">
+                <a:latin typeface="Times New Roman" panose="02020603050405020304" pitchFamily="18" charset="0"/>
+                <a:cs typeface="Times New Roman" panose="02020603050405020304" pitchFamily="18" charset="0"/>
+              </a:rPr>
+              <a:t>biên</a:t>
+            </a:r>
+            <a:r>
+              <a:rPr lang="en-US" sz="2000" dirty="0" smtClean="0">
+                <a:latin typeface="Times New Roman" panose="02020603050405020304" pitchFamily="18" charset="0"/>
+                <a:cs typeface="Times New Roman" panose="02020603050405020304" pitchFamily="18" charset="0"/>
+              </a:rPr>
+              <a:t> </a:t>
+            </a:r>
+            <a:r>
+              <a:rPr lang="en-US" sz="2000" dirty="0" err="1" smtClean="0">
+                <a:latin typeface="Times New Roman" panose="02020603050405020304" pitchFamily="18" charset="0"/>
+                <a:cs typeface="Times New Roman" panose="02020603050405020304" pitchFamily="18" charset="0"/>
+              </a:rPr>
+              <a:t>lai</a:t>
+            </a:r>
+            <a:r>
+              <a:rPr lang="en-US" sz="2000" dirty="0" smtClean="0">
+                <a:latin typeface="Times New Roman" panose="02020603050405020304" pitchFamily="18" charset="0"/>
+                <a:cs typeface="Times New Roman" panose="02020603050405020304" pitchFamily="18" charset="0"/>
+              </a:rPr>
+              <a:t> </a:t>
+            </a:r>
+            <a:r>
+              <a:rPr lang="en-US" sz="2000" dirty="0" err="1" smtClean="0">
+                <a:latin typeface="Times New Roman" panose="02020603050405020304" pitchFamily="18" charset="0"/>
+                <a:cs typeface="Times New Roman" panose="02020603050405020304" pitchFamily="18" charset="0"/>
+              </a:rPr>
+              <a:t>cho</a:t>
+            </a:r>
+            <a:r>
+              <a:rPr lang="en-US" sz="2000" dirty="0" smtClean="0">
+                <a:latin typeface="Times New Roman" panose="02020603050405020304" pitchFamily="18" charset="0"/>
+                <a:cs typeface="Times New Roman" panose="02020603050405020304" pitchFamily="18" charset="0"/>
+              </a:rPr>
+              <a:t> </a:t>
+            </a:r>
+            <a:r>
+              <a:rPr lang="en-US" sz="2000" dirty="0" err="1" smtClean="0">
+                <a:latin typeface="Times New Roman" panose="02020603050405020304" pitchFamily="18" charset="0"/>
+                <a:cs typeface="Times New Roman" panose="02020603050405020304" pitchFamily="18" charset="0"/>
+              </a:rPr>
+              <a:t>học</a:t>
+            </a:r>
+            <a:r>
+              <a:rPr lang="en-US" sz="2000" dirty="0" smtClean="0">
+                <a:latin typeface="Times New Roman" panose="02020603050405020304" pitchFamily="18" charset="0"/>
+                <a:cs typeface="Times New Roman" panose="02020603050405020304" pitchFamily="18" charset="0"/>
+              </a:rPr>
+              <a:t> </a:t>
+            </a:r>
+            <a:r>
+              <a:rPr lang="en-US" sz="2000" dirty="0" err="1" smtClean="0">
+                <a:latin typeface="Times New Roman" panose="02020603050405020304" pitchFamily="18" charset="0"/>
+                <a:cs typeface="Times New Roman" panose="02020603050405020304" pitchFamily="18" charset="0"/>
+              </a:rPr>
+              <a:t>sinh</a:t>
+            </a:r>
+            <a:r>
+              <a:rPr lang="en-US" sz="2000" dirty="0" smtClean="0">
+                <a:latin typeface="Times New Roman" panose="02020603050405020304" pitchFamily="18" charset="0"/>
+                <a:cs typeface="Times New Roman" panose="02020603050405020304" pitchFamily="18" charset="0"/>
+              </a:rPr>
+              <a:t> </a:t>
+            </a:r>
+            <a:r>
+              <a:rPr lang="en-US" sz="2000" dirty="0" err="1" smtClean="0">
+                <a:latin typeface="Times New Roman" panose="02020603050405020304" pitchFamily="18" charset="0"/>
+                <a:cs typeface="Times New Roman" panose="02020603050405020304" pitchFamily="18" charset="0"/>
+              </a:rPr>
+              <a:t>đã</a:t>
+            </a:r>
+            <a:r>
+              <a:rPr lang="en-US" sz="2000" dirty="0" smtClean="0">
+                <a:latin typeface="Times New Roman" panose="02020603050405020304" pitchFamily="18" charset="0"/>
+                <a:cs typeface="Times New Roman" panose="02020603050405020304" pitchFamily="18" charset="0"/>
+              </a:rPr>
+              <a:t> </a:t>
+            </a:r>
+            <a:r>
+              <a:rPr lang="en-US" sz="2000" dirty="0" err="1" smtClean="0">
+                <a:latin typeface="Times New Roman" panose="02020603050405020304" pitchFamily="18" charset="0"/>
+                <a:cs typeface="Times New Roman" panose="02020603050405020304" pitchFamily="18" charset="0"/>
+              </a:rPr>
+              <a:t>đóng</a:t>
+            </a:r>
+            <a:r>
+              <a:rPr lang="en-US" sz="2000" dirty="0" smtClean="0">
+                <a:latin typeface="Times New Roman" panose="02020603050405020304" pitchFamily="18" charset="0"/>
+                <a:cs typeface="Times New Roman" panose="02020603050405020304" pitchFamily="18" charset="0"/>
+              </a:rPr>
+              <a:t> </a:t>
+            </a:r>
+            <a:r>
+              <a:rPr lang="en-US" sz="2000" dirty="0" err="1" smtClean="0">
+                <a:latin typeface="Times New Roman" panose="02020603050405020304" pitchFamily="18" charset="0"/>
+                <a:cs typeface="Times New Roman" panose="02020603050405020304" pitchFamily="18" charset="0"/>
+              </a:rPr>
+              <a:t>học</a:t>
+            </a:r>
+            <a:r>
+              <a:rPr lang="en-US" sz="2000" dirty="0" smtClean="0">
+                <a:latin typeface="Times New Roman" panose="02020603050405020304" pitchFamily="18" charset="0"/>
+                <a:cs typeface="Times New Roman" panose="02020603050405020304" pitchFamily="18" charset="0"/>
+              </a:rPr>
+              <a:t> </a:t>
+            </a:r>
+            <a:r>
+              <a:rPr lang="en-US" sz="2000" dirty="0" err="1" smtClean="0">
+                <a:latin typeface="Times New Roman" panose="02020603050405020304" pitchFamily="18" charset="0"/>
+                <a:cs typeface="Times New Roman" panose="02020603050405020304" pitchFamily="18" charset="0"/>
+              </a:rPr>
+              <a:t>phí</a:t>
+            </a:r>
+            <a:r>
+              <a:rPr lang="en-US" sz="2000" dirty="0" smtClean="0">
+                <a:latin typeface="Times New Roman" panose="02020603050405020304" pitchFamily="18" charset="0"/>
+                <a:cs typeface="Times New Roman" panose="02020603050405020304" pitchFamily="18" charset="0"/>
+              </a:rPr>
+              <a:t>. </a:t>
+            </a:r>
+            <a:r>
+              <a:rPr lang="en-US" sz="2000" dirty="0" err="1" smtClean="0">
+                <a:latin typeface="Times New Roman" panose="02020603050405020304" pitchFamily="18" charset="0"/>
+                <a:cs typeface="Times New Roman" panose="02020603050405020304" pitchFamily="18" charset="0"/>
+              </a:rPr>
+              <a:t>Thống</a:t>
+            </a:r>
+            <a:r>
+              <a:rPr lang="en-US" sz="2000" dirty="0" smtClean="0">
+                <a:latin typeface="Times New Roman" panose="02020603050405020304" pitchFamily="18" charset="0"/>
+                <a:cs typeface="Times New Roman" panose="02020603050405020304" pitchFamily="18" charset="0"/>
+              </a:rPr>
+              <a:t> </a:t>
+            </a:r>
+            <a:r>
+              <a:rPr lang="en-US" sz="2000" dirty="0" err="1" smtClean="0">
+                <a:latin typeface="Times New Roman" panose="02020603050405020304" pitchFamily="18" charset="0"/>
+                <a:cs typeface="Times New Roman" panose="02020603050405020304" pitchFamily="18" charset="0"/>
+              </a:rPr>
+              <a:t>kê</a:t>
+            </a:r>
+            <a:r>
+              <a:rPr lang="en-US" sz="2000" dirty="0" smtClean="0">
+                <a:latin typeface="Times New Roman" panose="02020603050405020304" pitchFamily="18" charset="0"/>
+                <a:cs typeface="Times New Roman" panose="02020603050405020304" pitchFamily="18" charset="0"/>
+              </a:rPr>
+              <a:t> </a:t>
+            </a:r>
+            <a:r>
+              <a:rPr lang="en-US" sz="2000" dirty="0" err="1" smtClean="0">
+                <a:latin typeface="Times New Roman" panose="02020603050405020304" pitchFamily="18" charset="0"/>
+                <a:cs typeface="Times New Roman" panose="02020603050405020304" pitchFamily="18" charset="0"/>
+              </a:rPr>
+              <a:t>danh</a:t>
+            </a:r>
+            <a:r>
+              <a:rPr lang="en-US" sz="2000" dirty="0" smtClean="0">
+                <a:latin typeface="Times New Roman" panose="02020603050405020304" pitchFamily="18" charset="0"/>
+                <a:cs typeface="Times New Roman" panose="02020603050405020304" pitchFamily="18" charset="0"/>
+              </a:rPr>
+              <a:t> </a:t>
+            </a:r>
+            <a:r>
+              <a:rPr lang="en-US" sz="2000" dirty="0" err="1" smtClean="0">
+                <a:latin typeface="Times New Roman" panose="02020603050405020304" pitchFamily="18" charset="0"/>
+                <a:cs typeface="Times New Roman" panose="02020603050405020304" pitchFamily="18" charset="0"/>
+              </a:rPr>
+              <a:t>sách</a:t>
+            </a:r>
+            <a:r>
+              <a:rPr lang="en-US" sz="2000" dirty="0" smtClean="0">
+                <a:latin typeface="Times New Roman" panose="02020603050405020304" pitchFamily="18" charset="0"/>
+                <a:cs typeface="Times New Roman" panose="02020603050405020304" pitchFamily="18" charset="0"/>
+              </a:rPr>
+              <a:t> </a:t>
+            </a:r>
+            <a:r>
+              <a:rPr lang="en-US" sz="2000" dirty="0" err="1" smtClean="0">
+                <a:latin typeface="Times New Roman" panose="02020603050405020304" pitchFamily="18" charset="0"/>
+                <a:cs typeface="Times New Roman" panose="02020603050405020304" pitchFamily="18" charset="0"/>
+              </a:rPr>
+              <a:t>nộp</a:t>
+            </a:r>
+            <a:r>
+              <a:rPr lang="en-US" sz="2000" dirty="0" smtClean="0">
+                <a:latin typeface="Times New Roman" panose="02020603050405020304" pitchFamily="18" charset="0"/>
+                <a:cs typeface="Times New Roman" panose="02020603050405020304" pitchFamily="18" charset="0"/>
+              </a:rPr>
+              <a:t> </a:t>
+            </a:r>
+            <a:r>
+              <a:rPr lang="en-US" sz="2000" dirty="0" err="1" smtClean="0">
+                <a:latin typeface="Times New Roman" panose="02020603050405020304" pitchFamily="18" charset="0"/>
+                <a:cs typeface="Times New Roman" panose="02020603050405020304" pitchFamily="18" charset="0"/>
+              </a:rPr>
+              <a:t>theo</a:t>
+            </a:r>
+            <a:r>
+              <a:rPr lang="en-US" sz="2000" dirty="0" smtClean="0">
+                <a:latin typeface="Times New Roman" panose="02020603050405020304" pitchFamily="18" charset="0"/>
+                <a:cs typeface="Times New Roman" panose="02020603050405020304" pitchFamily="18" charset="0"/>
+              </a:rPr>
+              <a:t> </a:t>
+            </a:r>
+            <a:r>
+              <a:rPr lang="en-US" sz="2000" dirty="0" err="1" smtClean="0">
+                <a:latin typeface="Times New Roman" panose="02020603050405020304" pitchFamily="18" charset="0"/>
+                <a:cs typeface="Times New Roman" panose="02020603050405020304" pitchFamily="18" charset="0"/>
+              </a:rPr>
+              <a:t>lớp</a:t>
+            </a:r>
+            <a:r>
+              <a:rPr lang="en-US" sz="2000" dirty="0" smtClean="0">
+                <a:latin typeface="Times New Roman" panose="02020603050405020304" pitchFamily="18" charset="0"/>
+                <a:cs typeface="Times New Roman" panose="02020603050405020304" pitchFamily="18" charset="0"/>
+              </a:rPr>
+              <a:t>.</a:t>
+            </a:r>
+            <a:endParaRPr lang="en-US" sz="2000" dirty="0">
+              <a:latin typeface="Times New Roman" panose="02020603050405020304" pitchFamily="18" charset="0"/>
+              <a:cs typeface="Times New Roman" panose="02020603050405020304" pitchFamily="18" charset="0"/>
+            </a:endParaRPr>
+          </a:p>
+        </p:txBody>
+      </p:sp>
+    </p:spTree>
+    <p:extLst>
+      <p:ext uri="{BB962C8B-B14F-4D97-AF65-F5344CB8AC3E}">
+        <p14:creationId xmlns:p14="http://schemas.microsoft.com/office/powerpoint/2010/main" val="1069689398"/>
+      </p:ext>
+    </p:extLst>
+  </p:cSld>
+  <p:clrMapOvr>
+    <a:masterClrMapping/>
+  </p:clrMapOvr>
+  <mc:AlternateContent xmlns:mc="http://schemas.openxmlformats.org/markup-compatibility/2006">
+    <mc:Choice xmlns:p14="http://schemas.microsoft.com/office/powerpoint/2010/main" Requires="p14">
+      <p:transition spd="slow" p14:dur="4400">
+        <p14:honeycomb/>
+      </p:transition>
+    </mc:Choice>
+    <mc:Fallback>
+      <p:transition spd="slow">
+        <p:fade/>
+      </p:transition>
+    </mc:Fallback>
+  </mc:AlternateContent>
+  <p:timing>
+    <p:tnLst>
+      <p:par>
+        <p:cTn id="1" dur="indefinite" restart="never" nodeType="tmRoot"/>
+      </p:par>
+    </p:tnLst>
+  </p:timing>
+</p:sld>
+</file>
+
+<file path=ppt/slides/slide9.xml><?xml version="1.0" encoding="utf-8"?>
+<p:sld xmlns:a="http://schemas.openxmlformats.org/drawingml/2006/main" xmlns:r="http://schemas.openxmlformats.org/officeDocument/2006/relationships" xmlns:p="http://schemas.openxmlformats.org/presentationml/2006/main">
+  <p:cSld>
+    <p:spTree>
+      <p:nvGrpSpPr>
+        <p:cNvPr id="1" name=""/>
+        <p:cNvGrpSpPr/>
+        <p:nvPr/>
+      </p:nvGrpSpPr>
+      <p:grpSpPr>
+        <a:xfrm>
+          <a:off x="0" y="0"/>
+          <a:ext cx="0" cy="0"/>
+          <a:chOff x="0" y="0"/>
+          <a:chExt cx="0" cy="0"/>
+        </a:xfrm>
+      </p:grpSpPr>
+      <p:sp>
+        <p:nvSpPr>
+          <p:cNvPr id="4" name="Slide Number Placeholder 3"/>
+          <p:cNvSpPr>
+            <a:spLocks noGrp="1"/>
+          </p:cNvSpPr>
+          <p:nvPr>
+            <p:ph type="sldNum" sz="quarter" idx="12"/>
+          </p:nvPr>
+        </p:nvSpPr>
+        <p:spPr>
+          <a:xfrm>
+            <a:off x="470791" y="6141946"/>
+            <a:ext cx="683339" cy="365125"/>
+          </a:xfrm>
+        </p:spPr>
+        <p:txBody>
+          <a:bodyPr/>
+          <a:lstStyle/>
+          <a:p>
+            <a:fld id="{D57F1E4F-1CFF-5643-939E-217C01CDF565}" type="slidenum">
+              <a:rPr lang="en-US" sz="2800" u="sng" smtClean="0"/>
+              <a:pPr/>
+              <a:t>9</a:t>
+            </a:fld>
+            <a:endParaRPr lang="en-US" sz="2800" u="sng" dirty="0"/>
+          </a:p>
+        </p:txBody>
+      </p:sp>
+      <p:sp>
+        <p:nvSpPr>
+          <p:cNvPr id="5" name="TextBox 4"/>
+          <p:cNvSpPr txBox="1"/>
+          <p:nvPr/>
+        </p:nvSpPr>
+        <p:spPr>
+          <a:xfrm>
+            <a:off x="1154130" y="320040"/>
+            <a:ext cx="5944576" cy="707886"/>
+          </a:xfrm>
+          <a:prstGeom prst="rect">
+            <a:avLst/>
+          </a:prstGeom>
+          <a:noFill/>
+        </p:spPr>
+        <p:txBody>
+          <a:bodyPr wrap="none" rtlCol="0">
+            <a:spAutoFit/>
+          </a:bodyPr>
+          <a:lstStyle/>
+          <a:p>
+            <a:r>
+              <a:rPr lang="en-US" sz="4000" dirty="0" err="1" smtClean="0">
+                <a:latin typeface="Times New Roman" panose="02020603050405020304" pitchFamily="18" charset="0"/>
+                <a:cs typeface="Times New Roman" panose="02020603050405020304" pitchFamily="18" charset="0"/>
+              </a:rPr>
+              <a:t>Nghiệp</a:t>
+            </a:r>
+            <a:r>
+              <a:rPr lang="en-US" sz="4000" dirty="0" smtClean="0">
+                <a:latin typeface="Times New Roman" panose="02020603050405020304" pitchFamily="18" charset="0"/>
+                <a:cs typeface="Times New Roman" panose="02020603050405020304" pitchFamily="18" charset="0"/>
+              </a:rPr>
+              <a:t> </a:t>
+            </a:r>
+            <a:r>
+              <a:rPr lang="en-US" sz="4000" dirty="0" err="1" smtClean="0">
+                <a:latin typeface="Times New Roman" panose="02020603050405020304" pitchFamily="18" charset="0"/>
+                <a:cs typeface="Times New Roman" panose="02020603050405020304" pitchFamily="18" charset="0"/>
+              </a:rPr>
+              <a:t>vụ</a:t>
+            </a:r>
+            <a:r>
+              <a:rPr lang="en-US" sz="4000" dirty="0" smtClean="0">
+                <a:latin typeface="Times New Roman" panose="02020603050405020304" pitchFamily="18" charset="0"/>
+                <a:cs typeface="Times New Roman" panose="02020603050405020304" pitchFamily="18" charset="0"/>
+              </a:rPr>
+              <a:t>: Theo </a:t>
+            </a:r>
+            <a:r>
+              <a:rPr lang="en-US" sz="4000" dirty="0" err="1" smtClean="0">
+                <a:latin typeface="Times New Roman" panose="02020603050405020304" pitchFamily="18" charset="0"/>
+                <a:cs typeface="Times New Roman" panose="02020603050405020304" pitchFamily="18" charset="0"/>
+              </a:rPr>
+              <a:t>dõi</a:t>
+            </a:r>
+            <a:r>
+              <a:rPr lang="en-US" sz="4000" dirty="0" smtClean="0">
+                <a:latin typeface="Times New Roman" panose="02020603050405020304" pitchFamily="18" charset="0"/>
+                <a:cs typeface="Times New Roman" panose="02020603050405020304" pitchFamily="18" charset="0"/>
+              </a:rPr>
+              <a:t> </a:t>
+            </a:r>
+            <a:r>
+              <a:rPr lang="en-US" sz="4000" dirty="0" err="1" smtClean="0">
+                <a:latin typeface="Times New Roman" panose="02020603050405020304" pitchFamily="18" charset="0"/>
+                <a:cs typeface="Times New Roman" panose="02020603050405020304" pitchFamily="18" charset="0"/>
+              </a:rPr>
+              <a:t>lịch</a:t>
+            </a:r>
+            <a:r>
+              <a:rPr lang="en-US" sz="4000" dirty="0" smtClean="0">
+                <a:latin typeface="Times New Roman" panose="02020603050405020304" pitchFamily="18" charset="0"/>
+                <a:cs typeface="Times New Roman" panose="02020603050405020304" pitchFamily="18" charset="0"/>
+              </a:rPr>
+              <a:t> </a:t>
+            </a:r>
+            <a:r>
+              <a:rPr lang="en-US" sz="4000" dirty="0" err="1" smtClean="0">
+                <a:latin typeface="Times New Roman" panose="02020603050405020304" pitchFamily="18" charset="0"/>
+                <a:cs typeface="Times New Roman" panose="02020603050405020304" pitchFamily="18" charset="0"/>
+              </a:rPr>
+              <a:t>ăn</a:t>
+            </a:r>
+            <a:endParaRPr lang="en-US" sz="4000" dirty="0">
+              <a:latin typeface="Times New Roman" panose="02020603050405020304" pitchFamily="18" charset="0"/>
+              <a:cs typeface="Times New Roman" panose="02020603050405020304" pitchFamily="18" charset="0"/>
+            </a:endParaRPr>
+          </a:p>
+        </p:txBody>
+      </p:sp>
+      <p:pic>
+        <p:nvPicPr>
+          <p:cNvPr id="6" name="Picture 5"/>
+          <p:cNvPicPr>
+            <a:picLocks noChangeAspect="1"/>
+          </p:cNvPicPr>
+          <p:nvPr/>
+        </p:nvPicPr>
+        <p:blipFill>
+          <a:blip r:embed="rId2"/>
+          <a:stretch>
+            <a:fillRect/>
+          </a:stretch>
+        </p:blipFill>
+        <p:spPr>
+          <a:xfrm>
+            <a:off x="3607117" y="1238631"/>
+            <a:ext cx="5800725" cy="4819650"/>
+          </a:xfrm>
+          <a:prstGeom prst="rect">
+            <a:avLst/>
+          </a:prstGeom>
+        </p:spPr>
+      </p:pic>
+      <p:sp>
+        <p:nvSpPr>
+          <p:cNvPr id="7" name="TextBox 6"/>
+          <p:cNvSpPr txBox="1"/>
+          <p:nvPr/>
+        </p:nvSpPr>
+        <p:spPr>
+          <a:xfrm>
+            <a:off x="470791" y="1645920"/>
+            <a:ext cx="1824353" cy="2862322"/>
+          </a:xfrm>
+          <a:prstGeom prst="rect">
+            <a:avLst/>
+          </a:prstGeom>
+          <a:noFill/>
+        </p:spPr>
+        <p:txBody>
+          <a:bodyPr wrap="square" rtlCol="0">
+            <a:spAutoFit/>
+          </a:bodyPr>
+          <a:lstStyle/>
+          <a:p>
+            <a:r>
+              <a:rPr lang="en-US" sz="2000" dirty="0" err="1" smtClean="0">
+                <a:latin typeface="Times New Roman" panose="02020603050405020304" pitchFamily="18" charset="0"/>
+                <a:cs typeface="Times New Roman" panose="02020603050405020304" pitchFamily="18" charset="0"/>
+              </a:rPr>
+              <a:t>Nhiệm</a:t>
+            </a:r>
+            <a:r>
+              <a:rPr lang="en-US" sz="2000" dirty="0" smtClean="0">
+                <a:latin typeface="Times New Roman" panose="02020603050405020304" pitchFamily="18" charset="0"/>
+                <a:cs typeface="Times New Roman" panose="02020603050405020304" pitchFamily="18" charset="0"/>
+              </a:rPr>
+              <a:t> </a:t>
+            </a:r>
+            <a:r>
+              <a:rPr lang="en-US" sz="2000" dirty="0" err="1" smtClean="0">
+                <a:latin typeface="Times New Roman" panose="02020603050405020304" pitchFamily="18" charset="0"/>
+                <a:cs typeface="Times New Roman" panose="02020603050405020304" pitchFamily="18" charset="0"/>
+              </a:rPr>
+              <a:t>vụ</a:t>
+            </a:r>
+            <a:r>
+              <a:rPr lang="en-US" sz="2000" dirty="0" smtClean="0">
+                <a:latin typeface="Times New Roman" panose="02020603050405020304" pitchFamily="18" charset="0"/>
+                <a:cs typeface="Times New Roman" panose="02020603050405020304" pitchFamily="18" charset="0"/>
+              </a:rPr>
+              <a:t>: </a:t>
+            </a:r>
+            <a:r>
+              <a:rPr lang="en-US" sz="2000" dirty="0" err="1" smtClean="0">
+                <a:latin typeface="Times New Roman" panose="02020603050405020304" pitchFamily="18" charset="0"/>
+                <a:cs typeface="Times New Roman" panose="02020603050405020304" pitchFamily="18" charset="0"/>
+              </a:rPr>
+              <a:t>giúp</a:t>
+            </a:r>
+            <a:r>
+              <a:rPr lang="en-US" sz="2000" dirty="0" smtClean="0">
+                <a:latin typeface="Times New Roman" panose="02020603050405020304" pitchFamily="18" charset="0"/>
+                <a:cs typeface="Times New Roman" panose="02020603050405020304" pitchFamily="18" charset="0"/>
+              </a:rPr>
+              <a:t> </a:t>
+            </a:r>
+            <a:r>
+              <a:rPr lang="en-US" sz="2000" dirty="0" err="1" smtClean="0">
+                <a:latin typeface="Times New Roman" panose="02020603050405020304" pitchFamily="18" charset="0"/>
+                <a:cs typeface="Times New Roman" panose="02020603050405020304" pitchFamily="18" charset="0"/>
+              </a:rPr>
+              <a:t>giáo</a:t>
+            </a:r>
+            <a:r>
+              <a:rPr lang="en-US" sz="2000" dirty="0" smtClean="0">
+                <a:latin typeface="Times New Roman" panose="02020603050405020304" pitchFamily="18" charset="0"/>
+                <a:cs typeface="Times New Roman" panose="02020603050405020304" pitchFamily="18" charset="0"/>
+              </a:rPr>
+              <a:t> </a:t>
+            </a:r>
+            <a:r>
+              <a:rPr lang="en-US" sz="2000" dirty="0" err="1" smtClean="0">
+                <a:latin typeface="Times New Roman" panose="02020603050405020304" pitchFamily="18" charset="0"/>
+                <a:cs typeface="Times New Roman" panose="02020603050405020304" pitchFamily="18" charset="0"/>
+              </a:rPr>
+              <a:t>viên</a:t>
+            </a:r>
+            <a:r>
+              <a:rPr lang="en-US" sz="2000" dirty="0" smtClean="0">
+                <a:latin typeface="Times New Roman" panose="02020603050405020304" pitchFamily="18" charset="0"/>
+                <a:cs typeface="Times New Roman" panose="02020603050405020304" pitchFamily="18" charset="0"/>
+              </a:rPr>
+              <a:t> </a:t>
+            </a:r>
+            <a:r>
+              <a:rPr lang="en-US" sz="2000" dirty="0" err="1" smtClean="0">
+                <a:latin typeface="Times New Roman" panose="02020603050405020304" pitchFamily="18" charset="0"/>
+                <a:cs typeface="Times New Roman" panose="02020603050405020304" pitchFamily="18" charset="0"/>
+              </a:rPr>
+              <a:t>phụ</a:t>
+            </a:r>
+            <a:r>
+              <a:rPr lang="en-US" sz="2000" dirty="0" smtClean="0">
+                <a:latin typeface="Times New Roman" panose="02020603050405020304" pitchFamily="18" charset="0"/>
+                <a:cs typeface="Times New Roman" panose="02020603050405020304" pitchFamily="18" charset="0"/>
+              </a:rPr>
+              <a:t> </a:t>
+            </a:r>
+            <a:r>
+              <a:rPr lang="en-US" sz="2000" dirty="0" err="1" smtClean="0">
+                <a:latin typeface="Times New Roman" panose="02020603050405020304" pitchFamily="18" charset="0"/>
+                <a:cs typeface="Times New Roman" panose="02020603050405020304" pitchFamily="18" charset="0"/>
+              </a:rPr>
+              <a:t>trách</a:t>
+            </a:r>
+            <a:r>
+              <a:rPr lang="en-US" sz="2000" dirty="0" smtClean="0">
+                <a:latin typeface="Times New Roman" panose="02020603050405020304" pitchFamily="18" charset="0"/>
+                <a:cs typeface="Times New Roman" panose="02020603050405020304" pitchFamily="18" charset="0"/>
+              </a:rPr>
+              <a:t> </a:t>
+            </a:r>
+            <a:r>
+              <a:rPr lang="en-US" sz="2000" dirty="0" err="1" smtClean="0">
+                <a:latin typeface="Times New Roman" panose="02020603050405020304" pitchFamily="18" charset="0"/>
+                <a:cs typeface="Times New Roman" panose="02020603050405020304" pitchFamily="18" charset="0"/>
+              </a:rPr>
+              <a:t>có</a:t>
+            </a:r>
+            <a:r>
+              <a:rPr lang="en-US" sz="2000" dirty="0" smtClean="0">
+                <a:latin typeface="Times New Roman" panose="02020603050405020304" pitchFamily="18" charset="0"/>
+                <a:cs typeface="Times New Roman" panose="02020603050405020304" pitchFamily="18" charset="0"/>
+              </a:rPr>
+              <a:t> </a:t>
+            </a:r>
+            <a:r>
+              <a:rPr lang="en-US" sz="2000" dirty="0" err="1" smtClean="0">
+                <a:latin typeface="Times New Roman" panose="02020603050405020304" pitchFamily="18" charset="0"/>
+                <a:cs typeface="Times New Roman" panose="02020603050405020304" pitchFamily="18" charset="0"/>
+              </a:rPr>
+              <a:t>thể</a:t>
+            </a:r>
+            <a:r>
+              <a:rPr lang="en-US" sz="2000" dirty="0" smtClean="0">
+                <a:latin typeface="Times New Roman" panose="02020603050405020304" pitchFamily="18" charset="0"/>
+                <a:cs typeface="Times New Roman" panose="02020603050405020304" pitchFamily="18" charset="0"/>
+              </a:rPr>
+              <a:t> </a:t>
+            </a:r>
+            <a:r>
+              <a:rPr lang="en-US" sz="2000" dirty="0" err="1" smtClean="0">
+                <a:latin typeface="Times New Roman" panose="02020603050405020304" pitchFamily="18" charset="0"/>
+                <a:cs typeface="Times New Roman" panose="02020603050405020304" pitchFamily="18" charset="0"/>
+              </a:rPr>
+              <a:t>thêm</a:t>
+            </a:r>
+            <a:r>
+              <a:rPr lang="en-US" sz="2000" dirty="0" smtClean="0">
+                <a:latin typeface="Times New Roman" panose="02020603050405020304" pitchFamily="18" charset="0"/>
+                <a:cs typeface="Times New Roman" panose="02020603050405020304" pitchFamily="18" charset="0"/>
+              </a:rPr>
+              <a:t> </a:t>
+            </a:r>
+            <a:r>
+              <a:rPr lang="en-US" sz="2000" dirty="0" err="1" smtClean="0">
+                <a:latin typeface="Times New Roman" panose="02020603050405020304" pitchFamily="18" charset="0"/>
+                <a:cs typeface="Times New Roman" panose="02020603050405020304" pitchFamily="18" charset="0"/>
+              </a:rPr>
+              <a:t>và</a:t>
+            </a:r>
+            <a:r>
+              <a:rPr lang="en-US" sz="2000" dirty="0" smtClean="0">
+                <a:latin typeface="Times New Roman" panose="02020603050405020304" pitchFamily="18" charset="0"/>
+                <a:cs typeface="Times New Roman" panose="02020603050405020304" pitchFamily="18" charset="0"/>
+              </a:rPr>
+              <a:t> </a:t>
+            </a:r>
+            <a:r>
+              <a:rPr lang="en-US" sz="2000" dirty="0" err="1" smtClean="0">
+                <a:latin typeface="Times New Roman" panose="02020603050405020304" pitchFamily="18" charset="0"/>
+                <a:cs typeface="Times New Roman" panose="02020603050405020304" pitchFamily="18" charset="0"/>
+              </a:rPr>
+              <a:t>cập</a:t>
+            </a:r>
+            <a:r>
+              <a:rPr lang="en-US" sz="2000" dirty="0" smtClean="0">
+                <a:latin typeface="Times New Roman" panose="02020603050405020304" pitchFamily="18" charset="0"/>
+                <a:cs typeface="Times New Roman" panose="02020603050405020304" pitchFamily="18" charset="0"/>
+              </a:rPr>
+              <a:t> </a:t>
+            </a:r>
+            <a:r>
+              <a:rPr lang="en-US" sz="2000" dirty="0" err="1" smtClean="0">
+                <a:latin typeface="Times New Roman" panose="02020603050405020304" pitchFamily="18" charset="0"/>
+                <a:cs typeface="Times New Roman" panose="02020603050405020304" pitchFamily="18" charset="0"/>
+              </a:rPr>
+              <a:t>nhật</a:t>
+            </a:r>
+            <a:r>
+              <a:rPr lang="en-US" sz="2000" dirty="0" smtClean="0">
+                <a:latin typeface="Times New Roman" panose="02020603050405020304" pitchFamily="18" charset="0"/>
+                <a:cs typeface="Times New Roman" panose="02020603050405020304" pitchFamily="18" charset="0"/>
+              </a:rPr>
+              <a:t> </a:t>
+            </a:r>
+            <a:r>
+              <a:rPr lang="en-US" sz="2000" dirty="0" err="1" smtClean="0">
+                <a:latin typeface="Times New Roman" panose="02020603050405020304" pitchFamily="18" charset="0"/>
+                <a:cs typeface="Times New Roman" panose="02020603050405020304" pitchFamily="18" charset="0"/>
+              </a:rPr>
+              <a:t>tình</a:t>
+            </a:r>
+            <a:r>
+              <a:rPr lang="en-US" sz="2000" dirty="0" smtClean="0">
+                <a:latin typeface="Times New Roman" panose="02020603050405020304" pitchFamily="18" charset="0"/>
+                <a:cs typeface="Times New Roman" panose="02020603050405020304" pitchFamily="18" charset="0"/>
+              </a:rPr>
+              <a:t> </a:t>
+            </a:r>
+            <a:r>
+              <a:rPr lang="en-US" sz="2000" dirty="0" err="1" smtClean="0">
+                <a:latin typeface="Times New Roman" panose="02020603050405020304" pitchFamily="18" charset="0"/>
+                <a:cs typeface="Times New Roman" panose="02020603050405020304" pitchFamily="18" charset="0"/>
+              </a:rPr>
+              <a:t>trạng</a:t>
+            </a:r>
+            <a:r>
+              <a:rPr lang="en-US" sz="2000" dirty="0" smtClean="0">
+                <a:latin typeface="Times New Roman" panose="02020603050405020304" pitchFamily="18" charset="0"/>
+                <a:cs typeface="Times New Roman" panose="02020603050405020304" pitchFamily="18" charset="0"/>
+              </a:rPr>
+              <a:t> </a:t>
+            </a:r>
+            <a:r>
+              <a:rPr lang="en-US" sz="2000" dirty="0" err="1" smtClean="0">
+                <a:latin typeface="Times New Roman" panose="02020603050405020304" pitchFamily="18" charset="0"/>
+                <a:cs typeface="Times New Roman" panose="02020603050405020304" pitchFamily="18" charset="0"/>
+              </a:rPr>
+              <a:t>bán</a:t>
+            </a:r>
+            <a:r>
+              <a:rPr lang="en-US" sz="2000" dirty="0" smtClean="0">
+                <a:latin typeface="Times New Roman" panose="02020603050405020304" pitchFamily="18" charset="0"/>
+                <a:cs typeface="Times New Roman" panose="02020603050405020304" pitchFamily="18" charset="0"/>
+              </a:rPr>
+              <a:t> </a:t>
+            </a:r>
+            <a:r>
+              <a:rPr lang="en-US" sz="2000" dirty="0" err="1" smtClean="0">
+                <a:latin typeface="Times New Roman" panose="02020603050405020304" pitchFamily="18" charset="0"/>
+                <a:cs typeface="Times New Roman" panose="02020603050405020304" pitchFamily="18" charset="0"/>
+              </a:rPr>
+              <a:t>trú</a:t>
+            </a:r>
+            <a:r>
+              <a:rPr lang="en-US" sz="2000" dirty="0" smtClean="0">
+                <a:latin typeface="Times New Roman" panose="02020603050405020304" pitchFamily="18" charset="0"/>
+                <a:cs typeface="Times New Roman" panose="02020603050405020304" pitchFamily="18" charset="0"/>
+              </a:rPr>
+              <a:t> </a:t>
+            </a:r>
+            <a:r>
+              <a:rPr lang="en-US" sz="2000" dirty="0" err="1" smtClean="0">
+                <a:latin typeface="Times New Roman" panose="02020603050405020304" pitchFamily="18" charset="0"/>
+                <a:cs typeface="Times New Roman" panose="02020603050405020304" pitchFamily="18" charset="0"/>
+              </a:rPr>
+              <a:t>của</a:t>
+            </a:r>
+            <a:r>
+              <a:rPr lang="en-US" sz="2000" dirty="0" smtClean="0">
+                <a:latin typeface="Times New Roman" panose="02020603050405020304" pitchFamily="18" charset="0"/>
+                <a:cs typeface="Times New Roman" panose="02020603050405020304" pitchFamily="18" charset="0"/>
+              </a:rPr>
+              <a:t> </a:t>
+            </a:r>
+            <a:r>
+              <a:rPr lang="en-US" sz="2000" dirty="0" err="1" smtClean="0">
+                <a:latin typeface="Times New Roman" panose="02020603050405020304" pitchFamily="18" charset="0"/>
+                <a:cs typeface="Times New Roman" panose="02020603050405020304" pitchFamily="18" charset="0"/>
+              </a:rPr>
+              <a:t>học</a:t>
+            </a:r>
+            <a:r>
+              <a:rPr lang="en-US" sz="2000" dirty="0" smtClean="0">
+                <a:latin typeface="Times New Roman" panose="02020603050405020304" pitchFamily="18" charset="0"/>
+                <a:cs typeface="Times New Roman" panose="02020603050405020304" pitchFamily="18" charset="0"/>
+              </a:rPr>
+              <a:t> </a:t>
+            </a:r>
+            <a:r>
+              <a:rPr lang="en-US" sz="2000" dirty="0" err="1" smtClean="0">
+                <a:latin typeface="Times New Roman" panose="02020603050405020304" pitchFamily="18" charset="0"/>
+                <a:cs typeface="Times New Roman" panose="02020603050405020304" pitchFamily="18" charset="0"/>
+              </a:rPr>
+              <a:t>sinh</a:t>
+            </a:r>
+            <a:r>
+              <a:rPr lang="en-US" sz="2000" dirty="0" smtClean="0">
+                <a:latin typeface="Times New Roman" panose="02020603050405020304" pitchFamily="18" charset="0"/>
+                <a:cs typeface="Times New Roman" panose="02020603050405020304" pitchFamily="18" charset="0"/>
+              </a:rPr>
+              <a:t> </a:t>
+            </a:r>
+            <a:r>
+              <a:rPr lang="en-US" sz="2000" dirty="0" err="1" smtClean="0">
+                <a:latin typeface="Times New Roman" panose="02020603050405020304" pitchFamily="18" charset="0"/>
+                <a:cs typeface="Times New Roman" panose="02020603050405020304" pitchFamily="18" charset="0"/>
+              </a:rPr>
+              <a:t>phục</a:t>
+            </a:r>
+            <a:r>
+              <a:rPr lang="en-US" sz="2000" dirty="0" smtClean="0">
+                <a:latin typeface="Times New Roman" panose="02020603050405020304" pitchFamily="18" charset="0"/>
+                <a:cs typeface="Times New Roman" panose="02020603050405020304" pitchFamily="18" charset="0"/>
+              </a:rPr>
+              <a:t> </a:t>
+            </a:r>
+            <a:r>
+              <a:rPr lang="en-US" sz="2000" dirty="0" err="1" smtClean="0">
+                <a:latin typeface="Times New Roman" panose="02020603050405020304" pitchFamily="18" charset="0"/>
+                <a:cs typeface="Times New Roman" panose="02020603050405020304" pitchFamily="18" charset="0"/>
+              </a:rPr>
+              <a:t>vụ</a:t>
+            </a:r>
+            <a:r>
+              <a:rPr lang="en-US" sz="2000" dirty="0" smtClean="0">
+                <a:latin typeface="Times New Roman" panose="02020603050405020304" pitchFamily="18" charset="0"/>
+                <a:cs typeface="Times New Roman" panose="02020603050405020304" pitchFamily="18" charset="0"/>
+              </a:rPr>
+              <a:t> </a:t>
+            </a:r>
+            <a:r>
+              <a:rPr lang="en-US" sz="2000" dirty="0" err="1" smtClean="0">
+                <a:latin typeface="Times New Roman" panose="02020603050405020304" pitchFamily="18" charset="0"/>
+                <a:cs typeface="Times New Roman" panose="02020603050405020304" pitchFamily="18" charset="0"/>
+              </a:rPr>
+              <a:t>cho</a:t>
+            </a:r>
+            <a:r>
+              <a:rPr lang="en-US" sz="2000" dirty="0" smtClean="0">
+                <a:latin typeface="Times New Roman" panose="02020603050405020304" pitchFamily="18" charset="0"/>
+                <a:cs typeface="Times New Roman" panose="02020603050405020304" pitchFamily="18" charset="0"/>
+              </a:rPr>
+              <a:t> </a:t>
+            </a:r>
+            <a:r>
+              <a:rPr lang="en-US" sz="2000" dirty="0" err="1" smtClean="0">
+                <a:latin typeface="Times New Roman" panose="02020603050405020304" pitchFamily="18" charset="0"/>
+                <a:cs typeface="Times New Roman" panose="02020603050405020304" pitchFamily="18" charset="0"/>
+              </a:rPr>
+              <a:t>việc</a:t>
+            </a:r>
+            <a:r>
+              <a:rPr lang="en-US" sz="2000" dirty="0" smtClean="0">
+                <a:latin typeface="Times New Roman" panose="02020603050405020304" pitchFamily="18" charset="0"/>
+                <a:cs typeface="Times New Roman" panose="02020603050405020304" pitchFamily="18" charset="0"/>
+              </a:rPr>
+              <a:t> </a:t>
+            </a:r>
+            <a:r>
+              <a:rPr lang="en-US" sz="2000" dirty="0" err="1" smtClean="0">
+                <a:latin typeface="Times New Roman" panose="02020603050405020304" pitchFamily="18" charset="0"/>
+                <a:cs typeface="Times New Roman" panose="02020603050405020304" pitchFamily="18" charset="0"/>
+              </a:rPr>
+              <a:t>thu</a:t>
+            </a:r>
+            <a:r>
+              <a:rPr lang="en-US" sz="2000" dirty="0" smtClean="0">
+                <a:latin typeface="Times New Roman" panose="02020603050405020304" pitchFamily="18" charset="0"/>
+                <a:cs typeface="Times New Roman" panose="02020603050405020304" pitchFamily="18" charset="0"/>
+              </a:rPr>
+              <a:t> </a:t>
+            </a:r>
+            <a:r>
+              <a:rPr lang="en-US" sz="2000" dirty="0" err="1" smtClean="0">
+                <a:latin typeface="Times New Roman" panose="02020603050405020304" pitchFamily="18" charset="0"/>
+                <a:cs typeface="Times New Roman" panose="02020603050405020304" pitchFamily="18" charset="0"/>
+              </a:rPr>
+              <a:t>học</a:t>
+            </a:r>
+            <a:r>
+              <a:rPr lang="en-US" sz="2000" dirty="0" smtClean="0">
+                <a:latin typeface="Times New Roman" panose="02020603050405020304" pitchFamily="18" charset="0"/>
+                <a:cs typeface="Times New Roman" panose="02020603050405020304" pitchFamily="18" charset="0"/>
+              </a:rPr>
+              <a:t> </a:t>
+            </a:r>
+            <a:r>
+              <a:rPr lang="en-US" sz="2000" dirty="0" err="1" smtClean="0">
+                <a:latin typeface="Times New Roman" panose="02020603050405020304" pitchFamily="18" charset="0"/>
+                <a:cs typeface="Times New Roman" panose="02020603050405020304" pitchFamily="18" charset="0"/>
+              </a:rPr>
+              <a:t>phí</a:t>
+            </a:r>
+            <a:r>
+              <a:rPr lang="en-US" sz="2000" dirty="0" smtClean="0">
+                <a:latin typeface="Times New Roman" panose="02020603050405020304" pitchFamily="18" charset="0"/>
+                <a:cs typeface="Times New Roman" panose="02020603050405020304" pitchFamily="18" charset="0"/>
+              </a:rPr>
+              <a:t>.</a:t>
+            </a:r>
+            <a:endParaRPr lang="en-US" sz="2000" dirty="0">
+              <a:latin typeface="Times New Roman" panose="02020603050405020304" pitchFamily="18" charset="0"/>
+              <a:cs typeface="Times New Roman" panose="02020603050405020304" pitchFamily="18" charset="0"/>
+            </a:endParaRPr>
+          </a:p>
+        </p:txBody>
+      </p:sp>
+    </p:spTree>
+    <p:extLst>
+      <p:ext uri="{BB962C8B-B14F-4D97-AF65-F5344CB8AC3E}">
+        <p14:creationId xmlns:p14="http://schemas.microsoft.com/office/powerpoint/2010/main" val="574959283"/>
+      </p:ext>
+    </p:extLst>
+  </p:cSld>
+  <p:clrMapOvr>
+    <a:masterClrMapping/>
+  </p:clrMapOvr>
+  <mc:AlternateContent xmlns:mc="http://schemas.openxmlformats.org/markup-compatibility/2006">
+    <mc:Choice xmlns:p14="http://schemas.microsoft.com/office/powerpoint/2010/main" Requires="p14">
+      <p:transition spd="slow" p14:dur="4400">
+        <p14:honeycomb/>
+      </p:transition>
+    </mc:Choice>
+    <mc:Fallback>
+      <p:transition spd="slow">
+        <p:fade/>
+      </p:transition>
+    </mc:Fallback>
+  </mc:AlternateContent>
   <p:timing>
     <p:tnLst>
       <p:par>
